--- a/GPREC/03_Communications/Kit3_Communication_Training.pptx
+++ b/GPREC/03_Communications/Kit3_Communication_Training.pptx
@@ -11716,7 +11716,7 @@
         </p:nvSpPr>
         <p:spPr>
           <a:xfrm>
-            <a:off x="6490252" y="6211957"/>
+            <a:off x="6293413" y="5561541"/>
             <a:ext cx="1343638" cy="369332"/>
           </a:xfrm>
           <a:prstGeom prst="rect">

--- a/GPREC/03_Communications/Kit3_Communication_Training.pptx
+++ b/GPREC/03_Communications/Kit3_Communication_Training.pptx
@@ -8082,8 +8082,8 @@
         </p:nvSpPr>
         <p:spPr bwMode="auto">
           <a:xfrm>
-            <a:off x="838199" y="1192850"/>
-            <a:ext cx="10515600" cy="5545864"/>
+            <a:off x="453059" y="1203736"/>
+            <a:ext cx="11087099" cy="5545864"/>
           </a:xfrm>
         </p:spPr>
         <p:txBody>
@@ -8096,7 +8096,7 @@
               <a:defRPr/>
             </a:pPr>
             <a:r>
-              <a:rPr sz="1200" b="0" i="0" u="none">
+              <a:rPr sz="1200" b="0" i="0" u="none" dirty="0">
                 <a:solidFill>
                   <a:srgbClr val="000000"/>
                 </a:solidFill>
@@ -8106,14 +8106,14 @@
               </a:rPr>
               <a:t>NRF24L01 – Transmitter &amp; Receiver Workflow</a:t>
             </a:r>
-            <a:endParaRPr/>
-          </a:p>
-          <a:p>
-            <a:pPr>
-              <a:defRPr/>
-            </a:pPr>
-            <a:r>
-              <a:rPr sz="1800" b="1" i="0" u="none">
+            <a:endParaRPr dirty="0"/>
+          </a:p>
+          <a:p>
+            <a:pPr>
+              <a:defRPr/>
+            </a:pPr>
+            <a:r>
+              <a:rPr sz="1800" b="1" i="0" u="none" dirty="0">
                 <a:solidFill>
                   <a:srgbClr val="000000"/>
                 </a:solidFill>
@@ -8123,14 +8123,14 @@
               </a:rPr>
               <a:t>1. Setup Transmitter &amp; Receiver</a:t>
             </a:r>
-            <a:endParaRPr/>
-          </a:p>
-          <a:p>
-            <a:pPr>
-              <a:defRPr/>
-            </a:pPr>
-            <a:r>
-              <a:rPr sz="1200" b="0" i="0" u="none">
+            <a:endParaRPr dirty="0"/>
+          </a:p>
+          <a:p>
+            <a:pPr>
+              <a:defRPr/>
+            </a:pPr>
+            <a:r>
+              <a:rPr sz="1200" b="0" i="0" u="none" dirty="0">
                 <a:solidFill>
                   <a:srgbClr val="000000"/>
                 </a:solidFill>
@@ -8141,7 +8141,7 @@
               <a:t>Configure </a:t>
             </a:r>
             <a:r>
-              <a:rPr sz="1200" b="1" i="0" u="none">
+              <a:rPr sz="1200" b="1" i="0" u="none" dirty="0">
                 <a:solidFill>
                   <a:srgbClr val="000000"/>
                 </a:solidFill>
@@ -8152,7 +8152,7 @@
               <a:t>ESP32 + NRF24L01</a:t>
             </a:r>
             <a:r>
-              <a:rPr sz="1200" b="0" i="0" u="none">
+              <a:rPr sz="1200" b="0" i="0" u="none" dirty="0">
                 <a:solidFill>
                   <a:srgbClr val="000000"/>
                 </a:solidFill>
@@ -8162,14 +8162,14 @@
               </a:rPr>
               <a:t> on SPI pins</a:t>
             </a:r>
-            <a:endParaRPr/>
-          </a:p>
-          <a:p>
-            <a:pPr>
-              <a:defRPr/>
-            </a:pPr>
-            <a:r>
-              <a:rPr sz="1200" b="0" i="0" u="none">
+            <a:endParaRPr dirty="0"/>
+          </a:p>
+          <a:p>
+            <a:pPr>
+              <a:defRPr/>
+            </a:pPr>
+            <a:r>
+              <a:rPr sz="1200" b="0" i="0" u="none" dirty="0">
                 <a:solidFill>
                   <a:srgbClr val="000000"/>
                 </a:solidFill>
@@ -8180,7 +8180,7 @@
               <a:t>Connect </a:t>
             </a:r>
             <a:r>
-              <a:rPr sz="1200" b="1" i="0" u="none">
+              <a:rPr sz="1200" b="1" i="0" u="none" dirty="0">
                 <a:solidFill>
                   <a:srgbClr val="000000"/>
                 </a:solidFill>
@@ -8191,7 +8191,7 @@
               <a:t>OLED display</a:t>
             </a:r>
             <a:r>
-              <a:rPr sz="1200" b="0" i="0" u="none">
+              <a:rPr sz="1200" b="0" i="0" u="none" dirty="0">
                 <a:solidFill>
                   <a:srgbClr val="000000"/>
                 </a:solidFill>
@@ -8201,14 +8201,14 @@
               </a:rPr>
               <a:t> for feedback</a:t>
             </a:r>
-            <a:endParaRPr/>
-          </a:p>
-          <a:p>
-            <a:pPr>
-              <a:defRPr/>
-            </a:pPr>
-            <a:r>
-              <a:rPr sz="1200" b="0" i="0" u="none">
+            <a:endParaRPr dirty="0"/>
+          </a:p>
+          <a:p>
+            <a:pPr>
+              <a:defRPr/>
+            </a:pPr>
+            <a:r>
+              <a:rPr sz="1200" b="0" i="0" u="none" dirty="0">
                 <a:solidFill>
                   <a:srgbClr val="000000"/>
                 </a:solidFill>
@@ -8219,7 +8219,7 @@
               <a:t>Set matching </a:t>
             </a:r>
             <a:r>
-              <a:rPr sz="1200" b="1" i="0" u="none">
+              <a:rPr sz="1200" b="1" i="0" u="none" dirty="0">
                 <a:solidFill>
                   <a:srgbClr val="000000"/>
                 </a:solidFill>
@@ -8230,7 +8230,7 @@
               <a:t>radio address</a:t>
             </a:r>
             <a:r>
-              <a:rPr sz="1200" b="0" i="0" u="none">
+              <a:rPr sz="1200" b="0" i="0" u="none" dirty="0">
                 <a:solidFill>
                   <a:srgbClr val="000000"/>
                 </a:solidFill>
@@ -8240,14 +8240,14 @@
               </a:rPr>
               <a:t> for TX/RX</a:t>
             </a:r>
-            <a:endParaRPr/>
-          </a:p>
-          <a:p>
-            <a:pPr>
-              <a:defRPr/>
-            </a:pPr>
-            <a:r>
-              <a:rPr sz="2400" b="1" i="0" u="none">
+            <a:endParaRPr dirty="0"/>
+          </a:p>
+          <a:p>
+            <a:pPr>
+              <a:defRPr/>
+            </a:pPr>
+            <a:r>
+              <a:rPr sz="2400" b="1" i="0" u="none" dirty="0">
                 <a:solidFill>
                   <a:srgbClr val="000000"/>
                 </a:solidFill>
@@ -8257,14 +8257,14 @@
               </a:rPr>
               <a:t>2. NRF24 Communication Workflow</a:t>
             </a:r>
-            <a:endParaRPr/>
-          </a:p>
-          <a:p>
-            <a:pPr>
-              <a:defRPr/>
-            </a:pPr>
-            <a:r>
-              <a:rPr sz="1800" b="1" i="0" u="none">
+            <a:endParaRPr dirty="0"/>
+          </a:p>
+          <a:p>
+            <a:pPr>
+              <a:defRPr/>
+            </a:pPr>
+            <a:r>
+              <a:rPr sz="1800" b="1" i="0" u="none" dirty="0">
                 <a:solidFill>
                   <a:srgbClr val="000000"/>
                 </a:solidFill>
@@ -8274,14 +8274,14 @@
               </a:rPr>
               <a:t>🔵 Transmitter Side (TX)</a:t>
             </a:r>
-            <a:endParaRPr/>
-          </a:p>
-          <a:p>
-            <a:pPr>
-              <a:defRPr/>
-            </a:pPr>
-            <a:r>
-              <a:rPr sz="1200" b="0" i="0" u="none">
+            <a:endParaRPr dirty="0"/>
+          </a:p>
+          <a:p>
+            <a:pPr>
+              <a:defRPr/>
+            </a:pPr>
+            <a:r>
+              <a:rPr sz="1200" b="0" i="0" u="none" dirty="0">
                 <a:solidFill>
                   <a:srgbClr val="000000"/>
                 </a:solidFill>
@@ -8292,7 +8292,7 @@
               <a:t>ESP32 reads </a:t>
             </a:r>
             <a:r>
-              <a:rPr sz="1200" b="1" i="0" u="none">
+              <a:rPr sz="1200" b="1" i="0" u="none" dirty="0">
                 <a:solidFill>
                   <a:srgbClr val="000000"/>
                 </a:solidFill>
@@ -8302,14 +8302,14 @@
               </a:rPr>
               <a:t>potentiometer value</a:t>
             </a:r>
-            <a:endParaRPr/>
-          </a:p>
-          <a:p>
-            <a:pPr>
-              <a:defRPr/>
-            </a:pPr>
-            <a:r>
-              <a:rPr sz="1200" b="0" i="0" u="none">
+            <a:endParaRPr dirty="0"/>
+          </a:p>
+          <a:p>
+            <a:pPr>
+              <a:defRPr/>
+            </a:pPr>
+            <a:r>
+              <a:rPr sz="1200" b="0" i="0" u="none" dirty="0">
                 <a:solidFill>
                   <a:srgbClr val="000000"/>
                 </a:solidFill>
@@ -8320,7 +8320,7 @@
               <a:t>Formats message as: </a:t>
             </a:r>
             <a:r>
-              <a:rPr sz="1200" b="1" i="0" u="none">
+              <a:rPr sz="1200" b="1" i="0" u="none" dirty="0">
                 <a:solidFill>
                   <a:srgbClr val="000000"/>
                 </a:solidFill>
@@ -8328,16 +8328,38 @@
                 <a:ea typeface="Times New Roman"/>
                 <a:cs typeface="Times New Roman"/>
               </a:rPr>
-              <a:t>"PotValue:XXXX"</a:t>
-            </a:r>
-            <a:endParaRPr/>
-          </a:p>
-          <a:p>
-            <a:pPr>
-              <a:defRPr/>
-            </a:pPr>
-            <a:r>
-              <a:rPr sz="1200" b="0" i="0" u="none">
+              <a:t>"</a:t>
+            </a:r>
+            <a:r>
+              <a:rPr sz="1200" b="1" i="0" u="none" dirty="0" err="1">
+                <a:solidFill>
+                  <a:srgbClr val="000000"/>
+                </a:solidFill>
+                <a:latin typeface="Times New Roman"/>
+                <a:ea typeface="Times New Roman"/>
+                <a:cs typeface="Times New Roman"/>
+              </a:rPr>
+              <a:t>PotValue:XXXX</a:t>
+            </a:r>
+            <a:r>
+              <a:rPr sz="1200" b="1" i="0" u="none" dirty="0">
+                <a:solidFill>
+                  <a:srgbClr val="000000"/>
+                </a:solidFill>
+                <a:latin typeface="Times New Roman"/>
+                <a:ea typeface="Times New Roman"/>
+                <a:cs typeface="Times New Roman"/>
+              </a:rPr>
+              <a:t>"</a:t>
+            </a:r>
+            <a:endParaRPr dirty="0"/>
+          </a:p>
+          <a:p>
+            <a:pPr>
+              <a:defRPr/>
+            </a:pPr>
+            <a:r>
+              <a:rPr sz="1200" b="0" i="0" u="none" dirty="0">
                 <a:solidFill>
                   <a:srgbClr val="000000"/>
                 </a:solidFill>
@@ -8348,7 +8370,7 @@
               <a:t>Sends packet using </a:t>
             </a:r>
             <a:r>
-              <a:rPr sz="1200" b="1" i="0" u="none">
+              <a:rPr sz="1200" b="1" i="0" u="none" dirty="0">
                 <a:solidFill>
                   <a:srgbClr val="000000"/>
                 </a:solidFill>
@@ -8359,7 +8381,7 @@
               <a:t>NRF24L01 @ 2.4 GHz</a:t>
             </a:r>
             <a:r>
-              <a:rPr sz="1200" b="0" i="0" u="none">
+              <a:rPr sz="1200" b="0" i="0" u="none" dirty="0">
                 <a:solidFill>
                   <a:srgbClr val="000000"/>
                 </a:solidFill>
@@ -8369,14 +8391,14 @@
               </a:rPr>
               <a:t> (32-byte payload)</a:t>
             </a:r>
-            <a:endParaRPr/>
-          </a:p>
-          <a:p>
-            <a:pPr>
-              <a:defRPr/>
-            </a:pPr>
-            <a:r>
-              <a:rPr sz="1200" b="0" i="0" u="none">
+            <a:endParaRPr dirty="0"/>
+          </a:p>
+          <a:p>
+            <a:pPr>
+              <a:defRPr/>
+            </a:pPr>
+            <a:r>
+              <a:rPr sz="1200" b="0" i="0" u="none" dirty="0">
                 <a:solidFill>
                   <a:srgbClr val="000000"/>
                 </a:solidFill>
@@ -8387,7 +8409,7 @@
               <a:t>OLED shows: </a:t>
             </a:r>
             <a:r>
-              <a:rPr sz="1200" b="1" i="0" u="none">
+              <a:rPr sz="1200" b="1" i="0" u="none" dirty="0">
                 <a:solidFill>
                   <a:srgbClr val="000000"/>
                 </a:solidFill>
@@ -8397,14 +8419,14 @@
               </a:rPr>
               <a:t>“Sent: XXXX”</a:t>
             </a:r>
-            <a:endParaRPr/>
-          </a:p>
-          <a:p>
-            <a:pPr>
-              <a:defRPr/>
-            </a:pPr>
-            <a:r>
-              <a:rPr sz="1200" b="0" i="0" u="none">
+            <a:endParaRPr dirty="0"/>
+          </a:p>
+          <a:p>
+            <a:pPr>
+              <a:defRPr/>
+            </a:pPr>
+            <a:r>
+              <a:rPr sz="1200" b="0" i="0" u="none" dirty="0">
                 <a:solidFill>
                   <a:srgbClr val="000000"/>
                 </a:solidFill>
@@ -8415,7 +8437,7 @@
               <a:t>Uses SPI pins (</a:t>
             </a:r>
             <a:r>
-              <a:rPr sz="1200" b="1" i="0" u="none">
+              <a:rPr sz="1200" b="1" i="0" u="none" dirty="0">
                 <a:solidFill>
                   <a:srgbClr val="000000"/>
                 </a:solidFill>
@@ -8426,7 +8448,7 @@
               <a:t>CE, CSN, SCK, MOSI, MISO</a:t>
             </a:r>
             <a:r>
-              <a:rPr sz="1200" b="0" i="0" u="none">
+              <a:rPr sz="1200" b="0" i="0" u="none" dirty="0">
                 <a:solidFill>
                   <a:srgbClr val="000000"/>
                 </a:solidFill>
@@ -8436,14 +8458,14 @@
               </a:rPr>
               <a:t>)</a:t>
             </a:r>
-            <a:endParaRPr/>
-          </a:p>
-          <a:p>
-            <a:pPr>
-              <a:defRPr/>
-            </a:pPr>
-            <a:r>
-              <a:rPr sz="1800" b="1" i="0" u="none">
+            <a:endParaRPr dirty="0"/>
+          </a:p>
+          <a:p>
+            <a:pPr>
+              <a:defRPr/>
+            </a:pPr>
+            <a:r>
+              <a:rPr sz="1800" b="1" i="0" u="none" dirty="0">
                 <a:solidFill>
                   <a:srgbClr val="000000"/>
                 </a:solidFill>
@@ -8453,14 +8475,14 @@
               </a:rPr>
               <a:t>NRF24 Wireless Link</a:t>
             </a:r>
-            <a:endParaRPr/>
-          </a:p>
-          <a:p>
-            <a:pPr>
-              <a:defRPr/>
-            </a:pPr>
-            <a:r>
-              <a:rPr sz="1200" b="0" i="0" u="none">
+            <a:endParaRPr dirty="0"/>
+          </a:p>
+          <a:p>
+            <a:pPr>
+              <a:defRPr/>
+            </a:pPr>
+            <a:r>
+              <a:rPr sz="1200" b="0" i="0" u="none" dirty="0">
                 <a:solidFill>
                   <a:srgbClr val="000000"/>
                 </a:solidFill>
@@ -8471,7 +8493,7 @@
               <a:t>Short-range, </a:t>
             </a:r>
             <a:r>
-              <a:rPr sz="1200" b="1" i="0" u="none">
+              <a:rPr sz="1200" b="1" i="0" u="none" dirty="0">
                 <a:solidFill>
                   <a:srgbClr val="000000"/>
                 </a:solidFill>
@@ -8482,7 +8504,7 @@
               <a:t>high-speed 2.4 GHz</a:t>
             </a:r>
             <a:r>
-              <a:rPr sz="1200" b="0" i="0" u="none">
+              <a:rPr sz="1200" b="0" i="0" u="none" dirty="0">
                 <a:solidFill>
                   <a:srgbClr val="000000"/>
                 </a:solidFill>
@@ -8492,14 +8514,14 @@
               </a:rPr>
               <a:t> radio link</a:t>
             </a:r>
-            <a:endParaRPr/>
-          </a:p>
-          <a:p>
-            <a:pPr>
-              <a:defRPr/>
-            </a:pPr>
-            <a:r>
-              <a:rPr sz="1200" b="0" i="0" u="none">
+            <a:endParaRPr dirty="0"/>
+          </a:p>
+          <a:p>
+            <a:pPr>
+              <a:defRPr/>
+            </a:pPr>
+            <a:r>
+              <a:rPr sz="1200" b="0" i="0" u="none" dirty="0">
                 <a:solidFill>
                   <a:srgbClr val="000000"/>
                 </a:solidFill>
@@ -8510,7 +8532,7 @@
               <a:t>Ideal for </a:t>
             </a:r>
             <a:r>
-              <a:rPr sz="1200" b="1" i="0" u="none">
+              <a:rPr sz="1200" b="1" i="0" u="none" dirty="0">
                 <a:solidFill>
                   <a:srgbClr val="000000"/>
                 </a:solidFill>
@@ -8521,7 +8543,7 @@
               <a:t>robot-to-robot</a:t>
             </a:r>
             <a:r>
-              <a:rPr sz="1200" b="0" i="0" u="none">
+              <a:rPr sz="1200" b="0" i="0" u="none" dirty="0">
                 <a:solidFill>
                   <a:srgbClr val="000000"/>
                 </a:solidFill>
@@ -8531,14 +8553,14 @@
               </a:rPr>
               <a:t>, remote sensors, wireless controllers</a:t>
             </a:r>
-            <a:endParaRPr/>
-          </a:p>
-          <a:p>
-            <a:pPr>
-              <a:defRPr/>
-            </a:pPr>
-            <a:r>
-              <a:rPr sz="1200" b="0" i="0" u="none">
+            <a:endParaRPr dirty="0"/>
+          </a:p>
+          <a:p>
+            <a:pPr>
+              <a:defRPr/>
+            </a:pPr>
+            <a:r>
+              <a:rPr sz="1200" b="0" i="0" u="none" dirty="0">
                 <a:solidFill>
                   <a:srgbClr val="000000"/>
                 </a:solidFill>
@@ -8549,7 +8571,7 @@
               <a:t>Low power, reliable packet system with </a:t>
             </a:r>
             <a:r>
-              <a:rPr sz="1200" b="1" i="0" u="none">
+              <a:rPr sz="1200" b="1" i="0" u="none" dirty="0">
                 <a:solidFill>
                   <a:srgbClr val="000000"/>
                 </a:solidFill>
@@ -8559,14 +8581,14 @@
               </a:rPr>
               <a:t>auto-acknowledge</a:t>
             </a:r>
-            <a:endParaRPr/>
-          </a:p>
-          <a:p>
-            <a:pPr>
-              <a:defRPr/>
-            </a:pPr>
-            <a:r>
-              <a:rPr sz="1200" b="0" i="0" u="none">
+            <a:endParaRPr dirty="0"/>
+          </a:p>
+          <a:p>
+            <a:pPr>
+              <a:defRPr/>
+            </a:pPr>
+            <a:r>
+              <a:rPr sz="1200" b="0" i="0" u="none" dirty="0">
                 <a:solidFill>
                   <a:srgbClr val="000000"/>
                 </a:solidFill>
@@ -8577,7 +8599,7 @@
               <a:t>Supports </a:t>
             </a:r>
             <a:r>
-              <a:rPr sz="1200" b="1" i="0" u="none">
+              <a:rPr sz="1200" b="1" i="0" u="none" dirty="0">
                 <a:solidFill>
                   <a:srgbClr val="000000"/>
                 </a:solidFill>
@@ -8588,7 +8610,7 @@
               <a:t>multiple nodes</a:t>
             </a:r>
             <a:r>
-              <a:rPr sz="1200" b="0" i="0" u="none">
+              <a:rPr sz="1200" b="0" i="0" u="none" dirty="0">
                 <a:solidFill>
                   <a:srgbClr val="000000"/>
                 </a:solidFill>
@@ -8598,14 +8620,14 @@
               </a:rPr>
               <a:t> via unique radio addresses</a:t>
             </a:r>
-            <a:endParaRPr/>
-          </a:p>
-          <a:p>
-            <a:pPr>
-              <a:defRPr/>
-            </a:pPr>
-            <a:r>
-              <a:rPr sz="1800" b="1" i="0" u="none">
+            <a:endParaRPr dirty="0"/>
+          </a:p>
+          <a:p>
+            <a:pPr>
+              <a:defRPr/>
+            </a:pPr>
+            <a:r>
+              <a:rPr sz="1800" b="1" i="0" u="none" dirty="0">
                 <a:solidFill>
                   <a:srgbClr val="000000"/>
                 </a:solidFill>
@@ -8615,14 +8637,14 @@
               </a:rPr>
               <a:t>Receiver Side (RX)</a:t>
             </a:r>
-            <a:endParaRPr/>
-          </a:p>
-          <a:p>
-            <a:pPr>
-              <a:defRPr/>
-            </a:pPr>
-            <a:r>
-              <a:rPr sz="1200" b="0" i="0" u="none">
+            <a:endParaRPr dirty="0"/>
+          </a:p>
+          <a:p>
+            <a:pPr>
+              <a:defRPr/>
+            </a:pPr>
+            <a:r>
+              <a:rPr sz="1200" b="0" i="0" u="none" dirty="0">
                 <a:solidFill>
                   <a:srgbClr val="000000"/>
                 </a:solidFill>
@@ -8633,7 +8655,7 @@
               <a:t>ESP32 detects packets using </a:t>
             </a:r>
             <a:r>
-              <a:rPr sz="1200" b="1" i="0" u="none">
+              <a:rPr sz="1200" b="1" i="0" u="none" dirty="0" err="1">
                 <a:solidFill>
                   <a:srgbClr val="000000"/>
                 </a:solidFill>
@@ -8641,16 +8663,27 @@
                 <a:ea typeface="Times New Roman"/>
                 <a:cs typeface="Times New Roman"/>
               </a:rPr>
-              <a:t>radio.available()</a:t>
-            </a:r>
-            <a:endParaRPr/>
-          </a:p>
-          <a:p>
-            <a:pPr>
-              <a:defRPr/>
-            </a:pPr>
-            <a:r>
-              <a:rPr sz="1200" b="0" i="0" u="none">
+              <a:t>radio.available</a:t>
+            </a:r>
+            <a:r>
+              <a:rPr sz="1200" b="1" i="0" u="none" dirty="0">
+                <a:solidFill>
+                  <a:srgbClr val="000000"/>
+                </a:solidFill>
+                <a:latin typeface="Times New Roman"/>
+                <a:ea typeface="Times New Roman"/>
+                <a:cs typeface="Times New Roman"/>
+              </a:rPr>
+              <a:t>()</a:t>
+            </a:r>
+            <a:endParaRPr dirty="0"/>
+          </a:p>
+          <a:p>
+            <a:pPr>
+              <a:defRPr/>
+            </a:pPr>
+            <a:r>
+              <a:rPr sz="1200" b="0" i="0" u="none" dirty="0">
                 <a:solidFill>
                   <a:srgbClr val="000000"/>
                 </a:solidFill>
@@ -8661,7 +8694,7 @@
               <a:t>Reads data with </a:t>
             </a:r>
             <a:r>
-              <a:rPr sz="1200" b="1" i="0" u="none">
+              <a:rPr sz="1200" b="1" i="0" u="none" dirty="0" err="1">
                 <a:solidFill>
                   <a:srgbClr val="000000"/>
                 </a:solidFill>
@@ -8669,16 +8702,27 @@
                 <a:ea typeface="Times New Roman"/>
                 <a:cs typeface="Times New Roman"/>
               </a:rPr>
-              <a:t>radio.read()</a:t>
-            </a:r>
-            <a:endParaRPr/>
-          </a:p>
-          <a:p>
-            <a:pPr>
-              <a:defRPr/>
-            </a:pPr>
-            <a:r>
-              <a:rPr sz="1200" b="0" i="0" u="none">
+              <a:t>radio.read</a:t>
+            </a:r>
+            <a:r>
+              <a:rPr sz="1200" b="1" i="0" u="none" dirty="0">
+                <a:solidFill>
+                  <a:srgbClr val="000000"/>
+                </a:solidFill>
+                <a:latin typeface="Times New Roman"/>
+                <a:ea typeface="Times New Roman"/>
+                <a:cs typeface="Times New Roman"/>
+              </a:rPr>
+              <a:t>()</a:t>
+            </a:r>
+            <a:endParaRPr dirty="0"/>
+          </a:p>
+          <a:p>
+            <a:pPr>
+              <a:defRPr/>
+            </a:pPr>
+            <a:r>
+              <a:rPr sz="1200" b="0" i="0" u="none" dirty="0">
                 <a:solidFill>
                   <a:srgbClr val="000000"/>
                 </a:solidFill>
@@ -8688,14 +8732,14 @@
               </a:rPr>
               <a:t>Extracts potentiometer value from received message</a:t>
             </a:r>
-            <a:endParaRPr/>
-          </a:p>
-          <a:p>
-            <a:pPr>
-              <a:defRPr/>
-            </a:pPr>
-            <a:r>
-              <a:rPr sz="1200" b="0" i="0" u="none">
+            <a:endParaRPr dirty="0"/>
+          </a:p>
+          <a:p>
+            <a:pPr>
+              <a:defRPr/>
+            </a:pPr>
+            <a:r>
+              <a:rPr sz="1200" b="0" i="0" u="none" dirty="0">
                 <a:solidFill>
                   <a:srgbClr val="000000"/>
                 </a:solidFill>
@@ -8706,7 +8750,7 @@
               <a:t>OLED displays: </a:t>
             </a:r>
             <a:r>
-              <a:rPr sz="1200" b="1" i="0" u="none">
+              <a:rPr sz="1200" b="1" i="0" u="none" dirty="0">
                 <a:solidFill>
                   <a:srgbClr val="000000"/>
                 </a:solidFill>
@@ -8714,9 +8758,31 @@
                 <a:ea typeface="Times New Roman"/>
                 <a:cs typeface="Times New Roman"/>
               </a:rPr>
-              <a:t>“Recv: XXXX”</a:t>
-            </a:r>
-            <a:endParaRPr/>
+              <a:t>“</a:t>
+            </a:r>
+            <a:r>
+              <a:rPr sz="1200" b="1" i="0" u="none" dirty="0" err="1">
+                <a:solidFill>
+                  <a:srgbClr val="000000"/>
+                </a:solidFill>
+                <a:latin typeface="Times New Roman"/>
+                <a:ea typeface="Times New Roman"/>
+                <a:cs typeface="Times New Roman"/>
+              </a:rPr>
+              <a:t>Recv</a:t>
+            </a:r>
+            <a:r>
+              <a:rPr sz="1200" b="1" i="0" u="none" dirty="0">
+                <a:solidFill>
+                  <a:srgbClr val="000000"/>
+                </a:solidFill>
+                <a:latin typeface="Times New Roman"/>
+                <a:ea typeface="Times New Roman"/>
+                <a:cs typeface="Times New Roman"/>
+              </a:rPr>
+              <a:t>: XXXX”</a:t>
+            </a:r>
+            <a:endParaRPr dirty="0"/>
           </a:p>
         </p:txBody>
       </p:sp>
@@ -8734,7 +8800,7 @@
         </p:blipFill>
         <p:spPr bwMode="auto">
           <a:xfrm>
-            <a:off x="5297351" y="2637413"/>
+            <a:off x="5690743" y="1325563"/>
             <a:ext cx="5563666" cy="3127283"/>
           </a:xfrm>
           <a:prstGeom prst="rect">
@@ -8804,8 +8870,8 @@
         </p:nvSpPr>
         <p:spPr bwMode="auto">
           <a:xfrm>
-            <a:off x="6490252" y="6211957"/>
-            <a:ext cx="1343638" cy="369332"/>
+            <a:off x="5521423" y="4516774"/>
+            <a:ext cx="6403877" cy="1661993"/>
           </a:xfrm>
           <a:prstGeom prst="rect">
             <a:avLst/>
@@ -8813,7 +8879,7 @@
           <a:noFill/>
         </p:spPr>
         <p:txBody>
-          <a:bodyPr wrap="none" rtlCol="0">
+          <a:bodyPr wrap="square" rtlCol="0">
             <a:spAutoFit/>
           </a:bodyPr>
           <a:lstStyle/>
@@ -8826,6 +8892,32 @@
               <a:rPr lang="en-GB" b="1" dirty="0"/>
               <a:t> Link:</a:t>
             </a:r>
+          </a:p>
+          <a:p>
+            <a:r>
+              <a:rPr lang="en-GB" sz="1400" b="1" dirty="0"/>
+              <a:t>(1). </a:t>
+            </a:r>
+            <a:r>
+              <a:rPr lang="en-GB" sz="1400" b="1" dirty="0">
+                <a:hlinkClick r:id="rId4"/>
+              </a:rPr>
+              <a:t>https://github.com/info-zas/Training/tree/main/GPREC/03_Communications/01_Code/03_Comm_Kit_NRF24L01_Transmitter_Encoder_Value</a:t>
+            </a:r>
+            <a:endParaRPr lang="en-GB" sz="1400" b="1" dirty="0"/>
+          </a:p>
+          <a:p>
+            <a:r>
+              <a:rPr lang="en-GB" sz="1400" b="1" dirty="0"/>
+              <a:t>(2). </a:t>
+            </a:r>
+            <a:r>
+              <a:rPr lang="en-GB" sz="1400" b="1" dirty="0">
+                <a:hlinkClick r:id="rId5"/>
+              </a:rPr>
+              <a:t>https://github.com/info-zas/Training/tree/main/GPREC/03_Communications/01_Code/04_Comm_Kit_NRF24L01_Receiver_Encoder_Value</a:t>
+            </a:r>
+            <a:endParaRPr lang="en-GB" sz="1400" b="1" dirty="0"/>
           </a:p>
         </p:txBody>
       </p:sp>
@@ -11694,7 +11786,7 @@
         </p:blipFill>
         <p:spPr bwMode="auto">
           <a:xfrm>
-            <a:off x="6356845" y="1397593"/>
+            <a:off x="6356846" y="1121634"/>
             <a:ext cx="4112663" cy="4163948"/>
           </a:xfrm>
           <a:prstGeom prst="rect">
@@ -11716,8 +11808,8 @@
         </p:nvSpPr>
         <p:spPr>
           <a:xfrm>
-            <a:off x="6293413" y="5561541"/>
-            <a:ext cx="1343638" cy="369332"/>
+            <a:off x="5953569" y="5291465"/>
+            <a:ext cx="5898587" cy="1477328"/>
           </a:xfrm>
           <a:prstGeom prst="rect">
             <a:avLst/>
@@ -11725,7 +11817,7 @@
           <a:noFill/>
         </p:spPr>
         <p:txBody>
-          <a:bodyPr wrap="none" rtlCol="0">
+          <a:bodyPr wrap="square" rtlCol="0">
             <a:spAutoFit/>
           </a:bodyPr>
           <a:lstStyle/>
@@ -11738,6 +11830,32 @@
               <a:rPr lang="en-GB" b="1" dirty="0"/>
               <a:t> Link:</a:t>
             </a:r>
+          </a:p>
+          <a:p>
+            <a:r>
+              <a:rPr lang="en-GB" sz="1200" b="1" dirty="0"/>
+              <a:t>(1). </a:t>
+            </a:r>
+            <a:r>
+              <a:rPr lang="en-GB" sz="1200" b="1" dirty="0">
+                <a:hlinkClick r:id="rId4"/>
+              </a:rPr>
+              <a:t>https://github.com/info-zas/Training/tree/main/GPREC/03_Communications/01_Code/01_Comm_Kit_RFIDCardInfo</a:t>
+            </a:r>
+            <a:endParaRPr lang="en-GB" sz="1200" b="1" dirty="0"/>
+          </a:p>
+          <a:p>
+            <a:r>
+              <a:rPr lang="en-GB" sz="1200" b="1" dirty="0"/>
+              <a:t>(2). </a:t>
+            </a:r>
+            <a:r>
+              <a:rPr lang="en-GB" sz="1200" b="1" dirty="0">
+                <a:hlinkClick r:id="rId5"/>
+              </a:rPr>
+              <a:t>https://github.com/info-zas/Training/tree/main/GPREC/03_Communications/01_Code/02_Comm_Kit_RFIDCardReaderAccess</a:t>
+            </a:r>
+            <a:endParaRPr lang="en-GB" sz="1200" b="1" dirty="0"/>
           </a:p>
         </p:txBody>
       </p:sp>

--- a/GPREC/03_Communications/Kit3_Communication_Training.pptx
+++ b/GPREC/03_Communications/Kit3_Communication_Training.pptx
@@ -9141,6 +9141,71 @@
               <a:rPr lang="en-GB" b="1" dirty="0"/>
               <a:t> Link:</a:t>
             </a:r>
+          </a:p>
+        </p:txBody>
+      </p:sp>
+      <p:sp>
+        <p:nvSpPr>
+          <p:cNvPr id="3" name="TextBox 2">
+            <a:extLst>
+              <a:ext uri="{FF2B5EF4-FFF2-40B4-BE49-F238E27FC236}">
+                <a16:creationId xmlns:a16="http://schemas.microsoft.com/office/drawing/2014/main" id="{A31CC090-2544-7E3B-4948-A679FD2AA5B6}"/>
+              </a:ext>
+            </a:extLst>
+          </p:cNvPr>
+          <p:cNvSpPr txBox="1"/>
+          <p:nvPr/>
+        </p:nvSpPr>
+        <p:spPr>
+          <a:xfrm>
+            <a:off x="838200" y="1839686"/>
+            <a:ext cx="5788764" cy="1477328"/>
+          </a:xfrm>
+          <a:prstGeom prst="rect">
+            <a:avLst/>
+          </a:prstGeom>
+          <a:noFill/>
+        </p:spPr>
+        <p:txBody>
+          <a:bodyPr wrap="none" rtlCol="0">
+            <a:spAutoFit/>
+          </a:bodyPr>
+          <a:lstStyle/>
+          <a:p>
+            <a:r>
+              <a:rPr lang="en-GB" dirty="0"/>
+              <a:t>Discuss the SD Card Module –</a:t>
+            </a:r>
+          </a:p>
+          <a:p>
+            <a:pPr marL="342900" indent="-342900">
+              <a:buAutoNum type="alphaLcParenBoth"/>
+            </a:pPr>
+            <a:r>
+              <a:rPr lang="en-GB" dirty="0"/>
+              <a:t>The SD Card Pin Layout</a:t>
+            </a:r>
+          </a:p>
+          <a:p>
+            <a:pPr marL="342900" indent="-342900">
+              <a:buAutoNum type="alphaLcParenBoth"/>
+            </a:pPr>
+            <a:r>
+              <a:rPr lang="en-GB" dirty="0"/>
+              <a:t>SD Card formatting requirements</a:t>
+            </a:r>
+          </a:p>
+          <a:p>
+            <a:pPr marL="342900" indent="-342900">
+              <a:buAutoNum type="alphaLcParenBoth"/>
+            </a:pPr>
+            <a:r>
+              <a:rPr lang="en-GB" dirty="0"/>
+              <a:t>Practice the SD Card orientation for insertion &amp; removal</a:t>
+            </a:r>
+          </a:p>
+          <a:p>
+            <a:endParaRPr lang="en-GB" dirty="0"/>
           </a:p>
         </p:txBody>
       </p:sp>

--- a/GPREC/03_Communications/Kit3_Communication_Training.pptx
+++ b/GPREC/03_Communications/Kit3_Communication_Training.pptx
@@ -10912,6 +10912,1082 @@
           </a:prstGeom>
         </p:spPr>
       </p:pic>
+      <p:cxnSp>
+        <p:nvCxnSpPr>
+          <p:cNvPr id="4" name="Straight Arrow Connector 3">
+            <a:extLst>
+              <a:ext uri="{FF2B5EF4-FFF2-40B4-BE49-F238E27FC236}">
+                <a16:creationId xmlns:a16="http://schemas.microsoft.com/office/drawing/2014/main" id="{0E2975DB-E2B1-3D15-2A22-93E1C92B221A}"/>
+              </a:ext>
+            </a:extLst>
+          </p:cNvPr>
+          <p:cNvCxnSpPr/>
+          <p:nvPr/>
+        </p:nvCxnSpPr>
+        <p:spPr>
+          <a:xfrm flipH="1" flipV="1">
+            <a:off x="1926772" y="2563586"/>
+            <a:ext cx="2460171" cy="315686"/>
+          </a:xfrm>
+          <a:prstGeom prst="straightConnector1">
+            <a:avLst/>
+          </a:prstGeom>
+          <a:ln w="28575">
+            <a:solidFill>
+              <a:srgbClr val="EE0000"/>
+            </a:solidFill>
+            <a:tailEnd type="triangle"/>
+          </a:ln>
+        </p:spPr>
+        <p:style>
+          <a:lnRef idx="1">
+            <a:schemeClr val="accent1"/>
+          </a:lnRef>
+          <a:fillRef idx="0">
+            <a:schemeClr val="accent1"/>
+          </a:fillRef>
+          <a:effectRef idx="0">
+            <a:schemeClr val="accent1"/>
+          </a:effectRef>
+          <a:fontRef idx="minor">
+            <a:schemeClr val="tx1"/>
+          </a:fontRef>
+        </p:style>
+      </p:cxnSp>
+      <p:cxnSp>
+        <p:nvCxnSpPr>
+          <p:cNvPr id="5" name="Straight Arrow Connector 4">
+            <a:extLst>
+              <a:ext uri="{FF2B5EF4-FFF2-40B4-BE49-F238E27FC236}">
+                <a16:creationId xmlns:a16="http://schemas.microsoft.com/office/drawing/2014/main" id="{5B9ACF50-60B2-A66B-FC8F-F5E0E708EEC5}"/>
+              </a:ext>
+            </a:extLst>
+          </p:cNvPr>
+          <p:cNvCxnSpPr>
+            <a:cxnSpLocks/>
+          </p:cNvCxnSpPr>
+          <p:nvPr/>
+        </p:nvCxnSpPr>
+        <p:spPr bwMode="auto">
+          <a:xfrm flipV="1">
+            <a:off x="6889587" y="1715780"/>
+            <a:ext cx="2743198" cy="783772"/>
+          </a:xfrm>
+          <a:prstGeom prst="straightConnector1">
+            <a:avLst/>
+          </a:prstGeom>
+          <a:ln w="28575">
+            <a:solidFill>
+              <a:srgbClr val="EE0000"/>
+            </a:solidFill>
+            <a:tailEnd type="triangle"/>
+          </a:ln>
+        </p:spPr>
+        <p:style>
+          <a:lnRef idx="1">
+            <a:schemeClr val="accent1"/>
+          </a:lnRef>
+          <a:fillRef idx="0">
+            <a:schemeClr val="accent1"/>
+          </a:fillRef>
+          <a:effectRef idx="0">
+            <a:schemeClr val="accent1"/>
+          </a:effectRef>
+          <a:fontRef idx="minor">
+            <a:schemeClr val="tx1"/>
+          </a:fontRef>
+        </p:style>
+      </p:cxnSp>
+      <p:sp>
+        <p:nvSpPr>
+          <p:cNvPr id="8" name="TextBox 7">
+            <a:extLst>
+              <a:ext uri="{FF2B5EF4-FFF2-40B4-BE49-F238E27FC236}">
+                <a16:creationId xmlns:a16="http://schemas.microsoft.com/office/drawing/2014/main" id="{5216B88E-0D01-A116-9F44-7020C7D75BA1}"/>
+              </a:ext>
+            </a:extLst>
+          </p:cNvPr>
+          <p:cNvSpPr txBox="1"/>
+          <p:nvPr/>
+        </p:nvSpPr>
+        <p:spPr>
+          <a:xfrm>
+            <a:off x="9632785" y="1545782"/>
+            <a:ext cx="1765227" cy="369332"/>
+          </a:xfrm>
+          <a:prstGeom prst="rect">
+            <a:avLst/>
+          </a:prstGeom>
+          <a:noFill/>
+        </p:spPr>
+        <p:txBody>
+          <a:bodyPr wrap="none" rtlCol="0">
+            <a:spAutoFit/>
+          </a:bodyPr>
+          <a:lstStyle/>
+          <a:p>
+            <a:r>
+              <a:rPr lang="en-GB" b="1" dirty="0"/>
+              <a:t>LoRa Module I/F</a:t>
+            </a:r>
+          </a:p>
+        </p:txBody>
+      </p:sp>
+      <p:sp>
+        <p:nvSpPr>
+          <p:cNvPr id="9" name="TextBox 8">
+            <a:extLst>
+              <a:ext uri="{FF2B5EF4-FFF2-40B4-BE49-F238E27FC236}">
+                <a16:creationId xmlns:a16="http://schemas.microsoft.com/office/drawing/2014/main" id="{5DD9C85B-50AB-D7BD-3A53-E563397E2A5B}"/>
+              </a:ext>
+            </a:extLst>
+          </p:cNvPr>
+          <p:cNvSpPr txBox="1"/>
+          <p:nvPr/>
+        </p:nvSpPr>
+        <p:spPr bwMode="auto">
+          <a:xfrm>
+            <a:off x="1138883" y="2314886"/>
+            <a:ext cx="763351" cy="369332"/>
+          </a:xfrm>
+          <a:prstGeom prst="rect">
+            <a:avLst/>
+          </a:prstGeom>
+          <a:noFill/>
+        </p:spPr>
+        <p:txBody>
+          <a:bodyPr wrap="none" rtlCol="0">
+            <a:spAutoFit/>
+          </a:bodyPr>
+          <a:lstStyle/>
+          <a:p>
+            <a:r>
+              <a:rPr lang="en-GB" b="1" dirty="0"/>
+              <a:t>ESP32</a:t>
+            </a:r>
+          </a:p>
+        </p:txBody>
+      </p:sp>
+      <p:cxnSp>
+        <p:nvCxnSpPr>
+          <p:cNvPr id="10" name="Straight Arrow Connector 9">
+            <a:extLst>
+              <a:ext uri="{FF2B5EF4-FFF2-40B4-BE49-F238E27FC236}">
+                <a16:creationId xmlns:a16="http://schemas.microsoft.com/office/drawing/2014/main" id="{090B6FB5-6A3E-F498-3D69-7A1FBABE0E26}"/>
+              </a:ext>
+            </a:extLst>
+          </p:cNvPr>
+          <p:cNvCxnSpPr>
+            <a:cxnSpLocks/>
+          </p:cNvCxnSpPr>
+          <p:nvPr/>
+        </p:nvCxnSpPr>
+        <p:spPr bwMode="auto">
+          <a:xfrm flipV="1">
+            <a:off x="7052872" y="2867182"/>
+            <a:ext cx="2743198" cy="783772"/>
+          </a:xfrm>
+          <a:prstGeom prst="straightConnector1">
+            <a:avLst/>
+          </a:prstGeom>
+          <a:ln w="28575">
+            <a:solidFill>
+              <a:srgbClr val="EE0000"/>
+            </a:solidFill>
+            <a:tailEnd type="triangle"/>
+          </a:ln>
+        </p:spPr>
+        <p:style>
+          <a:lnRef idx="1">
+            <a:schemeClr val="accent1"/>
+          </a:lnRef>
+          <a:fillRef idx="0">
+            <a:schemeClr val="accent1"/>
+          </a:fillRef>
+          <a:effectRef idx="0">
+            <a:schemeClr val="accent1"/>
+          </a:effectRef>
+          <a:fontRef idx="minor">
+            <a:schemeClr val="tx1"/>
+          </a:fontRef>
+        </p:style>
+      </p:cxnSp>
+      <p:sp>
+        <p:nvSpPr>
+          <p:cNvPr id="12" name="TextBox 11">
+            <a:extLst>
+              <a:ext uri="{FF2B5EF4-FFF2-40B4-BE49-F238E27FC236}">
+                <a16:creationId xmlns:a16="http://schemas.microsoft.com/office/drawing/2014/main" id="{A216E2B2-A493-5878-80CF-CE572B548F57}"/>
+              </a:ext>
+            </a:extLst>
+          </p:cNvPr>
+          <p:cNvSpPr txBox="1"/>
+          <p:nvPr/>
+        </p:nvSpPr>
+        <p:spPr bwMode="auto">
+          <a:xfrm>
+            <a:off x="9796070" y="2602966"/>
+            <a:ext cx="1015021" cy="369332"/>
+          </a:xfrm>
+          <a:prstGeom prst="rect">
+            <a:avLst/>
+          </a:prstGeom>
+          <a:noFill/>
+        </p:spPr>
+        <p:txBody>
+          <a:bodyPr wrap="none" rtlCol="0">
+            <a:spAutoFit/>
+          </a:bodyPr>
+          <a:lstStyle/>
+          <a:p>
+            <a:r>
+              <a:rPr lang="en-GB" b="1" dirty="0"/>
+              <a:t>OLED I/F</a:t>
+            </a:r>
+          </a:p>
+        </p:txBody>
+      </p:sp>
+      <p:cxnSp>
+        <p:nvCxnSpPr>
+          <p:cNvPr id="13" name="Straight Arrow Connector 12">
+            <a:extLst>
+              <a:ext uri="{FF2B5EF4-FFF2-40B4-BE49-F238E27FC236}">
+                <a16:creationId xmlns:a16="http://schemas.microsoft.com/office/drawing/2014/main" id="{562CEF49-9565-4353-6CE3-BA57A4A8A906}"/>
+              </a:ext>
+            </a:extLst>
+          </p:cNvPr>
+          <p:cNvCxnSpPr>
+            <a:cxnSpLocks/>
+          </p:cNvCxnSpPr>
+          <p:nvPr/>
+        </p:nvCxnSpPr>
+        <p:spPr bwMode="auto">
+          <a:xfrm flipV="1">
+            <a:off x="7805059" y="2282744"/>
+            <a:ext cx="1827726" cy="504888"/>
+          </a:xfrm>
+          <a:prstGeom prst="straightConnector1">
+            <a:avLst/>
+          </a:prstGeom>
+          <a:ln w="28575">
+            <a:solidFill>
+              <a:srgbClr val="EE0000"/>
+            </a:solidFill>
+            <a:tailEnd type="triangle"/>
+          </a:ln>
+        </p:spPr>
+        <p:style>
+          <a:lnRef idx="1">
+            <a:schemeClr val="accent1"/>
+          </a:lnRef>
+          <a:fillRef idx="0">
+            <a:schemeClr val="accent1"/>
+          </a:fillRef>
+          <a:effectRef idx="0">
+            <a:schemeClr val="accent1"/>
+          </a:effectRef>
+          <a:fontRef idx="minor">
+            <a:schemeClr val="tx1"/>
+          </a:fontRef>
+        </p:style>
+      </p:cxnSp>
+      <p:sp>
+        <p:nvSpPr>
+          <p:cNvPr id="15" name="TextBox 14">
+            <a:extLst>
+              <a:ext uri="{FF2B5EF4-FFF2-40B4-BE49-F238E27FC236}">
+                <a16:creationId xmlns:a16="http://schemas.microsoft.com/office/drawing/2014/main" id="{B1919051-7F1C-8A10-D296-E6155E7B5D94}"/>
+              </a:ext>
+            </a:extLst>
+          </p:cNvPr>
+          <p:cNvSpPr txBox="1"/>
+          <p:nvPr/>
+        </p:nvSpPr>
+        <p:spPr bwMode="auto">
+          <a:xfrm>
+            <a:off x="9796070" y="2080662"/>
+            <a:ext cx="2254143" cy="369332"/>
+          </a:xfrm>
+          <a:prstGeom prst="rect">
+            <a:avLst/>
+          </a:prstGeom>
+          <a:noFill/>
+        </p:spPr>
+        <p:txBody>
+          <a:bodyPr wrap="none" rtlCol="0">
+            <a:spAutoFit/>
+          </a:bodyPr>
+          <a:lstStyle/>
+          <a:p>
+            <a:r>
+              <a:rPr lang="en-GB" b="1" dirty="0"/>
+              <a:t>NRF24L01 Module I/F</a:t>
+            </a:r>
+          </a:p>
+        </p:txBody>
+      </p:sp>
+      <p:cxnSp>
+        <p:nvCxnSpPr>
+          <p:cNvPr id="16" name="Straight Arrow Connector 15">
+            <a:extLst>
+              <a:ext uri="{FF2B5EF4-FFF2-40B4-BE49-F238E27FC236}">
+                <a16:creationId xmlns:a16="http://schemas.microsoft.com/office/drawing/2014/main" id="{80580061-4FAC-8D17-0DE4-3134E6A611BC}"/>
+              </a:ext>
+            </a:extLst>
+          </p:cNvPr>
+          <p:cNvCxnSpPr>
+            <a:cxnSpLocks/>
+          </p:cNvCxnSpPr>
+          <p:nvPr/>
+        </p:nvCxnSpPr>
+        <p:spPr bwMode="auto">
+          <a:xfrm flipV="1">
+            <a:off x="7747824" y="3204820"/>
+            <a:ext cx="2048246" cy="605678"/>
+          </a:xfrm>
+          <a:prstGeom prst="straightConnector1">
+            <a:avLst/>
+          </a:prstGeom>
+          <a:ln w="28575">
+            <a:solidFill>
+              <a:srgbClr val="EE0000"/>
+            </a:solidFill>
+            <a:tailEnd type="triangle"/>
+          </a:ln>
+        </p:spPr>
+        <p:style>
+          <a:lnRef idx="1">
+            <a:schemeClr val="accent1"/>
+          </a:lnRef>
+          <a:fillRef idx="0">
+            <a:schemeClr val="accent1"/>
+          </a:fillRef>
+          <a:effectRef idx="0">
+            <a:schemeClr val="accent1"/>
+          </a:effectRef>
+          <a:fontRef idx="minor">
+            <a:schemeClr val="tx1"/>
+          </a:fontRef>
+        </p:style>
+      </p:cxnSp>
+      <p:sp>
+        <p:nvSpPr>
+          <p:cNvPr id="19" name="TextBox 18">
+            <a:extLst>
+              <a:ext uri="{FF2B5EF4-FFF2-40B4-BE49-F238E27FC236}">
+                <a16:creationId xmlns:a16="http://schemas.microsoft.com/office/drawing/2014/main" id="{594428AD-8C9E-E2A3-3189-B1017094D23C}"/>
+              </a:ext>
+            </a:extLst>
+          </p:cNvPr>
+          <p:cNvSpPr txBox="1"/>
+          <p:nvPr/>
+        </p:nvSpPr>
+        <p:spPr bwMode="auto">
+          <a:xfrm>
+            <a:off x="9836806" y="3020154"/>
+            <a:ext cx="946093" cy="369332"/>
+          </a:xfrm>
+          <a:prstGeom prst="rect">
+            <a:avLst/>
+          </a:prstGeom>
+          <a:noFill/>
+        </p:spPr>
+        <p:txBody>
+          <a:bodyPr wrap="none" rtlCol="0">
+            <a:spAutoFit/>
+          </a:bodyPr>
+          <a:lstStyle/>
+          <a:p>
+            <a:r>
+              <a:rPr lang="en-GB" b="1" dirty="0"/>
+              <a:t>RFID I/F</a:t>
+            </a:r>
+          </a:p>
+        </p:txBody>
+      </p:sp>
+      <p:sp>
+        <p:nvSpPr>
+          <p:cNvPr id="20" name="TextBox 19">
+            <a:extLst>
+              <a:ext uri="{FF2B5EF4-FFF2-40B4-BE49-F238E27FC236}">
+                <a16:creationId xmlns:a16="http://schemas.microsoft.com/office/drawing/2014/main" id="{F5CFD017-CCC8-D2EB-DDC1-894905A78198}"/>
+              </a:ext>
+            </a:extLst>
+          </p:cNvPr>
+          <p:cNvSpPr txBox="1"/>
+          <p:nvPr/>
+        </p:nvSpPr>
+        <p:spPr bwMode="auto">
+          <a:xfrm>
+            <a:off x="9796070" y="3828362"/>
+            <a:ext cx="2048959" cy="369332"/>
+          </a:xfrm>
+          <a:prstGeom prst="rect">
+            <a:avLst/>
+          </a:prstGeom>
+          <a:noFill/>
+        </p:spPr>
+        <p:txBody>
+          <a:bodyPr wrap="none" rtlCol="0">
+            <a:spAutoFit/>
+          </a:bodyPr>
+          <a:lstStyle/>
+          <a:p>
+            <a:r>
+              <a:rPr lang="en-GB" b="1" dirty="0"/>
+              <a:t>SD Card Module I/F</a:t>
+            </a:r>
+          </a:p>
+        </p:txBody>
+      </p:sp>
+      <p:cxnSp>
+        <p:nvCxnSpPr>
+          <p:cNvPr id="21" name="Straight Arrow Connector 20">
+            <a:extLst>
+              <a:ext uri="{FF2B5EF4-FFF2-40B4-BE49-F238E27FC236}">
+                <a16:creationId xmlns:a16="http://schemas.microsoft.com/office/drawing/2014/main" id="{30C8FE61-FD6C-0251-47A8-5B268CC5CFB3}"/>
+              </a:ext>
+            </a:extLst>
+          </p:cNvPr>
+          <p:cNvCxnSpPr>
+            <a:cxnSpLocks/>
+          </p:cNvCxnSpPr>
+          <p:nvPr/>
+        </p:nvCxnSpPr>
+        <p:spPr bwMode="auto">
+          <a:xfrm flipV="1">
+            <a:off x="7788560" y="4013028"/>
+            <a:ext cx="2048246" cy="605678"/>
+          </a:xfrm>
+          <a:prstGeom prst="straightConnector1">
+            <a:avLst/>
+          </a:prstGeom>
+          <a:ln w="28575">
+            <a:solidFill>
+              <a:srgbClr val="EE0000"/>
+            </a:solidFill>
+            <a:tailEnd type="triangle"/>
+          </a:ln>
+        </p:spPr>
+        <p:style>
+          <a:lnRef idx="1">
+            <a:schemeClr val="accent1"/>
+          </a:lnRef>
+          <a:fillRef idx="0">
+            <a:schemeClr val="accent1"/>
+          </a:fillRef>
+          <a:effectRef idx="0">
+            <a:schemeClr val="accent1"/>
+          </a:effectRef>
+          <a:fontRef idx="minor">
+            <a:schemeClr val="tx1"/>
+          </a:fontRef>
+        </p:style>
+      </p:cxnSp>
+      <p:cxnSp>
+        <p:nvCxnSpPr>
+          <p:cNvPr id="22" name="Straight Arrow Connector 21">
+            <a:extLst>
+              <a:ext uri="{FF2B5EF4-FFF2-40B4-BE49-F238E27FC236}">
+                <a16:creationId xmlns:a16="http://schemas.microsoft.com/office/drawing/2014/main" id="{92509D3B-F2A5-6016-8A59-13465887E570}"/>
+              </a:ext>
+            </a:extLst>
+          </p:cNvPr>
+          <p:cNvCxnSpPr>
+            <a:cxnSpLocks/>
+          </p:cNvCxnSpPr>
+          <p:nvPr/>
+        </p:nvCxnSpPr>
+        <p:spPr bwMode="auto">
+          <a:xfrm flipV="1">
+            <a:off x="7505531" y="4877649"/>
+            <a:ext cx="2048246" cy="605678"/>
+          </a:xfrm>
+          <a:prstGeom prst="straightConnector1">
+            <a:avLst/>
+          </a:prstGeom>
+          <a:ln w="28575">
+            <a:solidFill>
+              <a:srgbClr val="EE0000"/>
+            </a:solidFill>
+            <a:tailEnd type="triangle"/>
+          </a:ln>
+        </p:spPr>
+        <p:style>
+          <a:lnRef idx="1">
+            <a:schemeClr val="accent1"/>
+          </a:lnRef>
+          <a:fillRef idx="0">
+            <a:schemeClr val="accent1"/>
+          </a:fillRef>
+          <a:effectRef idx="0">
+            <a:schemeClr val="accent1"/>
+          </a:effectRef>
+          <a:fontRef idx="minor">
+            <a:schemeClr val="tx1"/>
+          </a:fontRef>
+        </p:style>
+      </p:cxnSp>
+      <p:sp>
+        <p:nvSpPr>
+          <p:cNvPr id="23" name="TextBox 22">
+            <a:extLst>
+              <a:ext uri="{FF2B5EF4-FFF2-40B4-BE49-F238E27FC236}">
+                <a16:creationId xmlns:a16="http://schemas.microsoft.com/office/drawing/2014/main" id="{13AE2AE8-70F6-913F-6DCD-D962B47AFA30}"/>
+              </a:ext>
+            </a:extLst>
+          </p:cNvPr>
+          <p:cNvSpPr txBox="1"/>
+          <p:nvPr/>
+        </p:nvSpPr>
+        <p:spPr bwMode="auto">
+          <a:xfrm>
+            <a:off x="9569305" y="4672756"/>
+            <a:ext cx="1651414" cy="369332"/>
+          </a:xfrm>
+          <a:prstGeom prst="rect">
+            <a:avLst/>
+          </a:prstGeom>
+          <a:noFill/>
+        </p:spPr>
+        <p:txBody>
+          <a:bodyPr wrap="none" rtlCol="0">
+            <a:spAutoFit/>
+          </a:bodyPr>
+          <a:lstStyle/>
+          <a:p>
+            <a:r>
+              <a:rPr lang="en-GB" b="1" dirty="0"/>
+              <a:t>Rotary Encoder</a:t>
+            </a:r>
+          </a:p>
+        </p:txBody>
+      </p:sp>
+      <p:sp>
+        <p:nvSpPr>
+          <p:cNvPr id="24" name="TextBox 23">
+            <a:extLst>
+              <a:ext uri="{FF2B5EF4-FFF2-40B4-BE49-F238E27FC236}">
+                <a16:creationId xmlns:a16="http://schemas.microsoft.com/office/drawing/2014/main" id="{4A343405-0070-F525-C73F-F07ECAD76F7D}"/>
+              </a:ext>
+            </a:extLst>
+          </p:cNvPr>
+          <p:cNvSpPr txBox="1"/>
+          <p:nvPr/>
+        </p:nvSpPr>
+        <p:spPr>
+          <a:xfrm>
+            <a:off x="4463143" y="4315867"/>
+            <a:ext cx="707571" cy="726221"/>
+          </a:xfrm>
+          <a:prstGeom prst="rect">
+            <a:avLst/>
+          </a:prstGeom>
+          <a:noFill/>
+          <a:ln w="28575">
+            <a:solidFill>
+              <a:srgbClr val="EE0000"/>
+            </a:solidFill>
+          </a:ln>
+        </p:spPr>
+        <p:txBody>
+          <a:bodyPr wrap="square" rtlCol="0">
+            <a:spAutoFit/>
+          </a:bodyPr>
+          <a:lstStyle/>
+          <a:p>
+            <a:endParaRPr lang="en-GB" dirty="0"/>
+          </a:p>
+        </p:txBody>
+      </p:sp>
+      <p:cxnSp>
+        <p:nvCxnSpPr>
+          <p:cNvPr id="25" name="Straight Arrow Connector 24">
+            <a:extLst>
+              <a:ext uri="{FF2B5EF4-FFF2-40B4-BE49-F238E27FC236}">
+                <a16:creationId xmlns:a16="http://schemas.microsoft.com/office/drawing/2014/main" id="{0A15369F-B29C-6924-07C9-C31A2585E0C5}"/>
+              </a:ext>
+            </a:extLst>
+          </p:cNvPr>
+          <p:cNvCxnSpPr/>
+          <p:nvPr/>
+        </p:nvCxnSpPr>
+        <p:spPr bwMode="auto">
+          <a:xfrm flipH="1" flipV="1">
+            <a:off x="2191304" y="4115176"/>
+            <a:ext cx="2460171" cy="315686"/>
+          </a:xfrm>
+          <a:prstGeom prst="straightConnector1">
+            <a:avLst/>
+          </a:prstGeom>
+          <a:ln w="28575">
+            <a:solidFill>
+              <a:srgbClr val="EE0000"/>
+            </a:solidFill>
+            <a:tailEnd type="triangle"/>
+          </a:ln>
+        </p:spPr>
+        <p:style>
+          <a:lnRef idx="1">
+            <a:schemeClr val="accent1"/>
+          </a:lnRef>
+          <a:fillRef idx="0">
+            <a:schemeClr val="accent1"/>
+          </a:fillRef>
+          <a:effectRef idx="0">
+            <a:schemeClr val="accent1"/>
+          </a:effectRef>
+          <a:fontRef idx="minor">
+            <a:schemeClr val="tx1"/>
+          </a:fontRef>
+        </p:style>
+      </p:cxnSp>
+      <p:sp>
+        <p:nvSpPr>
+          <p:cNvPr id="26" name="TextBox 25">
+            <a:extLst>
+              <a:ext uri="{FF2B5EF4-FFF2-40B4-BE49-F238E27FC236}">
+                <a16:creationId xmlns:a16="http://schemas.microsoft.com/office/drawing/2014/main" id="{80043822-8E50-C62F-D0E4-CD19BCC50FC3}"/>
+              </a:ext>
+            </a:extLst>
+          </p:cNvPr>
+          <p:cNvSpPr txBox="1"/>
+          <p:nvPr/>
+        </p:nvSpPr>
+        <p:spPr bwMode="auto">
+          <a:xfrm>
+            <a:off x="887406" y="3596956"/>
+            <a:ext cx="1314784" cy="646331"/>
+          </a:xfrm>
+          <a:prstGeom prst="rect">
+            <a:avLst/>
+          </a:prstGeom>
+          <a:noFill/>
+        </p:spPr>
+        <p:txBody>
+          <a:bodyPr wrap="none" rtlCol="0">
+            <a:spAutoFit/>
+          </a:bodyPr>
+          <a:lstStyle/>
+          <a:p>
+            <a:pPr algn="ctr"/>
+            <a:r>
+              <a:rPr lang="en-GB" b="1" dirty="0"/>
+              <a:t>Mini</a:t>
+            </a:r>
+          </a:p>
+          <a:p>
+            <a:pPr algn="ctr"/>
+            <a:r>
+              <a:rPr lang="en-GB" b="1" dirty="0"/>
+              <a:t>Breadboard</a:t>
+            </a:r>
+          </a:p>
+        </p:txBody>
+      </p:sp>
+      <p:sp>
+        <p:nvSpPr>
+          <p:cNvPr id="27" name="TextBox 26">
+            <a:extLst>
+              <a:ext uri="{FF2B5EF4-FFF2-40B4-BE49-F238E27FC236}">
+                <a16:creationId xmlns:a16="http://schemas.microsoft.com/office/drawing/2014/main" id="{9BE97AFC-F411-8FFF-717B-A4A33D748FB9}"/>
+              </a:ext>
+            </a:extLst>
+          </p:cNvPr>
+          <p:cNvSpPr txBox="1"/>
+          <p:nvPr/>
+        </p:nvSpPr>
+        <p:spPr bwMode="auto">
+          <a:xfrm>
+            <a:off x="3642020" y="4527306"/>
+            <a:ext cx="678146" cy="396584"/>
+          </a:xfrm>
+          <a:prstGeom prst="rect">
+            <a:avLst/>
+          </a:prstGeom>
+          <a:noFill/>
+          <a:ln w="28575">
+            <a:solidFill>
+              <a:srgbClr val="EE0000"/>
+            </a:solidFill>
+          </a:ln>
+        </p:spPr>
+        <p:txBody>
+          <a:bodyPr wrap="square" rtlCol="0">
+            <a:spAutoFit/>
+          </a:bodyPr>
+          <a:lstStyle/>
+          <a:p>
+            <a:endParaRPr lang="en-GB" dirty="0"/>
+          </a:p>
+        </p:txBody>
+      </p:sp>
+      <p:cxnSp>
+        <p:nvCxnSpPr>
+          <p:cNvPr id="28" name="Straight Arrow Connector 27">
+            <a:extLst>
+              <a:ext uri="{FF2B5EF4-FFF2-40B4-BE49-F238E27FC236}">
+                <a16:creationId xmlns:a16="http://schemas.microsoft.com/office/drawing/2014/main" id="{DD531BEF-BB1B-33A5-AC2E-71E18688C7F8}"/>
+              </a:ext>
+            </a:extLst>
+          </p:cNvPr>
+          <p:cNvCxnSpPr/>
+          <p:nvPr/>
+        </p:nvCxnSpPr>
+        <p:spPr bwMode="auto">
+          <a:xfrm flipH="1" flipV="1">
+            <a:off x="1520922" y="4527306"/>
+            <a:ext cx="2460171" cy="315686"/>
+          </a:xfrm>
+          <a:prstGeom prst="straightConnector1">
+            <a:avLst/>
+          </a:prstGeom>
+          <a:ln w="28575">
+            <a:solidFill>
+              <a:srgbClr val="EE0000"/>
+            </a:solidFill>
+            <a:tailEnd type="triangle"/>
+          </a:ln>
+        </p:spPr>
+        <p:style>
+          <a:lnRef idx="1">
+            <a:schemeClr val="accent1"/>
+          </a:lnRef>
+          <a:fillRef idx="0">
+            <a:schemeClr val="accent1"/>
+          </a:fillRef>
+          <a:effectRef idx="0">
+            <a:schemeClr val="accent1"/>
+          </a:effectRef>
+          <a:fontRef idx="minor">
+            <a:schemeClr val="tx1"/>
+          </a:fontRef>
+        </p:style>
+      </p:cxnSp>
+      <p:sp>
+        <p:nvSpPr>
+          <p:cNvPr id="29" name="TextBox 28">
+            <a:extLst>
+              <a:ext uri="{FF2B5EF4-FFF2-40B4-BE49-F238E27FC236}">
+                <a16:creationId xmlns:a16="http://schemas.microsoft.com/office/drawing/2014/main" id="{46A88AC0-52C9-901F-BD11-0D31687167C9}"/>
+              </a:ext>
+            </a:extLst>
+          </p:cNvPr>
+          <p:cNvSpPr txBox="1"/>
+          <p:nvPr/>
+        </p:nvSpPr>
+        <p:spPr bwMode="auto">
+          <a:xfrm>
+            <a:off x="607977" y="4240115"/>
+            <a:ext cx="1173719" cy="646331"/>
+          </a:xfrm>
+          <a:prstGeom prst="rect">
+            <a:avLst/>
+          </a:prstGeom>
+          <a:noFill/>
+        </p:spPr>
+        <p:txBody>
+          <a:bodyPr wrap="none" rtlCol="0">
+            <a:spAutoFit/>
+          </a:bodyPr>
+          <a:lstStyle/>
+          <a:p>
+            <a:pPr algn="ctr"/>
+            <a:r>
+              <a:rPr lang="en-GB" b="1" dirty="0"/>
+              <a:t>Power</a:t>
+            </a:r>
+          </a:p>
+          <a:p>
+            <a:pPr algn="ctr"/>
+            <a:r>
+              <a:rPr lang="en-GB" b="1" dirty="0"/>
+              <a:t>Connector</a:t>
+            </a:r>
+          </a:p>
+        </p:txBody>
+      </p:sp>
+      <p:cxnSp>
+        <p:nvCxnSpPr>
+          <p:cNvPr id="30" name="Straight Arrow Connector 29">
+            <a:extLst>
+              <a:ext uri="{FF2B5EF4-FFF2-40B4-BE49-F238E27FC236}">
+                <a16:creationId xmlns:a16="http://schemas.microsoft.com/office/drawing/2014/main" id="{B7764177-32CC-5E45-BB56-1E60B7CADDDA}"/>
+              </a:ext>
+            </a:extLst>
+          </p:cNvPr>
+          <p:cNvCxnSpPr/>
+          <p:nvPr/>
+        </p:nvCxnSpPr>
+        <p:spPr bwMode="auto">
+          <a:xfrm flipH="1" flipV="1">
+            <a:off x="2065649" y="5066397"/>
+            <a:ext cx="2460171" cy="315686"/>
+          </a:xfrm>
+          <a:prstGeom prst="straightConnector1">
+            <a:avLst/>
+          </a:prstGeom>
+          <a:ln w="28575">
+            <a:solidFill>
+              <a:srgbClr val="EE0000"/>
+            </a:solidFill>
+            <a:tailEnd type="triangle"/>
+          </a:ln>
+        </p:spPr>
+        <p:style>
+          <a:lnRef idx="1">
+            <a:schemeClr val="accent1"/>
+          </a:lnRef>
+          <a:fillRef idx="0">
+            <a:schemeClr val="accent1"/>
+          </a:fillRef>
+          <a:effectRef idx="0">
+            <a:schemeClr val="accent1"/>
+          </a:effectRef>
+          <a:fontRef idx="minor">
+            <a:schemeClr val="tx1"/>
+          </a:fontRef>
+        </p:style>
+      </p:cxnSp>
+      <p:sp>
+        <p:nvSpPr>
+          <p:cNvPr id="31" name="TextBox 30">
+            <a:extLst>
+              <a:ext uri="{FF2B5EF4-FFF2-40B4-BE49-F238E27FC236}">
+                <a16:creationId xmlns:a16="http://schemas.microsoft.com/office/drawing/2014/main" id="{AEBCEB09-33EF-81ED-FC57-64EE766E183B}"/>
+              </a:ext>
+            </a:extLst>
+          </p:cNvPr>
+          <p:cNvSpPr txBox="1"/>
+          <p:nvPr/>
+        </p:nvSpPr>
+        <p:spPr bwMode="auto">
+          <a:xfrm>
+            <a:off x="480118" y="4888928"/>
+            <a:ext cx="1648208" cy="369332"/>
+          </a:xfrm>
+          <a:prstGeom prst="rect">
+            <a:avLst/>
+          </a:prstGeom>
+          <a:noFill/>
+        </p:spPr>
+        <p:txBody>
+          <a:bodyPr wrap="none" rtlCol="0">
+            <a:spAutoFit/>
+          </a:bodyPr>
+          <a:lstStyle/>
+          <a:p>
+            <a:pPr algn="ctr"/>
+            <a:r>
+              <a:rPr lang="en-GB" b="1" dirty="0"/>
+              <a:t>ON/OFF Switch</a:t>
+            </a:r>
+          </a:p>
+        </p:txBody>
+      </p:sp>
+      <p:cxnSp>
+        <p:nvCxnSpPr>
+          <p:cNvPr id="32" name="Straight Arrow Connector 31">
+            <a:extLst>
+              <a:ext uri="{FF2B5EF4-FFF2-40B4-BE49-F238E27FC236}">
+                <a16:creationId xmlns:a16="http://schemas.microsoft.com/office/drawing/2014/main" id="{C20CA7F4-8A96-8BC0-CA3D-38EA0ED7C3A9}"/>
+              </a:ext>
+            </a:extLst>
+          </p:cNvPr>
+          <p:cNvCxnSpPr/>
+          <p:nvPr/>
+        </p:nvCxnSpPr>
+        <p:spPr bwMode="auto">
+          <a:xfrm flipH="1" flipV="1">
+            <a:off x="1407533" y="5559425"/>
+            <a:ext cx="2460171" cy="315686"/>
+          </a:xfrm>
+          <a:prstGeom prst="straightConnector1">
+            <a:avLst/>
+          </a:prstGeom>
+          <a:ln w="28575">
+            <a:solidFill>
+              <a:srgbClr val="EE0000"/>
+            </a:solidFill>
+            <a:tailEnd type="triangle"/>
+          </a:ln>
+        </p:spPr>
+        <p:style>
+          <a:lnRef idx="1">
+            <a:schemeClr val="accent1"/>
+          </a:lnRef>
+          <a:fillRef idx="0">
+            <a:schemeClr val="accent1"/>
+          </a:fillRef>
+          <a:effectRef idx="0">
+            <a:schemeClr val="accent1"/>
+          </a:effectRef>
+          <a:fontRef idx="minor">
+            <a:schemeClr val="tx1"/>
+          </a:fontRef>
+        </p:style>
+      </p:cxnSp>
+      <p:sp>
+        <p:nvSpPr>
+          <p:cNvPr id="33" name="TextBox 32">
+            <a:extLst>
+              <a:ext uri="{FF2B5EF4-FFF2-40B4-BE49-F238E27FC236}">
+                <a16:creationId xmlns:a16="http://schemas.microsoft.com/office/drawing/2014/main" id="{346B7603-764A-5599-E91C-CE67A7A71198}"/>
+              </a:ext>
+            </a:extLst>
+          </p:cNvPr>
+          <p:cNvSpPr txBox="1"/>
+          <p:nvPr/>
+        </p:nvSpPr>
+        <p:spPr bwMode="auto">
+          <a:xfrm>
+            <a:off x="281772" y="5583199"/>
+            <a:ext cx="1620462" cy="369332"/>
+          </a:xfrm>
+          <a:prstGeom prst="rect">
+            <a:avLst/>
+          </a:prstGeom>
+          <a:noFill/>
+        </p:spPr>
+        <p:txBody>
+          <a:bodyPr wrap="square" rtlCol="0">
+            <a:spAutoFit/>
+          </a:bodyPr>
+          <a:lstStyle/>
+          <a:p>
+            <a:pPr algn="ctr"/>
+            <a:r>
+              <a:rPr lang="en-GB" b="1" dirty="0"/>
+              <a:t>Input DC Jack</a:t>
+            </a:r>
+          </a:p>
+        </p:txBody>
+      </p:sp>
+      <p:sp>
+        <p:nvSpPr>
+          <p:cNvPr id="34" name="TextBox 33">
+            <a:extLst>
+              <a:ext uri="{FF2B5EF4-FFF2-40B4-BE49-F238E27FC236}">
+                <a16:creationId xmlns:a16="http://schemas.microsoft.com/office/drawing/2014/main" id="{747A5062-C9B4-A6C2-D863-D6214E5B9C6B}"/>
+              </a:ext>
+            </a:extLst>
+          </p:cNvPr>
+          <p:cNvSpPr txBox="1"/>
+          <p:nvPr/>
+        </p:nvSpPr>
+        <p:spPr bwMode="auto">
+          <a:xfrm>
+            <a:off x="5745958" y="5121677"/>
+            <a:ext cx="1411945" cy="1200329"/>
+          </a:xfrm>
+          <a:prstGeom prst="rect">
+            <a:avLst/>
+          </a:prstGeom>
+          <a:noFill/>
+          <a:ln w="28575">
+            <a:solidFill>
+              <a:srgbClr val="EE0000"/>
+            </a:solidFill>
+          </a:ln>
+        </p:spPr>
+        <p:txBody>
+          <a:bodyPr wrap="square" rtlCol="0">
+            <a:spAutoFit/>
+          </a:bodyPr>
+          <a:lstStyle/>
+          <a:p>
+            <a:endParaRPr lang="en-GB" dirty="0"/>
+          </a:p>
+          <a:p>
+            <a:endParaRPr lang="en-GB" dirty="0"/>
+          </a:p>
+          <a:p>
+            <a:endParaRPr lang="en-GB" dirty="0"/>
+          </a:p>
+          <a:p>
+            <a:endParaRPr lang="en-GB" dirty="0"/>
+          </a:p>
+        </p:txBody>
+      </p:sp>
+      <p:cxnSp>
+        <p:nvCxnSpPr>
+          <p:cNvPr id="35" name="Straight Arrow Connector 34">
+            <a:extLst>
+              <a:ext uri="{FF2B5EF4-FFF2-40B4-BE49-F238E27FC236}">
+                <a16:creationId xmlns:a16="http://schemas.microsoft.com/office/drawing/2014/main" id="{B4FDAAFD-E90A-2BC1-3F56-8FA473A1E0EC}"/>
+              </a:ext>
+            </a:extLst>
+          </p:cNvPr>
+          <p:cNvCxnSpPr>
+            <a:cxnSpLocks/>
+          </p:cNvCxnSpPr>
+          <p:nvPr/>
+        </p:nvCxnSpPr>
+        <p:spPr bwMode="auto">
+          <a:xfrm flipV="1">
+            <a:off x="6670676" y="5516444"/>
+            <a:ext cx="2048246" cy="605678"/>
+          </a:xfrm>
+          <a:prstGeom prst="straightConnector1">
+            <a:avLst/>
+          </a:prstGeom>
+          <a:ln w="28575">
+            <a:solidFill>
+              <a:srgbClr val="EE0000"/>
+            </a:solidFill>
+            <a:tailEnd type="triangle"/>
+          </a:ln>
+        </p:spPr>
+        <p:style>
+          <a:lnRef idx="1">
+            <a:schemeClr val="accent1"/>
+          </a:lnRef>
+          <a:fillRef idx="0">
+            <a:schemeClr val="accent1"/>
+          </a:fillRef>
+          <a:effectRef idx="0">
+            <a:schemeClr val="accent1"/>
+          </a:effectRef>
+          <a:fontRef idx="minor">
+            <a:schemeClr val="tx1"/>
+          </a:fontRef>
+        </p:style>
+      </p:cxnSp>
+      <p:sp>
+        <p:nvSpPr>
+          <p:cNvPr id="36" name="TextBox 35">
+            <a:extLst>
+              <a:ext uri="{FF2B5EF4-FFF2-40B4-BE49-F238E27FC236}">
+                <a16:creationId xmlns:a16="http://schemas.microsoft.com/office/drawing/2014/main" id="{AD01CA8C-28BA-5DBA-89F1-48A6905765DE}"/>
+              </a:ext>
+            </a:extLst>
+          </p:cNvPr>
+          <p:cNvSpPr txBox="1"/>
+          <p:nvPr/>
+        </p:nvSpPr>
+        <p:spPr bwMode="auto">
+          <a:xfrm>
+            <a:off x="8718922" y="5449951"/>
+            <a:ext cx="1736373" cy="369332"/>
+          </a:xfrm>
+          <a:prstGeom prst="rect">
+            <a:avLst/>
+          </a:prstGeom>
+          <a:noFill/>
+        </p:spPr>
+        <p:txBody>
+          <a:bodyPr wrap="none" rtlCol="0">
+            <a:spAutoFit/>
+          </a:bodyPr>
+          <a:lstStyle/>
+          <a:p>
+            <a:r>
+              <a:rPr lang="en-GB" b="1" dirty="0"/>
+              <a:t>Free Connectors</a:t>
+            </a:r>
+          </a:p>
+        </p:txBody>
+      </p:sp>
     </p:spTree>
   </p:cSld>
   <p:clrMapOvr>

--- a/GPREC/03_Communications/Kit3_Communication_Training.pptx
+++ b/GPREC/03_Communications/Kit3_Communication_Training.pptx
@@ -6,11 +6,11 @@
     <p:sldMasterId id="2147483672" r:id="rId2"/>
   </p:sldMasterIdLst>
   <p:notesMasterIdLst>
-    <p:notesMasterId r:id="rId17"/>
+    <p:notesMasterId r:id="rId18"/>
   </p:notesMasterIdLst>
   <p:sldIdLst>
     <p:sldId id="256" r:id="rId3"/>
-    <p:sldId id="269" r:id="rId4"/>
+    <p:sldId id="274" r:id="rId4"/>
     <p:sldId id="258" r:id="rId5"/>
     <p:sldId id="259" r:id="rId6"/>
     <p:sldId id="260" r:id="rId7"/>
@@ -22,7 +22,8 @@
     <p:sldId id="265" r:id="rId13"/>
     <p:sldId id="272" r:id="rId14"/>
     <p:sldId id="273" r:id="rId15"/>
-    <p:sldId id="271" r:id="rId16"/>
+    <p:sldId id="275" r:id="rId16"/>
+    <p:sldId id="271" r:id="rId17"/>
   </p:sldIdLst>
   <p:sldSz cx="12192000" cy="6858000"/>
   <p:notesSz cx="6858000" cy="9144000"/>
@@ -545,7 +546,7 @@
 </p:notes>
 </file>
 
-<file path=ppt/notesSlides/notesSlide2.xml><?xml version="1.0" encoding="utf-8"?>
+<file path=ppt/notesSlides/notesSlide10.xml><?xml version="1.0" encoding="utf-8"?>
 <p:notes xmlns:a="http://schemas.openxmlformats.org/drawingml/2006/main" xmlns:r="http://schemas.openxmlformats.org/officeDocument/2006/relationships" xmlns:p="http://schemas.openxmlformats.org/presentationml/2006/main">
   <p:cSld>
     <p:spTree>
@@ -564,7 +565,7 @@
       </p:grpSpPr>
       <p:sp>
         <p:nvSpPr>
-          <p:cNvPr id="2073724573" name="Slide Image Placeholder 1"/>
+          <p:cNvPr id="659733113" name="Slide Image Placeholder 1"/>
           <p:cNvSpPr>
             <a:spLocks noGrp="1" noRot="1" noChangeAspect="1"/>
           </p:cNvSpPr>
@@ -576,7 +577,7 @@
       </p:sp>
       <p:sp>
         <p:nvSpPr>
-          <p:cNvPr id="363766237" name="Notes Placeholder 2"/>
+          <p:cNvPr id="769850360" name="Notes Placeholder 2"/>
           <p:cNvSpPr>
             <a:spLocks noGrp="1"/>
           </p:cNvSpPr>
@@ -598,7 +599,116 @@
       </p:sp>
       <p:sp>
         <p:nvSpPr>
-          <p:cNvPr id="1865549852" name="Slide Number Placeholder 3"/>
+          <p:cNvPr id="958980148" name="Slide Number Placeholder 3"/>
+          <p:cNvSpPr>
+            <a:spLocks noGrp="1"/>
+          </p:cNvSpPr>
+          <p:nvPr>
+            <p:ph type="sldNum" sz="quarter" idx="10"/>
+          </p:nvPr>
+        </p:nvSpPr>
+        <p:spPr bwMode="auto"/>
+        <p:txBody>
+          <a:bodyPr/>
+          <a:lstStyle/>
+          <a:p>
+            <a:pPr>
+              <a:defRPr/>
+            </a:pPr>
+            <a:fld id="{C3275F90-3167-AEBD-D502-299F21D0E3D1}" type="slidenum">
+              <a:rPr/>
+              <a:t>11</a:t>
+            </a:fld>
+            <a:endParaRPr/>
+          </a:p>
+        </p:txBody>
+      </p:sp>
+    </p:spTree>
+  </p:cSld>
+  <p:clrMapOvr>
+    <a:masterClrMapping/>
+  </p:clrMapOvr>
+</p:notes>
+</file>
+
+<file path=ppt/notesSlides/notesSlide2.xml><?xml version="1.0" encoding="utf-8"?>
+<p:notes xmlns:a="http://schemas.openxmlformats.org/drawingml/2006/main" xmlns:r="http://schemas.openxmlformats.org/officeDocument/2006/relationships" xmlns:p="http://schemas.openxmlformats.org/presentationml/2006/main">
+  <p:cSld>
+    <p:spTree>
+      <p:nvGrpSpPr>
+        <p:cNvPr id="1" name="">
+          <a:extLst>
+            <a:ext uri="{FF2B5EF4-FFF2-40B4-BE49-F238E27FC236}">
+              <a16:creationId xmlns:a16="http://schemas.microsoft.com/office/drawing/2014/main" id="{CE9E78A3-1B99-A909-128A-520840DB2393}"/>
+            </a:ext>
+          </a:extLst>
+        </p:cNvPr>
+        <p:cNvGrpSpPr/>
+        <p:nvPr/>
+      </p:nvGrpSpPr>
+      <p:grpSpPr bwMode="auto">
+        <a:xfrm>
+          <a:off x="0" y="0"/>
+          <a:ext cx="0" cy="0"/>
+          <a:chOff x="0" y="0"/>
+          <a:chExt cx="0" cy="0"/>
+        </a:xfrm>
+      </p:grpSpPr>
+      <p:sp>
+        <p:nvSpPr>
+          <p:cNvPr id="2073724573" name="Slide Image Placeholder 1">
+            <a:extLst>
+              <a:ext uri="{FF2B5EF4-FFF2-40B4-BE49-F238E27FC236}">
+                <a16:creationId xmlns:a16="http://schemas.microsoft.com/office/drawing/2014/main" id="{8134BCAB-2292-C2C4-4092-EEDB81A7A69B}"/>
+              </a:ext>
+            </a:extLst>
+          </p:cNvPr>
+          <p:cNvSpPr>
+            <a:spLocks noGrp="1" noRot="1" noChangeAspect="1"/>
+          </p:cNvSpPr>
+          <p:nvPr>
+            <p:ph type="sldImg"/>
+          </p:nvPr>
+        </p:nvSpPr>
+        <p:spPr bwMode="auto"/>
+      </p:sp>
+      <p:sp>
+        <p:nvSpPr>
+          <p:cNvPr id="363766237" name="Notes Placeholder 2">
+            <a:extLst>
+              <a:ext uri="{FF2B5EF4-FFF2-40B4-BE49-F238E27FC236}">
+                <a16:creationId xmlns:a16="http://schemas.microsoft.com/office/drawing/2014/main" id="{70596152-6CB0-BD56-3713-40DE6A56B385}"/>
+              </a:ext>
+            </a:extLst>
+          </p:cNvPr>
+          <p:cNvSpPr>
+            <a:spLocks noGrp="1"/>
+          </p:cNvSpPr>
+          <p:nvPr>
+            <p:ph type="body" idx="1"/>
+          </p:nvPr>
+        </p:nvSpPr>
+        <p:spPr bwMode="auto"/>
+        <p:txBody>
+          <a:bodyPr/>
+          <a:lstStyle/>
+          <a:p>
+            <a:pPr>
+              <a:defRPr/>
+            </a:pPr>
+            <a:endParaRPr/>
+          </a:p>
+        </p:txBody>
+      </p:sp>
+      <p:sp>
+        <p:nvSpPr>
+          <p:cNvPr id="1865549852" name="Slide Number Placeholder 3">
+            <a:extLst>
+              <a:ext uri="{FF2B5EF4-FFF2-40B4-BE49-F238E27FC236}">
+                <a16:creationId xmlns:a16="http://schemas.microsoft.com/office/drawing/2014/main" id="{BB4EEF11-9484-2CFB-25DA-6E0C628E9959}"/>
+              </a:ext>
+            </a:extLst>
+          </p:cNvPr>
           <p:cNvSpPr>
             <a:spLocks noGrp="1"/>
           </p:cNvSpPr>
@@ -616,13 +726,18 @@
             </a:pPr>
             <a:fld id="{E735F144-4477-3278-DD0A-BB5203ABE0DE}" type="slidenum">
               <a:rPr/>
-              <a:t>3</a:t>
+              <a:t>2</a:t>
             </a:fld>
             <a:endParaRPr/>
           </a:p>
         </p:txBody>
       </p:sp>
     </p:spTree>
+    <p:extLst>
+      <p:ext uri="{BB962C8B-B14F-4D97-AF65-F5344CB8AC3E}">
+        <p14:creationId xmlns:p14="http://schemas.microsoft.com/office/powerpoint/2010/main" val="2050540520"/>
+      </p:ext>
+    </p:extLst>
   </p:cSld>
   <p:clrMapOvr>
     <a:masterClrMapping/>
@@ -649,7 +764,7 @@
       </p:grpSpPr>
       <p:sp>
         <p:nvSpPr>
-          <p:cNvPr id="1398262536" name="Slide Image Placeholder 1"/>
+          <p:cNvPr id="2073724573" name="Slide Image Placeholder 1"/>
           <p:cNvSpPr>
             <a:spLocks noGrp="1" noRot="1" noChangeAspect="1"/>
           </p:cNvSpPr>
@@ -661,7 +776,7 @@
       </p:sp>
       <p:sp>
         <p:nvSpPr>
-          <p:cNvPr id="702841065" name="Notes Placeholder 2"/>
+          <p:cNvPr id="363766237" name="Notes Placeholder 2"/>
           <p:cNvSpPr>
             <a:spLocks noGrp="1"/>
           </p:cNvSpPr>
@@ -683,7 +798,7 @@
       </p:sp>
       <p:sp>
         <p:nvSpPr>
-          <p:cNvPr id="941591179" name="Slide Number Placeholder 3"/>
+          <p:cNvPr id="1865549852" name="Slide Number Placeholder 3"/>
           <p:cNvSpPr>
             <a:spLocks noGrp="1"/>
           </p:cNvSpPr>
@@ -699,9 +814,9 @@
             <a:pPr>
               <a:defRPr/>
             </a:pPr>
-            <a:fld id="{1F9FF2E9-488C-C2DD-99BD-96FB86CF33E3}" type="slidenum">
+            <a:fld id="{E735F144-4477-3278-DD0A-BB5203ABE0DE}" type="slidenum">
               <a:rPr/>
-              <a:t>4</a:t>
+              <a:t>3</a:t>
             </a:fld>
             <a:endParaRPr/>
           </a:p>
@@ -734,7 +849,7 @@
       </p:grpSpPr>
       <p:sp>
         <p:nvSpPr>
-          <p:cNvPr id="1547293181" name="Slide Image Placeholder 1"/>
+          <p:cNvPr id="1398262536" name="Slide Image Placeholder 1"/>
           <p:cNvSpPr>
             <a:spLocks noGrp="1" noRot="1" noChangeAspect="1"/>
           </p:cNvSpPr>
@@ -746,7 +861,7 @@
       </p:sp>
       <p:sp>
         <p:nvSpPr>
-          <p:cNvPr id="134970909" name="Notes Placeholder 2"/>
+          <p:cNvPr id="702841065" name="Notes Placeholder 2"/>
           <p:cNvSpPr>
             <a:spLocks noGrp="1"/>
           </p:cNvSpPr>
@@ -768,7 +883,7 @@
       </p:sp>
       <p:sp>
         <p:nvSpPr>
-          <p:cNvPr id="963722828" name="Slide Number Placeholder 3"/>
+          <p:cNvPr id="941591179" name="Slide Number Placeholder 3"/>
           <p:cNvSpPr>
             <a:spLocks noGrp="1"/>
           </p:cNvSpPr>
@@ -784,9 +899,9 @@
             <a:pPr>
               <a:defRPr/>
             </a:pPr>
-            <a:fld id="{C8464B0B-3CDA-8AFD-A136-AA80755CE963}" type="slidenum">
+            <a:fld id="{1F9FF2E9-488C-C2DD-99BD-96FB86CF33E3}" type="slidenum">
               <a:rPr/>
-              <a:t>5</a:t>
+              <a:t>4</a:t>
             </a:fld>
             <a:endParaRPr/>
           </a:p>
@@ -819,7 +934,7 @@
       </p:grpSpPr>
       <p:sp>
         <p:nvSpPr>
-          <p:cNvPr id="1861174406" name="Slide Image Placeholder 1"/>
+          <p:cNvPr id="1547293181" name="Slide Image Placeholder 1"/>
           <p:cNvSpPr>
             <a:spLocks noGrp="1" noRot="1" noChangeAspect="1"/>
           </p:cNvSpPr>
@@ -831,7 +946,7 @@
       </p:sp>
       <p:sp>
         <p:nvSpPr>
-          <p:cNvPr id="10252962" name="Notes Placeholder 2"/>
+          <p:cNvPr id="134970909" name="Notes Placeholder 2"/>
           <p:cNvSpPr>
             <a:spLocks noGrp="1"/>
           </p:cNvSpPr>
@@ -853,7 +968,7 @@
       </p:sp>
       <p:sp>
         <p:nvSpPr>
-          <p:cNvPr id="408176833" name="Slide Number Placeholder 3"/>
+          <p:cNvPr id="963722828" name="Slide Number Placeholder 3"/>
           <p:cNvSpPr>
             <a:spLocks noGrp="1"/>
           </p:cNvSpPr>
@@ -869,9 +984,9 @@
             <a:pPr>
               <a:defRPr/>
             </a:pPr>
-            <a:fld id="{3A9EA87D-8652-58FE-0A40-1D9E139BF096}" type="slidenum">
+            <a:fld id="{C8464B0B-3CDA-8AFD-A136-AA80755CE963}" type="slidenum">
               <a:rPr/>
-              <a:t>6</a:t>
+              <a:t>5</a:t>
             </a:fld>
             <a:endParaRPr/>
           </a:p>
@@ -904,7 +1019,7 @@
       </p:grpSpPr>
       <p:sp>
         <p:nvSpPr>
-          <p:cNvPr id="1362669230" name="Slide Image Placeholder 1"/>
+          <p:cNvPr id="1861174406" name="Slide Image Placeholder 1"/>
           <p:cNvSpPr>
             <a:spLocks noGrp="1" noRot="1" noChangeAspect="1"/>
           </p:cNvSpPr>
@@ -916,7 +1031,7 @@
       </p:sp>
       <p:sp>
         <p:nvSpPr>
-          <p:cNvPr id="1268377969" name="Notes Placeholder 2"/>
+          <p:cNvPr id="10252962" name="Notes Placeholder 2"/>
           <p:cNvSpPr>
             <a:spLocks noGrp="1"/>
           </p:cNvSpPr>
@@ -938,7 +1053,7 @@
       </p:sp>
       <p:sp>
         <p:nvSpPr>
-          <p:cNvPr id="1710723460" name="Slide Number Placeholder 3"/>
+          <p:cNvPr id="408176833" name="Slide Number Placeholder 3"/>
           <p:cNvSpPr>
             <a:spLocks noGrp="1"/>
           </p:cNvSpPr>
@@ -954,9 +1069,9 @@
             <a:pPr>
               <a:defRPr/>
             </a:pPr>
-            <a:fld id="{07B43549-86FA-21F8-7545-CE95EB9FB887}" type="slidenum">
+            <a:fld id="{3A9EA87D-8652-58FE-0A40-1D9E139BF096}" type="slidenum">
               <a:rPr/>
-              <a:t>7</a:t>
+              <a:t>6</a:t>
             </a:fld>
             <a:endParaRPr/>
           </a:p>
@@ -989,7 +1104,7 @@
       </p:grpSpPr>
       <p:sp>
         <p:nvSpPr>
-          <p:cNvPr id="559342069" name="Slide Image Placeholder 1"/>
+          <p:cNvPr id="1362669230" name="Slide Image Placeholder 1"/>
           <p:cNvSpPr>
             <a:spLocks noGrp="1" noRot="1" noChangeAspect="1"/>
           </p:cNvSpPr>
@@ -1001,7 +1116,7 @@
       </p:sp>
       <p:sp>
         <p:nvSpPr>
-          <p:cNvPr id="1634930849" name="Notes Placeholder 2"/>
+          <p:cNvPr id="1268377969" name="Notes Placeholder 2"/>
           <p:cNvSpPr>
             <a:spLocks noGrp="1"/>
           </p:cNvSpPr>
@@ -1023,7 +1138,7 @@
       </p:sp>
       <p:sp>
         <p:nvSpPr>
-          <p:cNvPr id="1379209611" name="Slide Number Placeholder 3"/>
+          <p:cNvPr id="1710723460" name="Slide Number Placeholder 3"/>
           <p:cNvSpPr>
             <a:spLocks noGrp="1"/>
           </p:cNvSpPr>
@@ -1039,9 +1154,9 @@
             <a:pPr>
               <a:defRPr/>
             </a:pPr>
-            <a:fld id="{4326CE3B-E040-A2AB-A655-6D2329D8DBEC}" type="slidenum">
+            <a:fld id="{07B43549-86FA-21F8-7545-CE95EB9FB887}" type="slidenum">
               <a:rPr/>
-              <a:t>8</a:t>
+              <a:t>7</a:t>
             </a:fld>
             <a:endParaRPr/>
           </a:p>
@@ -1074,7 +1189,7 @@
       </p:grpSpPr>
       <p:sp>
         <p:nvSpPr>
-          <p:cNvPr id="35169541" name="Slide Image Placeholder 1"/>
+          <p:cNvPr id="559342069" name="Slide Image Placeholder 1"/>
           <p:cNvSpPr>
             <a:spLocks noGrp="1" noRot="1" noChangeAspect="1"/>
           </p:cNvSpPr>
@@ -1086,7 +1201,7 @@
       </p:sp>
       <p:sp>
         <p:nvSpPr>
-          <p:cNvPr id="1050511102" name="Notes Placeholder 2"/>
+          <p:cNvPr id="1634930849" name="Notes Placeholder 2"/>
           <p:cNvSpPr>
             <a:spLocks noGrp="1"/>
           </p:cNvSpPr>
@@ -1108,7 +1223,7 @@
       </p:sp>
       <p:sp>
         <p:nvSpPr>
-          <p:cNvPr id="1735899723" name="Slide Number Placeholder 3"/>
+          <p:cNvPr id="1379209611" name="Slide Number Placeholder 3"/>
           <p:cNvSpPr>
             <a:spLocks noGrp="1"/>
           </p:cNvSpPr>
@@ -1124,9 +1239,9 @@
             <a:pPr>
               <a:defRPr/>
             </a:pPr>
-            <a:fld id="{15949ECF-86E5-C7AB-DDE3-C0E50DBC9EB8}" type="slidenum">
+            <a:fld id="{4326CE3B-E040-A2AB-A655-6D2329D8DBEC}" type="slidenum">
               <a:rPr/>
-              <a:t>9</a:t>
+              <a:t>8</a:t>
             </a:fld>
             <a:endParaRPr/>
           </a:p>
@@ -1159,7 +1274,7 @@
       </p:grpSpPr>
       <p:sp>
         <p:nvSpPr>
-          <p:cNvPr id="659733113" name="Slide Image Placeholder 1"/>
+          <p:cNvPr id="35169541" name="Slide Image Placeholder 1"/>
           <p:cNvSpPr>
             <a:spLocks noGrp="1" noRot="1" noChangeAspect="1"/>
           </p:cNvSpPr>
@@ -1171,7 +1286,7 @@
       </p:sp>
       <p:sp>
         <p:nvSpPr>
-          <p:cNvPr id="769850360" name="Notes Placeholder 2"/>
+          <p:cNvPr id="1050511102" name="Notes Placeholder 2"/>
           <p:cNvSpPr>
             <a:spLocks noGrp="1"/>
           </p:cNvSpPr>
@@ -1193,7 +1308,7 @@
       </p:sp>
       <p:sp>
         <p:nvSpPr>
-          <p:cNvPr id="958980148" name="Slide Number Placeholder 3"/>
+          <p:cNvPr id="1735899723" name="Slide Number Placeholder 3"/>
           <p:cNvSpPr>
             <a:spLocks noGrp="1"/>
           </p:cNvSpPr>
@@ -1209,9 +1324,9 @@
             <a:pPr>
               <a:defRPr/>
             </a:pPr>
-            <a:fld id="{C3275F90-3167-AEBD-D502-299F21D0E3D1}" type="slidenum">
+            <a:fld id="{15949ECF-86E5-C7AB-DDE3-C0E50DBC9EB8}" type="slidenum">
               <a:rPr/>
-              <a:t>11</a:t>
+              <a:t>9</a:t>
             </a:fld>
             <a:endParaRPr/>
           </a:p>
@@ -1363,11 +1478,10 @@
             <a:pPr>
               <a:defRPr/>
             </a:pPr>
-            <a:fld id="{A5593103-930B-4864-A0CC-E5CD95E9581E}" type="datetimeFigureOut">
+            <a:r>
               <a:rPr lang="en-GB"/>
-              <a:t>24/11/2025</a:t>
-            </a:fld>
-            <a:endParaRPr lang="en-GB"/>
+              <a:t>06/12/2025</a:t>
+            </a:r>
           </a:p>
         </p:txBody>
       </p:sp>
@@ -1554,11 +1668,10 @@
             <a:pPr>
               <a:defRPr/>
             </a:pPr>
-            <a:fld id="{A5593103-930B-4864-A0CC-E5CD95E9581E}" type="datetimeFigureOut">
+            <a:r>
               <a:rPr lang="en-GB"/>
-              <a:t>24/11/2025</a:t>
-            </a:fld>
-            <a:endParaRPr lang="en-GB"/>
+              <a:t>06/12/2025</a:t>
+            </a:r>
           </a:p>
         </p:txBody>
       </p:sp>
@@ -1755,11 +1868,10 @@
             <a:pPr>
               <a:defRPr/>
             </a:pPr>
-            <a:fld id="{A5593103-930B-4864-A0CC-E5CD95E9581E}" type="datetimeFigureOut">
+            <a:r>
               <a:rPr lang="en-GB"/>
-              <a:t>24/11/2025</a:t>
-            </a:fld>
-            <a:endParaRPr lang="en-GB"/>
+              <a:t>06/12/2025</a:t>
+            </a:r>
           </a:p>
         </p:txBody>
       </p:sp>
@@ -1966,11 +2078,10 @@
           <a:bodyPr/>
           <a:lstStyle/>
           <a:p>
-            <a:fld id="{A1D51BA1-F58B-40DF-9C13-73BC69DE2A80}" type="datetimeFigureOut">
-              <a:rPr lang="en-GB" smtClean="0"/>
-              <a:t>24/11/2025</a:t>
-            </a:fld>
-            <a:endParaRPr lang="en-GB"/>
+            <a:r>
+              <a:rPr lang="en-GB"/>
+              <a:t>06/12/2025</a:t>
+            </a:r>
           </a:p>
         </p:txBody>
       </p:sp>
@@ -2166,11 +2277,10 @@
           <a:bodyPr/>
           <a:lstStyle/>
           <a:p>
-            <a:fld id="{A1D51BA1-F58B-40DF-9C13-73BC69DE2A80}" type="datetimeFigureOut">
-              <a:rPr lang="en-GB" smtClean="0"/>
-              <a:t>24/11/2025</a:t>
-            </a:fld>
-            <a:endParaRPr lang="en-GB"/>
+            <a:r>
+              <a:rPr lang="en-GB"/>
+              <a:t>06/12/2025</a:t>
+            </a:r>
           </a:p>
         </p:txBody>
       </p:sp>
@@ -2442,11 +2552,10 @@
           <a:bodyPr/>
           <a:lstStyle/>
           <a:p>
-            <a:fld id="{A1D51BA1-F58B-40DF-9C13-73BC69DE2A80}" type="datetimeFigureOut">
-              <a:rPr lang="en-GB" smtClean="0"/>
-              <a:t>24/11/2025</a:t>
-            </a:fld>
-            <a:endParaRPr lang="en-GB"/>
+            <a:r>
+              <a:rPr lang="en-GB"/>
+              <a:t>06/12/2025</a:t>
+            </a:r>
           </a:p>
         </p:txBody>
       </p:sp>
@@ -2710,11 +2819,10 @@
           <a:bodyPr/>
           <a:lstStyle/>
           <a:p>
-            <a:fld id="{A1D51BA1-F58B-40DF-9C13-73BC69DE2A80}" type="datetimeFigureOut">
-              <a:rPr lang="en-GB" smtClean="0"/>
-              <a:t>24/11/2025</a:t>
-            </a:fld>
-            <a:endParaRPr lang="en-GB"/>
+            <a:r>
+              <a:rPr lang="en-GB"/>
+              <a:t>06/12/2025</a:t>
+            </a:r>
           </a:p>
         </p:txBody>
       </p:sp>
@@ -3125,11 +3233,10 @@
           <a:bodyPr/>
           <a:lstStyle/>
           <a:p>
-            <a:fld id="{A1D51BA1-F58B-40DF-9C13-73BC69DE2A80}" type="datetimeFigureOut">
-              <a:rPr lang="en-GB" smtClean="0"/>
-              <a:t>24/11/2025</a:t>
-            </a:fld>
-            <a:endParaRPr lang="en-GB"/>
+            <a:r>
+              <a:rPr lang="en-GB"/>
+              <a:t>06/12/2025</a:t>
+            </a:r>
           </a:p>
         </p:txBody>
       </p:sp>
@@ -3267,11 +3374,10 @@
           <a:bodyPr/>
           <a:lstStyle/>
           <a:p>
-            <a:fld id="{A1D51BA1-F58B-40DF-9C13-73BC69DE2A80}" type="datetimeFigureOut">
-              <a:rPr lang="en-GB" smtClean="0"/>
-              <a:t>24/11/2025</a:t>
-            </a:fld>
-            <a:endParaRPr lang="en-GB"/>
+            <a:r>
+              <a:rPr lang="en-GB"/>
+              <a:t>06/12/2025</a:t>
+            </a:r>
           </a:p>
         </p:txBody>
       </p:sp>
@@ -3380,11 +3486,10 @@
           <a:bodyPr/>
           <a:lstStyle/>
           <a:p>
-            <a:fld id="{A1D51BA1-F58B-40DF-9C13-73BC69DE2A80}" type="datetimeFigureOut">
-              <a:rPr lang="en-GB" smtClean="0"/>
-              <a:t>24/11/2025</a:t>
-            </a:fld>
-            <a:endParaRPr lang="en-GB"/>
+            <a:r>
+              <a:rPr lang="en-GB"/>
+              <a:t>06/12/2025</a:t>
+            </a:r>
           </a:p>
         </p:txBody>
       </p:sp>
@@ -3693,11 +3798,10 @@
           <a:bodyPr/>
           <a:lstStyle/>
           <a:p>
-            <a:fld id="{A1D51BA1-F58B-40DF-9C13-73BC69DE2A80}" type="datetimeFigureOut">
-              <a:rPr lang="en-GB" smtClean="0"/>
-              <a:t>24/11/2025</a:t>
-            </a:fld>
-            <a:endParaRPr lang="en-GB"/>
+            <a:r>
+              <a:rPr lang="en-GB"/>
+              <a:t>06/12/2025</a:t>
+            </a:r>
           </a:p>
         </p:txBody>
       </p:sp>
@@ -3895,11 +3999,10 @@
             <a:pPr>
               <a:defRPr/>
             </a:pPr>
-            <a:fld id="{A5593103-930B-4864-A0CC-E5CD95E9581E}" type="datetimeFigureOut">
+            <a:r>
               <a:rPr lang="en-GB"/>
-              <a:t>24/11/2025</a:t>
-            </a:fld>
-            <a:endParaRPr lang="en-GB"/>
+              <a:t>06/12/2025</a:t>
+            </a:r>
           </a:p>
         </p:txBody>
       </p:sp>
@@ -4173,11 +4276,10 @@
           <a:bodyPr/>
           <a:lstStyle/>
           <a:p>
-            <a:fld id="{A1D51BA1-F58B-40DF-9C13-73BC69DE2A80}" type="datetimeFigureOut">
-              <a:rPr lang="en-GB" smtClean="0"/>
-              <a:t>24/11/2025</a:t>
-            </a:fld>
-            <a:endParaRPr lang="en-GB"/>
+            <a:r>
+              <a:rPr lang="en-GB"/>
+              <a:t>06/12/2025</a:t>
+            </a:r>
           </a:p>
         </p:txBody>
       </p:sp>
@@ -4373,11 +4475,10 @@
           <a:bodyPr/>
           <a:lstStyle/>
           <a:p>
-            <a:fld id="{A1D51BA1-F58B-40DF-9C13-73BC69DE2A80}" type="datetimeFigureOut">
-              <a:rPr lang="en-GB" smtClean="0"/>
-              <a:t>24/11/2025</a:t>
-            </a:fld>
-            <a:endParaRPr lang="en-GB"/>
+            <a:r>
+              <a:rPr lang="en-GB"/>
+              <a:t>06/12/2025</a:t>
+            </a:r>
           </a:p>
         </p:txBody>
       </p:sp>
@@ -4583,11 +4684,10 @@
           <a:bodyPr/>
           <a:lstStyle/>
           <a:p>
-            <a:fld id="{A1D51BA1-F58B-40DF-9C13-73BC69DE2A80}" type="datetimeFigureOut">
-              <a:rPr lang="en-GB" smtClean="0"/>
-              <a:t>24/11/2025</a:t>
-            </a:fld>
-            <a:endParaRPr lang="en-GB"/>
+            <a:r>
+              <a:rPr lang="en-GB"/>
+              <a:t>06/12/2025</a:t>
+            </a:r>
           </a:p>
         </p:txBody>
       </p:sp>
@@ -4850,11 +4950,10 @@
             <a:pPr>
               <a:defRPr/>
             </a:pPr>
-            <a:fld id="{A5593103-930B-4864-A0CC-E5CD95E9581E}" type="datetimeFigureOut">
+            <a:r>
               <a:rPr lang="en-GB"/>
-              <a:t>24/11/2025</a:t>
-            </a:fld>
-            <a:endParaRPr lang="en-GB"/>
+              <a:t>06/12/2025</a:t>
+            </a:r>
           </a:p>
         </p:txBody>
       </p:sp>
@@ -5117,11 +5216,10 @@
             <a:pPr>
               <a:defRPr/>
             </a:pPr>
-            <a:fld id="{A5593103-930B-4864-A0CC-E5CD95E9581E}" type="datetimeFigureOut">
+            <a:r>
               <a:rPr lang="en-GB"/>
-              <a:t>24/11/2025</a:t>
-            </a:fld>
-            <a:endParaRPr lang="en-GB"/>
+              <a:t>06/12/2025</a:t>
+            </a:r>
           </a:p>
         </p:txBody>
       </p:sp>
@@ -5525,11 +5623,10 @@
             <a:pPr>
               <a:defRPr/>
             </a:pPr>
-            <a:fld id="{A5593103-930B-4864-A0CC-E5CD95E9581E}" type="datetimeFigureOut">
+            <a:r>
               <a:rPr lang="en-GB"/>
-              <a:t>24/11/2025</a:t>
-            </a:fld>
-            <a:endParaRPr lang="en-GB"/>
+              <a:t>06/12/2025</a:t>
+            </a:r>
           </a:p>
         </p:txBody>
       </p:sp>
@@ -5650,11 +5747,10 @@
             <a:pPr>
               <a:defRPr/>
             </a:pPr>
-            <a:fld id="{A5593103-930B-4864-A0CC-E5CD95E9581E}" type="datetimeFigureOut">
+            <a:r>
               <a:rPr lang="en-GB"/>
-              <a:t>24/11/2025</a:t>
-            </a:fld>
-            <a:endParaRPr lang="en-GB"/>
+              <a:t>06/12/2025</a:t>
+            </a:r>
           </a:p>
         </p:txBody>
       </p:sp>
@@ -5749,11 +5845,10 @@
             <a:pPr>
               <a:defRPr/>
             </a:pPr>
-            <a:fld id="{A5593103-930B-4864-A0CC-E5CD95E9581E}" type="datetimeFigureOut">
+            <a:r>
               <a:rPr lang="en-GB"/>
-              <a:t>24/11/2025</a:t>
-            </a:fld>
-            <a:endParaRPr lang="en-GB"/>
+              <a:t>06/12/2025</a:t>
+            </a:r>
           </a:p>
         </p:txBody>
       </p:sp>
@@ -6050,11 +6145,10 @@
             <a:pPr>
               <a:defRPr/>
             </a:pPr>
-            <a:fld id="{A5593103-930B-4864-A0CC-E5CD95E9581E}" type="datetimeFigureOut">
+            <a:r>
               <a:rPr lang="en-GB"/>
-              <a:t>24/11/2025</a:t>
-            </a:fld>
-            <a:endParaRPr lang="en-GB"/>
+              <a:t>06/12/2025</a:t>
+            </a:r>
           </a:p>
         </p:txBody>
       </p:sp>
@@ -6316,11 +6410,10 @@
             <a:pPr>
               <a:defRPr/>
             </a:pPr>
-            <a:fld id="{A5593103-930B-4864-A0CC-E5CD95E9581E}" type="datetimeFigureOut">
+            <a:r>
               <a:rPr lang="en-GB"/>
-              <a:t>24/11/2025</a:t>
-            </a:fld>
-            <a:endParaRPr lang="en-GB"/>
+              <a:t>06/12/2025</a:t>
+            </a:r>
           </a:p>
         </p:txBody>
       </p:sp>
@@ -6550,11 +6643,10 @@
             <a:pPr>
               <a:defRPr/>
             </a:pPr>
-            <a:fld id="{A5593103-930B-4864-A0CC-E5CD95E9581E}" type="datetimeFigureOut">
+            <a:r>
               <a:rPr lang="en-GB"/>
-              <a:t>24/11/2025</a:t>
-            </a:fld>
-            <a:endParaRPr lang="en-GB"/>
+              <a:t>06/12/2025</a:t>
+            </a:r>
           </a:p>
         </p:txBody>
       </p:sp>
@@ -6658,6 +6750,7 @@
     <p:sldLayoutId id="2147483658" r:id="rId10"/>
     <p:sldLayoutId id="2147483659" r:id="rId11"/>
   </p:sldLayoutIdLst>
+  <p:hf hdr="0" ftr="0"/>
   <p:txStyles>
     <p:titleStyle>
       <a:lvl1pPr algn="l" defTabSz="914400">
@@ -7109,11 +7202,10 @@
             </a:lvl1pPr>
           </a:lstStyle>
           <a:p>
-            <a:fld id="{A1D51BA1-F58B-40DF-9C13-73BC69DE2A80}" type="datetimeFigureOut">
-              <a:rPr lang="en-GB" smtClean="0"/>
-              <a:t>24/11/2025</a:t>
-            </a:fld>
-            <a:endParaRPr lang="en-GB"/>
+            <a:r>
+              <a:rPr lang="en-GB"/>
+              <a:t>06/12/2025</a:t>
+            </a:r>
           </a:p>
         </p:txBody>
       </p:sp>
@@ -7228,6 +7320,7 @@
     <p:sldLayoutId id="2147483682" r:id="rId10"/>
     <p:sldLayoutId id="2147483683" r:id="rId11"/>
   </p:sldLayoutIdLst>
+  <p:hf hdr="0" ftr="0"/>
   <p:txStyles>
     <p:titleStyle>
       <a:lvl1pPr algn="l" defTabSz="914400" rtl="0" eaLnBrk="1" latinLnBrk="0" hangingPunct="1">
@@ -7530,52 +7623,177 @@
       </p:grpSpPr>
       <p:sp>
         <p:nvSpPr>
-          <p:cNvPr id="1672846097" name="Title 1"/>
-          <p:cNvSpPr>
-            <a:spLocks noGrp="1"/>
-          </p:cNvSpPr>
-          <p:nvPr>
-            <p:ph type="ctrTitle"/>
-          </p:nvPr>
+          <p:cNvPr id="4" name="Title 1">
+            <a:extLst>
+              <a:ext uri="{FF2B5EF4-FFF2-40B4-BE49-F238E27FC236}">
+                <a16:creationId xmlns:a16="http://schemas.microsoft.com/office/drawing/2014/main" id="{BF1A944F-CAE8-9AF8-CAB1-383B796A87C2}"/>
+              </a:ext>
+            </a:extLst>
+          </p:cNvPr>
+          <p:cNvSpPr txBox="1">
+            <a:spLocks/>
+          </p:cNvSpPr>
+          <p:nvPr/>
         </p:nvSpPr>
         <p:spPr bwMode="auto">
           <a:xfrm>
-            <a:off x="1293743" y="2066235"/>
-            <a:ext cx="9604513" cy="2387600"/>
+            <a:off x="1651820" y="1753420"/>
+            <a:ext cx="9144000" cy="2387600"/>
           </a:xfrm>
+          <a:prstGeom prst="rect">
+            <a:avLst/>
+          </a:prstGeom>
         </p:spPr>
         <p:txBody>
-          <a:bodyPr>
-            <a:normAutofit fontScale="90000"/>
+          <a:bodyPr vert="horz" lIns="91440" tIns="45720" rIns="91440" bIns="45720" rtlCol="0" anchor="b">
+            <a:normAutofit/>
           </a:bodyPr>
-          <a:lstStyle/>
-          <a:p>
-            <a:pPr>
-              <a:defRPr/>
-            </a:pPr>
-            <a:r>
-              <a:rPr lang="en-GB" b="1" dirty="0"/>
-              <a:t>ZAS Robotics </a:t>
-            </a:r>
-            <a:r>
-              <a:rPr lang="en-US" b="1" dirty="0"/>
-              <a:t>(Communication</a:t>
-            </a:r>
-            <a:r>
-              <a:rPr lang="en-GB" b="1" dirty="0"/>
-              <a:t> Kit)</a:t>
+          <a:lstStyle>
+            <a:lvl1pPr algn="ctr" defTabSz="914400">
+              <a:lnSpc>
+                <a:spcPct val="90000"/>
+              </a:lnSpc>
+              <a:spcBef>
+                <a:spcPts val="0"/>
+              </a:spcBef>
+              <a:buNone/>
+              <a:defRPr sz="6000">
+                <a:solidFill>
+                  <a:schemeClr val="tx1"/>
+                </a:solidFill>
+                <a:latin typeface="+mj-lt"/>
+                <a:ea typeface="+mj-ea"/>
+                <a:cs typeface="+mj-cs"/>
+              </a:defRPr>
+            </a:lvl1pPr>
+          </a:lstStyle>
+          <a:p>
+            <a:r>
+              <a:rPr lang="en-GB" b="1" dirty="0">
+                <a:solidFill>
+                  <a:srgbClr val="FF3300"/>
+                </a:solidFill>
+              </a:rPr>
+              <a:t> Communication Kit (Kit 3)</a:t>
             </a:r>
             <a:br>
-              <a:rPr lang="en-GB" b="1" dirty="0"/>
+              <a:rPr lang="en-GB" b="1" dirty="0">
+                <a:solidFill>
+                  <a:srgbClr val="FF3300"/>
+                </a:solidFill>
+              </a:rPr>
             </a:br>
             <a:r>
-              <a:rPr lang="en-GB" b="1" dirty="0"/>
-              <a:t>Training</a:t>
+              <a:rPr lang="en-GB" b="1" dirty="0">
+                <a:solidFill>
+                  <a:srgbClr val="0070C0"/>
+                </a:solidFill>
+              </a:rPr>
+              <a:t>ZAS Robotics Training</a:t>
             </a:r>
             <a:endParaRPr lang="en-GB" dirty="0"/>
           </a:p>
         </p:txBody>
       </p:sp>
+      <p:sp>
+        <p:nvSpPr>
+          <p:cNvPr id="5" name="Date Placeholder 4">
+            <a:extLst>
+              <a:ext uri="{FF2B5EF4-FFF2-40B4-BE49-F238E27FC236}">
+                <a16:creationId xmlns:a16="http://schemas.microsoft.com/office/drawing/2014/main" id="{E496C254-F13C-3F88-4947-8838540A2E5C}"/>
+              </a:ext>
+            </a:extLst>
+          </p:cNvPr>
+          <p:cNvSpPr>
+            <a:spLocks noGrp="1"/>
+          </p:cNvSpPr>
+          <p:nvPr>
+            <p:ph type="dt" sz="half" idx="10"/>
+          </p:nvPr>
+        </p:nvSpPr>
+        <p:spPr/>
+        <p:txBody>
+          <a:bodyPr/>
+          <a:lstStyle/>
+          <a:p>
+            <a:pPr>
+              <a:defRPr/>
+            </a:pPr>
+            <a:r>
+              <a:rPr lang="en-GB"/>
+              <a:t>06/12/2025</a:t>
+            </a:r>
+          </a:p>
+        </p:txBody>
+      </p:sp>
+      <p:sp>
+        <p:nvSpPr>
+          <p:cNvPr id="6" name="Slide Number Placeholder 5">
+            <a:extLst>
+              <a:ext uri="{FF2B5EF4-FFF2-40B4-BE49-F238E27FC236}">
+                <a16:creationId xmlns:a16="http://schemas.microsoft.com/office/drawing/2014/main" id="{CDAA6604-B7F8-BB38-24E9-A6E435FAF049}"/>
+              </a:ext>
+            </a:extLst>
+          </p:cNvPr>
+          <p:cNvSpPr>
+            <a:spLocks noGrp="1"/>
+          </p:cNvSpPr>
+          <p:nvPr>
+            <p:ph type="sldNum" sz="quarter" idx="12"/>
+          </p:nvPr>
+        </p:nvSpPr>
+        <p:spPr/>
+        <p:txBody>
+          <a:bodyPr/>
+          <a:lstStyle/>
+          <a:p>
+            <a:pPr>
+              <a:defRPr/>
+            </a:pPr>
+            <a:fld id="{C33A2A5D-5A42-4533-ACF4-15D55555B360}" type="slidenum">
+              <a:rPr lang="en-GB" smtClean="0"/>
+              <a:t>1</a:t>
+            </a:fld>
+            <a:endParaRPr lang="en-GB"/>
+          </a:p>
+        </p:txBody>
+      </p:sp>
+      <p:pic>
+        <p:nvPicPr>
+          <p:cNvPr id="7" name="Picture 6">
+            <a:extLst>
+              <a:ext uri="{FF2B5EF4-FFF2-40B4-BE49-F238E27FC236}">
+                <a16:creationId xmlns:a16="http://schemas.microsoft.com/office/drawing/2014/main" id="{5AED307E-FFB1-1C3E-AB42-B526E18AB8DD}"/>
+              </a:ext>
+            </a:extLst>
+          </p:cNvPr>
+          <p:cNvPicPr>
+            <a:picLocks noChangeAspect="1"/>
+          </p:cNvPicPr>
+          <p:nvPr/>
+        </p:nvPicPr>
+        <p:blipFill>
+          <a:blip r:embed="rId3" cstate="print">
+            <a:extLst>
+              <a:ext uri="{28A0092B-C50C-407E-A947-70E740481C1C}">
+                <a14:useLocalDpi xmlns:a14="http://schemas.microsoft.com/office/drawing/2010/main" val="0"/>
+              </a:ext>
+            </a:extLst>
+          </a:blip>
+          <a:stretch>
+            <a:fillRect/>
+          </a:stretch>
+        </p:blipFill>
+        <p:spPr bwMode="auto">
+          <a:xfrm>
+            <a:off x="7960718" y="226346"/>
+            <a:ext cx="4042963" cy="1089705"/>
+          </a:xfrm>
+          <a:prstGeom prst="rect">
+            <a:avLst/>
+          </a:prstGeom>
+        </p:spPr>
+      </p:pic>
     </p:spTree>
   </p:cSld>
   <p:clrMapOvr>
@@ -7727,9 +7945,9 @@
               <a:defRPr/>
             </a:pPr>
             <a:r>
-              <a:rPr lang="en-GB" sz="3600" b="1">
+              <a:rPr lang="en-GB" sz="4000" b="1" dirty="0">
                 <a:solidFill>
-                  <a:srgbClr val="000000"/>
+                  <a:srgbClr val="FF3300"/>
                 </a:solidFill>
                 <a:latin typeface="+mj-lt"/>
                 <a:ea typeface="Calibri Light"/>
@@ -7737,14 +7955,6 @@
               </a:rPr>
               <a:t>Lab C2 – Wireless Communication between Tx and Rx Using NRF24L01</a:t>
             </a:r>
-            <a:endParaRPr lang="en-GB" sz="3600" b="1" dirty="0">
-              <a:solidFill>
-                <a:srgbClr val="000000"/>
-              </a:solidFill>
-              <a:latin typeface="+mj-lt"/>
-              <a:ea typeface="Calibri Light"/>
-              <a:cs typeface="Calibri Light"/>
-            </a:endParaRPr>
           </a:p>
         </p:txBody>
       </p:sp>
@@ -8037,6 +8247,69 @@
               <a:rPr lang="en-GB" b="1" dirty="0"/>
               <a:t>NRF Receiver</a:t>
             </a:r>
+          </a:p>
+        </p:txBody>
+      </p:sp>
+      <p:sp>
+        <p:nvSpPr>
+          <p:cNvPr id="13" name="Date Placeholder 12">
+            <a:extLst>
+              <a:ext uri="{FF2B5EF4-FFF2-40B4-BE49-F238E27FC236}">
+                <a16:creationId xmlns:a16="http://schemas.microsoft.com/office/drawing/2014/main" id="{02231A43-5A91-F588-DDD7-DED9CA85C27C}"/>
+              </a:ext>
+            </a:extLst>
+          </p:cNvPr>
+          <p:cNvSpPr>
+            <a:spLocks noGrp="1"/>
+          </p:cNvSpPr>
+          <p:nvPr>
+            <p:ph type="dt" sz="half" idx="10"/>
+          </p:nvPr>
+        </p:nvSpPr>
+        <p:spPr/>
+        <p:txBody>
+          <a:bodyPr/>
+          <a:lstStyle/>
+          <a:p>
+            <a:pPr>
+              <a:defRPr/>
+            </a:pPr>
+            <a:r>
+              <a:rPr lang="en-GB"/>
+              <a:t>06/12/2025</a:t>
+            </a:r>
+          </a:p>
+        </p:txBody>
+      </p:sp>
+      <p:sp>
+        <p:nvSpPr>
+          <p:cNvPr id="14" name="Slide Number Placeholder 13">
+            <a:extLst>
+              <a:ext uri="{FF2B5EF4-FFF2-40B4-BE49-F238E27FC236}">
+                <a16:creationId xmlns:a16="http://schemas.microsoft.com/office/drawing/2014/main" id="{904E2236-3CA4-9CDB-C0D7-D24B88484982}"/>
+              </a:ext>
+            </a:extLst>
+          </p:cNvPr>
+          <p:cNvSpPr>
+            <a:spLocks noGrp="1"/>
+          </p:cNvSpPr>
+          <p:nvPr>
+            <p:ph type="sldNum" sz="quarter" idx="12"/>
+          </p:nvPr>
+        </p:nvSpPr>
+        <p:spPr/>
+        <p:txBody>
+          <a:bodyPr/>
+          <a:lstStyle/>
+          <a:p>
+            <a:pPr>
+              <a:defRPr/>
+            </a:pPr>
+            <a:fld id="{C33A2A5D-5A42-4533-ACF4-15D55555B360}" type="slidenum">
+              <a:rPr lang="en-GB" smtClean="0"/>
+              <a:t>10</a:t>
+            </a:fld>
+            <a:endParaRPr lang="en-GB"/>
           </a:p>
         </p:txBody>
       </p:sp>
@@ -8082,8 +8355,8 @@
         </p:nvSpPr>
         <p:spPr bwMode="auto">
           <a:xfrm>
-            <a:off x="453059" y="1203736"/>
-            <a:ext cx="11087099" cy="5545864"/>
+            <a:off x="453060" y="1203736"/>
+            <a:ext cx="4925186" cy="5545864"/>
           </a:xfrm>
         </p:spPr>
         <p:txBody>
@@ -8100,7 +8373,6 @@
                 <a:solidFill>
                   <a:srgbClr val="000000"/>
                 </a:solidFill>
-                <a:latin typeface="Times New Roman"/>
                 <a:ea typeface="Times New Roman"/>
                 <a:cs typeface="Times New Roman"/>
               </a:rPr>
@@ -8117,7 +8389,6 @@
                 <a:solidFill>
                   <a:srgbClr val="000000"/>
                 </a:solidFill>
-                <a:latin typeface="Times New Roman"/>
                 <a:ea typeface="Times New Roman"/>
                 <a:cs typeface="Times New Roman"/>
               </a:rPr>
@@ -8134,7 +8405,6 @@
                 <a:solidFill>
                   <a:srgbClr val="000000"/>
                 </a:solidFill>
-                <a:latin typeface="Times New Roman"/>
                 <a:ea typeface="Times New Roman"/>
                 <a:cs typeface="Times New Roman"/>
               </a:rPr>
@@ -8145,7 +8415,6 @@
                 <a:solidFill>
                   <a:srgbClr val="000000"/>
                 </a:solidFill>
-                <a:latin typeface="Times New Roman"/>
                 <a:ea typeface="Times New Roman"/>
                 <a:cs typeface="Times New Roman"/>
               </a:rPr>
@@ -8156,7 +8425,6 @@
                 <a:solidFill>
                   <a:srgbClr val="000000"/>
                 </a:solidFill>
-                <a:latin typeface="Times New Roman"/>
                 <a:ea typeface="Times New Roman"/>
                 <a:cs typeface="Times New Roman"/>
               </a:rPr>
@@ -8173,7 +8441,6 @@
                 <a:solidFill>
                   <a:srgbClr val="000000"/>
                 </a:solidFill>
-                <a:latin typeface="Times New Roman"/>
                 <a:ea typeface="Times New Roman"/>
                 <a:cs typeface="Times New Roman"/>
               </a:rPr>
@@ -8184,7 +8451,6 @@
                 <a:solidFill>
                   <a:srgbClr val="000000"/>
                 </a:solidFill>
-                <a:latin typeface="Times New Roman"/>
                 <a:ea typeface="Times New Roman"/>
                 <a:cs typeface="Times New Roman"/>
               </a:rPr>
@@ -8195,7 +8461,6 @@
                 <a:solidFill>
                   <a:srgbClr val="000000"/>
                 </a:solidFill>
-                <a:latin typeface="Times New Roman"/>
                 <a:ea typeface="Times New Roman"/>
                 <a:cs typeface="Times New Roman"/>
               </a:rPr>
@@ -8212,7 +8477,6 @@
                 <a:solidFill>
                   <a:srgbClr val="000000"/>
                 </a:solidFill>
-                <a:latin typeface="Times New Roman"/>
                 <a:ea typeface="Times New Roman"/>
                 <a:cs typeface="Times New Roman"/>
               </a:rPr>
@@ -8223,7 +8487,6 @@
                 <a:solidFill>
                   <a:srgbClr val="000000"/>
                 </a:solidFill>
-                <a:latin typeface="Times New Roman"/>
                 <a:ea typeface="Times New Roman"/>
                 <a:cs typeface="Times New Roman"/>
               </a:rPr>
@@ -8234,7 +8497,6 @@
                 <a:solidFill>
                   <a:srgbClr val="000000"/>
                 </a:solidFill>
-                <a:latin typeface="Times New Roman"/>
                 <a:ea typeface="Times New Roman"/>
                 <a:cs typeface="Times New Roman"/>
               </a:rPr>
@@ -8251,7 +8513,6 @@
                 <a:solidFill>
                   <a:srgbClr val="000000"/>
                 </a:solidFill>
-                <a:latin typeface="Times New Roman"/>
                 <a:ea typeface="Times New Roman"/>
                 <a:cs typeface="Times New Roman"/>
               </a:rPr>
@@ -8268,11 +8529,10 @@
                 <a:solidFill>
                   <a:srgbClr val="000000"/>
                 </a:solidFill>
-                <a:latin typeface="Times New Roman"/>
                 <a:ea typeface="Times New Roman"/>
                 <a:cs typeface="Times New Roman"/>
               </a:rPr>
-              <a:t>🔵 Transmitter Side (TX)</a:t>
+              <a:t>Transmitter Side (TX)</a:t>
             </a:r>
             <a:endParaRPr dirty="0"/>
           </a:p>
@@ -8285,7 +8545,6 @@
                 <a:solidFill>
                   <a:srgbClr val="000000"/>
                 </a:solidFill>
-                <a:latin typeface="Times New Roman"/>
                 <a:ea typeface="Times New Roman"/>
                 <a:cs typeface="Times New Roman"/>
               </a:rPr>
@@ -8296,7 +8555,6 @@
                 <a:solidFill>
                   <a:srgbClr val="000000"/>
                 </a:solidFill>
-                <a:latin typeface="Times New Roman"/>
                 <a:ea typeface="Times New Roman"/>
                 <a:cs typeface="Times New Roman"/>
               </a:rPr>
@@ -8313,7 +8571,6 @@
                 <a:solidFill>
                   <a:srgbClr val="000000"/>
                 </a:solidFill>
-                <a:latin typeface="Times New Roman"/>
                 <a:ea typeface="Times New Roman"/>
                 <a:cs typeface="Times New Roman"/>
               </a:rPr>
@@ -8324,7 +8581,6 @@
                 <a:solidFill>
                   <a:srgbClr val="000000"/>
                 </a:solidFill>
-                <a:latin typeface="Times New Roman"/>
                 <a:ea typeface="Times New Roman"/>
                 <a:cs typeface="Times New Roman"/>
               </a:rPr>
@@ -8335,7 +8591,6 @@
                 <a:solidFill>
                   <a:srgbClr val="000000"/>
                 </a:solidFill>
-                <a:latin typeface="Times New Roman"/>
                 <a:ea typeface="Times New Roman"/>
                 <a:cs typeface="Times New Roman"/>
               </a:rPr>
@@ -8346,7 +8601,6 @@
                 <a:solidFill>
                   <a:srgbClr val="000000"/>
                 </a:solidFill>
-                <a:latin typeface="Times New Roman"/>
                 <a:ea typeface="Times New Roman"/>
                 <a:cs typeface="Times New Roman"/>
               </a:rPr>
@@ -8363,7 +8617,6 @@
                 <a:solidFill>
                   <a:srgbClr val="000000"/>
                 </a:solidFill>
-                <a:latin typeface="Times New Roman"/>
                 <a:ea typeface="Times New Roman"/>
                 <a:cs typeface="Times New Roman"/>
               </a:rPr>
@@ -8374,7 +8627,6 @@
                 <a:solidFill>
                   <a:srgbClr val="000000"/>
                 </a:solidFill>
-                <a:latin typeface="Times New Roman"/>
                 <a:ea typeface="Times New Roman"/>
                 <a:cs typeface="Times New Roman"/>
               </a:rPr>
@@ -8385,7 +8637,6 @@
                 <a:solidFill>
                   <a:srgbClr val="000000"/>
                 </a:solidFill>
-                <a:latin typeface="Times New Roman"/>
                 <a:ea typeface="Times New Roman"/>
                 <a:cs typeface="Times New Roman"/>
               </a:rPr>
@@ -8402,7 +8653,6 @@
                 <a:solidFill>
                   <a:srgbClr val="000000"/>
                 </a:solidFill>
-                <a:latin typeface="Times New Roman"/>
                 <a:ea typeface="Times New Roman"/>
                 <a:cs typeface="Times New Roman"/>
               </a:rPr>
@@ -8413,7 +8663,6 @@
                 <a:solidFill>
                   <a:srgbClr val="000000"/>
                 </a:solidFill>
-                <a:latin typeface="Times New Roman"/>
                 <a:ea typeface="Times New Roman"/>
                 <a:cs typeface="Times New Roman"/>
               </a:rPr>
@@ -8430,7 +8679,6 @@
                 <a:solidFill>
                   <a:srgbClr val="000000"/>
                 </a:solidFill>
-                <a:latin typeface="Times New Roman"/>
                 <a:ea typeface="Times New Roman"/>
                 <a:cs typeface="Times New Roman"/>
               </a:rPr>
@@ -8441,7 +8689,6 @@
                 <a:solidFill>
                   <a:srgbClr val="000000"/>
                 </a:solidFill>
-                <a:latin typeface="Times New Roman"/>
                 <a:ea typeface="Times New Roman"/>
                 <a:cs typeface="Times New Roman"/>
               </a:rPr>
@@ -8452,7 +8699,6 @@
                 <a:solidFill>
                   <a:srgbClr val="000000"/>
                 </a:solidFill>
-                <a:latin typeface="Times New Roman"/>
                 <a:ea typeface="Times New Roman"/>
                 <a:cs typeface="Times New Roman"/>
               </a:rPr>
@@ -8469,7 +8715,6 @@
                 <a:solidFill>
                   <a:srgbClr val="000000"/>
                 </a:solidFill>
-                <a:latin typeface="Times New Roman"/>
                 <a:ea typeface="Times New Roman"/>
                 <a:cs typeface="Times New Roman"/>
               </a:rPr>
@@ -8486,7 +8731,6 @@
                 <a:solidFill>
                   <a:srgbClr val="000000"/>
                 </a:solidFill>
-                <a:latin typeface="Times New Roman"/>
                 <a:ea typeface="Times New Roman"/>
                 <a:cs typeface="Times New Roman"/>
               </a:rPr>
@@ -8497,7 +8741,6 @@
                 <a:solidFill>
                   <a:srgbClr val="000000"/>
                 </a:solidFill>
-                <a:latin typeface="Times New Roman"/>
                 <a:ea typeface="Times New Roman"/>
                 <a:cs typeface="Times New Roman"/>
               </a:rPr>
@@ -8508,7 +8751,6 @@
                 <a:solidFill>
                   <a:srgbClr val="000000"/>
                 </a:solidFill>
-                <a:latin typeface="Times New Roman"/>
                 <a:ea typeface="Times New Roman"/>
                 <a:cs typeface="Times New Roman"/>
               </a:rPr>
@@ -8525,7 +8767,6 @@
                 <a:solidFill>
                   <a:srgbClr val="000000"/>
                 </a:solidFill>
-                <a:latin typeface="Times New Roman"/>
                 <a:ea typeface="Times New Roman"/>
                 <a:cs typeface="Times New Roman"/>
               </a:rPr>
@@ -8536,7 +8777,6 @@
                 <a:solidFill>
                   <a:srgbClr val="000000"/>
                 </a:solidFill>
-                <a:latin typeface="Times New Roman"/>
                 <a:ea typeface="Times New Roman"/>
                 <a:cs typeface="Times New Roman"/>
               </a:rPr>
@@ -8547,7 +8787,6 @@
                 <a:solidFill>
                   <a:srgbClr val="000000"/>
                 </a:solidFill>
-                <a:latin typeface="Times New Roman"/>
                 <a:ea typeface="Times New Roman"/>
                 <a:cs typeface="Times New Roman"/>
               </a:rPr>
@@ -8564,7 +8803,6 @@
                 <a:solidFill>
                   <a:srgbClr val="000000"/>
                 </a:solidFill>
-                <a:latin typeface="Times New Roman"/>
                 <a:ea typeface="Times New Roman"/>
                 <a:cs typeface="Times New Roman"/>
               </a:rPr>
@@ -8575,7 +8813,6 @@
                 <a:solidFill>
                   <a:srgbClr val="000000"/>
                 </a:solidFill>
-                <a:latin typeface="Times New Roman"/>
                 <a:ea typeface="Times New Roman"/>
                 <a:cs typeface="Times New Roman"/>
               </a:rPr>
@@ -8592,7 +8829,6 @@
                 <a:solidFill>
                   <a:srgbClr val="000000"/>
                 </a:solidFill>
-                <a:latin typeface="Times New Roman"/>
                 <a:ea typeface="Times New Roman"/>
                 <a:cs typeface="Times New Roman"/>
               </a:rPr>
@@ -8603,7 +8839,6 @@
                 <a:solidFill>
                   <a:srgbClr val="000000"/>
                 </a:solidFill>
-                <a:latin typeface="Times New Roman"/>
                 <a:ea typeface="Times New Roman"/>
                 <a:cs typeface="Times New Roman"/>
               </a:rPr>
@@ -8614,7 +8849,6 @@
                 <a:solidFill>
                   <a:srgbClr val="000000"/>
                 </a:solidFill>
-                <a:latin typeface="Times New Roman"/>
                 <a:ea typeface="Times New Roman"/>
                 <a:cs typeface="Times New Roman"/>
               </a:rPr>
@@ -8631,7 +8865,6 @@
                 <a:solidFill>
                   <a:srgbClr val="000000"/>
                 </a:solidFill>
-                <a:latin typeface="Times New Roman"/>
                 <a:ea typeface="Times New Roman"/>
                 <a:cs typeface="Times New Roman"/>
               </a:rPr>
@@ -8648,7 +8881,6 @@
                 <a:solidFill>
                   <a:srgbClr val="000000"/>
                 </a:solidFill>
-                <a:latin typeface="Times New Roman"/>
                 <a:ea typeface="Times New Roman"/>
                 <a:cs typeface="Times New Roman"/>
               </a:rPr>
@@ -8659,7 +8891,6 @@
                 <a:solidFill>
                   <a:srgbClr val="000000"/>
                 </a:solidFill>
-                <a:latin typeface="Times New Roman"/>
                 <a:ea typeface="Times New Roman"/>
                 <a:cs typeface="Times New Roman"/>
               </a:rPr>
@@ -8670,7 +8901,6 @@
                 <a:solidFill>
                   <a:srgbClr val="000000"/>
                 </a:solidFill>
-                <a:latin typeface="Times New Roman"/>
                 <a:ea typeface="Times New Roman"/>
                 <a:cs typeface="Times New Roman"/>
               </a:rPr>
@@ -8687,7 +8917,6 @@
                 <a:solidFill>
                   <a:srgbClr val="000000"/>
                 </a:solidFill>
-                <a:latin typeface="Times New Roman"/>
                 <a:ea typeface="Times New Roman"/>
                 <a:cs typeface="Times New Roman"/>
               </a:rPr>
@@ -8698,7 +8927,6 @@
                 <a:solidFill>
                   <a:srgbClr val="000000"/>
                 </a:solidFill>
-                <a:latin typeface="Times New Roman"/>
                 <a:ea typeface="Times New Roman"/>
                 <a:cs typeface="Times New Roman"/>
               </a:rPr>
@@ -8709,7 +8937,6 @@
                 <a:solidFill>
                   <a:srgbClr val="000000"/>
                 </a:solidFill>
-                <a:latin typeface="Times New Roman"/>
                 <a:ea typeface="Times New Roman"/>
                 <a:cs typeface="Times New Roman"/>
               </a:rPr>
@@ -8726,7 +8953,6 @@
                 <a:solidFill>
                   <a:srgbClr val="000000"/>
                 </a:solidFill>
-                <a:latin typeface="Times New Roman"/>
                 <a:ea typeface="Times New Roman"/>
                 <a:cs typeface="Times New Roman"/>
               </a:rPr>
@@ -8743,7 +8969,6 @@
                 <a:solidFill>
                   <a:srgbClr val="000000"/>
                 </a:solidFill>
-                <a:latin typeface="Times New Roman"/>
                 <a:ea typeface="Times New Roman"/>
                 <a:cs typeface="Times New Roman"/>
               </a:rPr>
@@ -8754,7 +8979,6 @@
                 <a:solidFill>
                   <a:srgbClr val="000000"/>
                 </a:solidFill>
-                <a:latin typeface="Times New Roman"/>
                 <a:ea typeface="Times New Roman"/>
                 <a:cs typeface="Times New Roman"/>
               </a:rPr>
@@ -8765,7 +8989,6 @@
                 <a:solidFill>
                   <a:srgbClr val="000000"/>
                 </a:solidFill>
-                <a:latin typeface="Times New Roman"/>
                 <a:ea typeface="Times New Roman"/>
                 <a:cs typeface="Times New Roman"/>
               </a:rPr>
@@ -8776,7 +8999,6 @@
                 <a:solidFill>
                   <a:srgbClr val="000000"/>
                 </a:solidFill>
-                <a:latin typeface="Times New Roman"/>
                 <a:ea typeface="Times New Roman"/>
                 <a:cs typeface="Times New Roman"/>
               </a:rPr>
@@ -8843,9 +9065,9 @@
               <a:defRPr/>
             </a:pPr>
             <a:r>
-              <a:rPr lang="en-GB" sz="3600" b="1" dirty="0">
+              <a:rPr lang="en-GB" sz="4000" b="1" dirty="0">
                 <a:solidFill>
-                  <a:srgbClr val="000000"/>
+                  <a:srgbClr val="FF3300"/>
                 </a:solidFill>
                 <a:latin typeface="+mj-lt"/>
                 <a:ea typeface="Calibri Light"/>
@@ -8877,6 +9099,13 @@
             <a:avLst/>
           </a:prstGeom>
           <a:noFill/>
+          <a:ln>
+            <a:solidFill>
+              <a:schemeClr val="accent1">
+                <a:lumMod val="75000"/>
+              </a:schemeClr>
+            </a:solidFill>
+          </a:ln>
         </p:spPr>
         <p:txBody>
           <a:bodyPr wrap="square" rtlCol="0">
@@ -8890,7 +9119,7 @@
             </a:r>
             <a:r>
               <a:rPr lang="en-GB" b="1" dirty="0"/>
-              <a:t> Link:</a:t>
+              <a:t> Link for Code:</a:t>
             </a:r>
           </a:p>
           <a:p>
@@ -8918,6 +9147,69 @@
               <a:t>https://github.com/info-zas/Training/tree/main/GPREC/03_Communications/01_Code/04_Comm_Kit_NRF24L01_Receiver_Encoder_Value</a:t>
             </a:r>
             <a:endParaRPr lang="en-GB" sz="1400" b="1" dirty="0"/>
+          </a:p>
+        </p:txBody>
+      </p:sp>
+      <p:sp>
+        <p:nvSpPr>
+          <p:cNvPr id="2" name="Date Placeholder 1">
+            <a:extLst>
+              <a:ext uri="{FF2B5EF4-FFF2-40B4-BE49-F238E27FC236}">
+                <a16:creationId xmlns:a16="http://schemas.microsoft.com/office/drawing/2014/main" id="{75AAE633-81FD-B449-3B42-BFF162010474}"/>
+              </a:ext>
+            </a:extLst>
+          </p:cNvPr>
+          <p:cNvSpPr>
+            <a:spLocks noGrp="1"/>
+          </p:cNvSpPr>
+          <p:nvPr>
+            <p:ph type="dt" sz="half" idx="10"/>
+          </p:nvPr>
+        </p:nvSpPr>
+        <p:spPr/>
+        <p:txBody>
+          <a:bodyPr/>
+          <a:lstStyle/>
+          <a:p>
+            <a:pPr>
+              <a:defRPr/>
+            </a:pPr>
+            <a:r>
+              <a:rPr lang="en-GB"/>
+              <a:t>06/12/2025</a:t>
+            </a:r>
+          </a:p>
+        </p:txBody>
+      </p:sp>
+      <p:sp>
+        <p:nvSpPr>
+          <p:cNvPr id="3" name="Slide Number Placeholder 2">
+            <a:extLst>
+              <a:ext uri="{FF2B5EF4-FFF2-40B4-BE49-F238E27FC236}">
+                <a16:creationId xmlns:a16="http://schemas.microsoft.com/office/drawing/2014/main" id="{C5AD6500-2BF6-923D-10A9-D1056BB6DB3F}"/>
+              </a:ext>
+            </a:extLst>
+          </p:cNvPr>
+          <p:cNvSpPr>
+            <a:spLocks noGrp="1"/>
+          </p:cNvSpPr>
+          <p:nvPr>
+            <p:ph type="sldNum" sz="quarter" idx="12"/>
+          </p:nvPr>
+        </p:nvSpPr>
+        <p:spPr/>
+        <p:txBody>
+          <a:bodyPr/>
+          <a:lstStyle/>
+          <a:p>
+            <a:pPr>
+              <a:defRPr/>
+            </a:pPr>
+            <a:fld id="{C33A2A5D-5A42-4533-ACF4-15D55555B360}" type="slidenum">
+              <a:rPr lang="en-GB" smtClean="0"/>
+              <a:t>11</a:t>
+            </a:fld>
+            <a:endParaRPr lang="en-GB"/>
           </a:p>
         </p:txBody>
       </p:sp>
@@ -8964,12 +9256,18 @@
         </p:nvSpPr>
         <p:spPr/>
         <p:txBody>
-          <a:bodyPr/>
-          <a:lstStyle/>
-          <a:p>
-            <a:r>
-              <a:rPr lang="en-GB" b="1" dirty="0"/>
-              <a:t>Lab C3 – SD Card Module </a:t>
+          <a:bodyPr>
+            <a:normAutofit/>
+          </a:bodyPr>
+          <a:lstStyle/>
+          <a:p>
+            <a:r>
+              <a:rPr lang="en-GB" sz="4000" b="1" dirty="0">
+                <a:solidFill>
+                  <a:srgbClr val="FF3300"/>
+                </a:solidFill>
+              </a:rPr>
+              <a:t>SD Card Module </a:t>
             </a:r>
           </a:p>
         </p:txBody>
@@ -9046,6 +9344,69 @@
           </a:prstGeom>
         </p:spPr>
       </p:pic>
+      <p:sp>
+        <p:nvSpPr>
+          <p:cNvPr id="3" name="Date Placeholder 2">
+            <a:extLst>
+              <a:ext uri="{FF2B5EF4-FFF2-40B4-BE49-F238E27FC236}">
+                <a16:creationId xmlns:a16="http://schemas.microsoft.com/office/drawing/2014/main" id="{089E1C03-13B0-0EFD-2741-C0DFC64D6E04}"/>
+              </a:ext>
+            </a:extLst>
+          </p:cNvPr>
+          <p:cNvSpPr>
+            <a:spLocks noGrp="1"/>
+          </p:cNvSpPr>
+          <p:nvPr>
+            <p:ph type="dt" sz="half" idx="10"/>
+          </p:nvPr>
+        </p:nvSpPr>
+        <p:spPr/>
+        <p:txBody>
+          <a:bodyPr/>
+          <a:lstStyle/>
+          <a:p>
+            <a:pPr>
+              <a:defRPr/>
+            </a:pPr>
+            <a:r>
+              <a:rPr lang="en-GB"/>
+              <a:t>06/12/2025</a:t>
+            </a:r>
+          </a:p>
+        </p:txBody>
+      </p:sp>
+      <p:sp>
+        <p:nvSpPr>
+          <p:cNvPr id="4" name="Slide Number Placeholder 3">
+            <a:extLst>
+              <a:ext uri="{FF2B5EF4-FFF2-40B4-BE49-F238E27FC236}">
+                <a16:creationId xmlns:a16="http://schemas.microsoft.com/office/drawing/2014/main" id="{D0BB2BC5-68DA-8334-B0C7-244F992E6AFE}"/>
+              </a:ext>
+            </a:extLst>
+          </p:cNvPr>
+          <p:cNvSpPr>
+            <a:spLocks noGrp="1"/>
+          </p:cNvSpPr>
+          <p:nvPr>
+            <p:ph type="sldNum" sz="quarter" idx="12"/>
+          </p:nvPr>
+        </p:nvSpPr>
+        <p:spPr/>
+        <p:txBody>
+          <a:bodyPr/>
+          <a:lstStyle/>
+          <a:p>
+            <a:pPr>
+              <a:defRPr/>
+            </a:pPr>
+            <a:fld id="{C33A2A5D-5A42-4533-ACF4-15D55555B360}" type="slidenum">
+              <a:rPr lang="en-GB" smtClean="0"/>
+              <a:t>12</a:t>
+            </a:fld>
+            <a:endParaRPr lang="en-GB"/>
+          </a:p>
+        </p:txBody>
+      </p:sp>
     </p:spTree>
     <p:extLst>
       <p:ext uri="{BB962C8B-B14F-4D97-AF65-F5344CB8AC3E}">
@@ -9094,33 +9455,43 @@
         </p:nvSpPr>
         <p:spPr/>
         <p:txBody>
-          <a:bodyPr/>
-          <a:lstStyle/>
-          <a:p>
-            <a:r>
-              <a:rPr lang="en-GB" b="1" dirty="0"/>
-              <a:t>Lab C3 – SD Card Module </a:t>
-            </a:r>
-            <a:endParaRPr lang="en-GB" dirty="0"/>
-          </a:p>
-        </p:txBody>
-      </p:sp>
-      <p:sp>
-        <p:nvSpPr>
-          <p:cNvPr id="4" name="TextBox 3">
-            <a:extLst>
-              <a:ext uri="{FF2B5EF4-FFF2-40B4-BE49-F238E27FC236}">
-                <a16:creationId xmlns:a16="http://schemas.microsoft.com/office/drawing/2014/main" id="{586DD41A-A69D-3C3D-96AF-910BB4C0B421}"/>
+          <a:bodyPr>
+            <a:normAutofit/>
+          </a:bodyPr>
+          <a:lstStyle/>
+          <a:p>
+            <a:r>
+              <a:rPr lang="en-GB" sz="4000" b="1" dirty="0">
+                <a:solidFill>
+                  <a:srgbClr val="FF3300"/>
+                </a:solidFill>
+              </a:rPr>
+              <a:t>SD Card Module </a:t>
+            </a:r>
+            <a:endParaRPr lang="en-GB" sz="4000" dirty="0">
+              <a:solidFill>
+                <a:srgbClr val="FF3300"/>
+              </a:solidFill>
+            </a:endParaRPr>
+          </a:p>
+        </p:txBody>
+      </p:sp>
+      <p:sp>
+        <p:nvSpPr>
+          <p:cNvPr id="3" name="TextBox 2">
+            <a:extLst>
+              <a:ext uri="{FF2B5EF4-FFF2-40B4-BE49-F238E27FC236}">
+                <a16:creationId xmlns:a16="http://schemas.microsoft.com/office/drawing/2014/main" id="{A31CC090-2544-7E3B-4948-A679FD2AA5B6}"/>
               </a:ext>
             </a:extLst>
           </p:cNvPr>
           <p:cNvSpPr txBox="1"/>
           <p:nvPr/>
         </p:nvSpPr>
-        <p:spPr bwMode="auto">
+        <p:spPr>
           <a:xfrm>
-            <a:off x="9412356" y="5943600"/>
-            <a:ext cx="1343638" cy="369332"/>
+            <a:off x="838200" y="1839686"/>
+            <a:ext cx="9783447" cy="2246769"/>
           </a:xfrm>
           <a:prstGeom prst="rect">
             <a:avLst/>
@@ -9133,79 +9504,103 @@
           </a:bodyPr>
           <a:lstStyle/>
           <a:p>
-            <a:r>
-              <a:rPr lang="en-GB" b="1" dirty="0" err="1"/>
-              <a:t>Github</a:t>
-            </a:r>
-            <a:r>
-              <a:rPr lang="en-GB" b="1" dirty="0"/>
-              <a:t> Link:</a:t>
-            </a:r>
-          </a:p>
-        </p:txBody>
-      </p:sp>
-      <p:sp>
-        <p:nvSpPr>
-          <p:cNvPr id="3" name="TextBox 2">
-            <a:extLst>
-              <a:ext uri="{FF2B5EF4-FFF2-40B4-BE49-F238E27FC236}">
-                <a16:creationId xmlns:a16="http://schemas.microsoft.com/office/drawing/2014/main" id="{A31CC090-2544-7E3B-4948-A679FD2AA5B6}"/>
-              </a:ext>
-            </a:extLst>
-          </p:cNvPr>
-          <p:cNvSpPr txBox="1"/>
-          <p:nvPr/>
-        </p:nvSpPr>
-        <p:spPr>
-          <a:xfrm>
-            <a:off x="838200" y="1839686"/>
-            <a:ext cx="5788764" cy="1477328"/>
-          </a:xfrm>
-          <a:prstGeom prst="rect">
-            <a:avLst/>
-          </a:prstGeom>
-          <a:noFill/>
-        </p:spPr>
-        <p:txBody>
-          <a:bodyPr wrap="none" rtlCol="0">
-            <a:spAutoFit/>
-          </a:bodyPr>
-          <a:lstStyle/>
-          <a:p>
-            <a:r>
-              <a:rPr lang="en-GB" dirty="0"/>
-              <a:t>Discuss the SD Card Module –</a:t>
-            </a:r>
-          </a:p>
-          <a:p>
-            <a:pPr marL="342900" indent="-342900">
-              <a:buAutoNum type="alphaLcParenBoth"/>
-            </a:pPr>
-            <a:r>
-              <a:rPr lang="en-GB" dirty="0"/>
-              <a:t>The SD Card Pin Layout</a:t>
-            </a:r>
-          </a:p>
-          <a:p>
-            <a:pPr marL="342900" indent="-342900">
-              <a:buAutoNum type="alphaLcParenBoth"/>
-            </a:pPr>
-            <a:r>
-              <a:rPr lang="en-GB" dirty="0"/>
+            <a:endParaRPr lang="en-GB" sz="2800" dirty="0"/>
+          </a:p>
+          <a:p>
+            <a:pPr marL="457200" indent="-457200">
+              <a:buFont typeface="Arial" panose="020B0604020202020204" pitchFamily="34" charset="0"/>
+              <a:buChar char="•"/>
+            </a:pPr>
+            <a:r>
+              <a:rPr lang="en-GB" sz="2800" dirty="0"/>
               <a:t>SD Card formatting requirements</a:t>
             </a:r>
           </a:p>
           <a:p>
-            <a:pPr marL="342900" indent="-342900">
-              <a:buAutoNum type="alphaLcParenBoth"/>
-            </a:pPr>
-            <a:r>
-              <a:rPr lang="en-GB" dirty="0"/>
+            <a:pPr marL="457200" indent="-457200">
+              <a:buFont typeface="Arial" panose="020B0604020202020204" pitchFamily="34" charset="0"/>
+              <a:buChar char="•"/>
+            </a:pPr>
+            <a:r>
+              <a:rPr lang="en-GB" sz="2800" dirty="0"/>
               <a:t>Practice the SD Card orientation for insertion &amp; removal</a:t>
             </a:r>
           </a:p>
           <a:p>
-            <a:endParaRPr lang="en-GB" dirty="0"/>
+            <a:pPr marL="457200" indent="-457200">
+              <a:buFont typeface="Arial" panose="020B0604020202020204" pitchFamily="34" charset="0"/>
+              <a:buChar char="•"/>
+            </a:pPr>
+            <a:r>
+              <a:rPr lang="en-GB" sz="2800" dirty="0"/>
+              <a:t>A good module remote data wireless capture &amp; IoT Simulations</a:t>
+            </a:r>
+          </a:p>
+          <a:p>
+            <a:endParaRPr lang="en-GB" sz="2800" dirty="0"/>
+          </a:p>
+        </p:txBody>
+      </p:sp>
+      <p:sp>
+        <p:nvSpPr>
+          <p:cNvPr id="5" name="Date Placeholder 4">
+            <a:extLst>
+              <a:ext uri="{FF2B5EF4-FFF2-40B4-BE49-F238E27FC236}">
+                <a16:creationId xmlns:a16="http://schemas.microsoft.com/office/drawing/2014/main" id="{08EDFEB7-514B-8D5C-4213-E49DC6A079E1}"/>
+              </a:ext>
+            </a:extLst>
+          </p:cNvPr>
+          <p:cNvSpPr>
+            <a:spLocks noGrp="1"/>
+          </p:cNvSpPr>
+          <p:nvPr>
+            <p:ph type="dt" sz="half" idx="10"/>
+          </p:nvPr>
+        </p:nvSpPr>
+        <p:spPr/>
+        <p:txBody>
+          <a:bodyPr/>
+          <a:lstStyle/>
+          <a:p>
+            <a:pPr>
+              <a:defRPr/>
+            </a:pPr>
+            <a:r>
+              <a:rPr lang="en-GB"/>
+              <a:t>06/12/2025</a:t>
+            </a:r>
+          </a:p>
+        </p:txBody>
+      </p:sp>
+      <p:sp>
+        <p:nvSpPr>
+          <p:cNvPr id="6" name="Slide Number Placeholder 5">
+            <a:extLst>
+              <a:ext uri="{FF2B5EF4-FFF2-40B4-BE49-F238E27FC236}">
+                <a16:creationId xmlns:a16="http://schemas.microsoft.com/office/drawing/2014/main" id="{0B673E43-E25D-F5B5-FB04-34CD0652E0FE}"/>
+              </a:ext>
+            </a:extLst>
+          </p:cNvPr>
+          <p:cNvSpPr>
+            <a:spLocks noGrp="1"/>
+          </p:cNvSpPr>
+          <p:nvPr>
+            <p:ph type="sldNum" sz="quarter" idx="12"/>
+          </p:nvPr>
+        </p:nvSpPr>
+        <p:spPr/>
+        <p:txBody>
+          <a:bodyPr/>
+          <a:lstStyle/>
+          <a:p>
+            <a:pPr>
+              <a:defRPr/>
+            </a:pPr>
+            <a:fld id="{C33A2A5D-5A42-4533-ACF4-15D55555B360}" type="slidenum">
+              <a:rPr lang="en-GB" smtClean="0"/>
+              <a:t>13</a:t>
+            </a:fld>
+            <a:endParaRPr lang="en-GB"/>
           </a:p>
         </p:txBody>
       </p:sp>
@@ -9244,6 +9639,324 @@
           <p:cNvPr id="2" name="Title 1">
             <a:extLst>
               <a:ext uri="{FF2B5EF4-FFF2-40B4-BE49-F238E27FC236}">
+                <a16:creationId xmlns:a16="http://schemas.microsoft.com/office/drawing/2014/main" id="{CCD700B8-B040-1D88-673B-89E49D5F6774}"/>
+              </a:ext>
+            </a:extLst>
+          </p:cNvPr>
+          <p:cNvSpPr>
+            <a:spLocks noGrp="1"/>
+          </p:cNvSpPr>
+          <p:nvPr>
+            <p:ph type="title"/>
+          </p:nvPr>
+        </p:nvSpPr>
+        <p:spPr/>
+        <p:txBody>
+          <a:bodyPr/>
+          <a:lstStyle/>
+          <a:p>
+            <a:r>
+              <a:rPr lang="en-GB" b="1" kern="1200" dirty="0">
+                <a:solidFill>
+                  <a:srgbClr val="FF3300"/>
+                </a:solidFill>
+              </a:rPr>
+              <a:t>Communication Kit –Further Labs</a:t>
+            </a:r>
+            <a:endParaRPr lang="en-GB" dirty="0"/>
+          </a:p>
+        </p:txBody>
+      </p:sp>
+      <p:sp>
+        <p:nvSpPr>
+          <p:cNvPr id="4" name="Date Placeholder 3">
+            <a:extLst>
+              <a:ext uri="{FF2B5EF4-FFF2-40B4-BE49-F238E27FC236}">
+                <a16:creationId xmlns:a16="http://schemas.microsoft.com/office/drawing/2014/main" id="{3104CDCF-22E7-3E1D-C5E7-BA5184B76272}"/>
+              </a:ext>
+            </a:extLst>
+          </p:cNvPr>
+          <p:cNvSpPr>
+            <a:spLocks noGrp="1"/>
+          </p:cNvSpPr>
+          <p:nvPr>
+            <p:ph type="dt" sz="half" idx="10"/>
+          </p:nvPr>
+        </p:nvSpPr>
+        <p:spPr/>
+        <p:txBody>
+          <a:bodyPr/>
+          <a:lstStyle/>
+          <a:p>
+            <a:pPr>
+              <a:defRPr/>
+            </a:pPr>
+            <a:r>
+              <a:rPr lang="en-GB"/>
+              <a:t>06/12/2025</a:t>
+            </a:r>
+          </a:p>
+        </p:txBody>
+      </p:sp>
+      <p:sp>
+        <p:nvSpPr>
+          <p:cNvPr id="5" name="Slide Number Placeholder 4">
+            <a:extLst>
+              <a:ext uri="{FF2B5EF4-FFF2-40B4-BE49-F238E27FC236}">
+                <a16:creationId xmlns:a16="http://schemas.microsoft.com/office/drawing/2014/main" id="{C1A1CD97-A171-6D9D-DB7B-AB0F88527575}"/>
+              </a:ext>
+            </a:extLst>
+          </p:cNvPr>
+          <p:cNvSpPr>
+            <a:spLocks noGrp="1"/>
+          </p:cNvSpPr>
+          <p:nvPr>
+            <p:ph type="sldNum" sz="quarter" idx="12"/>
+          </p:nvPr>
+        </p:nvSpPr>
+        <p:spPr/>
+        <p:txBody>
+          <a:bodyPr/>
+          <a:lstStyle/>
+          <a:p>
+            <a:pPr>
+              <a:defRPr/>
+            </a:pPr>
+            <a:fld id="{C33A2A5D-5A42-4533-ACF4-15D55555B360}" type="slidenum">
+              <a:rPr lang="en-GB" smtClean="0"/>
+              <a:t>14</a:t>
+            </a:fld>
+            <a:endParaRPr lang="en-GB"/>
+          </a:p>
+        </p:txBody>
+      </p:sp>
+      <p:pic>
+        <p:nvPicPr>
+          <p:cNvPr id="6" name="Picture 5">
+            <a:extLst>
+              <a:ext uri="{FF2B5EF4-FFF2-40B4-BE49-F238E27FC236}">
+                <a16:creationId xmlns:a16="http://schemas.microsoft.com/office/drawing/2014/main" id="{41E1079B-0D7F-09BE-5C01-C9387301D613}"/>
+              </a:ext>
+            </a:extLst>
+          </p:cNvPr>
+          <p:cNvPicPr>
+            <a:picLocks noChangeAspect="1"/>
+          </p:cNvPicPr>
+          <p:nvPr/>
+        </p:nvPicPr>
+        <p:blipFill>
+          <a:blip r:embed="rId2"/>
+          <a:stretch/>
+        </p:blipFill>
+        <p:spPr bwMode="auto">
+          <a:xfrm>
+            <a:off x="7809843" y="1298421"/>
+            <a:ext cx="2821336" cy="2104104"/>
+          </a:xfrm>
+          <a:prstGeom prst="rect">
+            <a:avLst/>
+          </a:prstGeom>
+        </p:spPr>
+      </p:pic>
+      <p:pic>
+        <p:nvPicPr>
+          <p:cNvPr id="8" name="Picture 7">
+            <a:extLst>
+              <a:ext uri="{FF2B5EF4-FFF2-40B4-BE49-F238E27FC236}">
+                <a16:creationId xmlns:a16="http://schemas.microsoft.com/office/drawing/2014/main" id="{23D2185C-F204-5EA7-ECA1-1B6090250CA0}"/>
+              </a:ext>
+            </a:extLst>
+          </p:cNvPr>
+          <p:cNvPicPr>
+            <a:picLocks noChangeAspect="1"/>
+          </p:cNvPicPr>
+          <p:nvPr/>
+        </p:nvPicPr>
+        <p:blipFill>
+          <a:blip r:embed="rId3" cstate="print">
+            <a:extLst>
+              <a:ext uri="{28A0092B-C50C-407E-A947-70E740481C1C}">
+                <a14:useLocalDpi xmlns:a14="http://schemas.microsoft.com/office/drawing/2010/main" val="0"/>
+              </a:ext>
+            </a:extLst>
+          </a:blip>
+          <a:stretch>
+            <a:fillRect/>
+          </a:stretch>
+        </p:blipFill>
+        <p:spPr bwMode="auto">
+          <a:xfrm>
+            <a:off x="8032571" y="3685765"/>
+            <a:ext cx="2763249" cy="2807110"/>
+          </a:xfrm>
+          <a:prstGeom prst="rect">
+            <a:avLst/>
+          </a:prstGeom>
+        </p:spPr>
+      </p:pic>
+      <p:sp>
+        <p:nvSpPr>
+          <p:cNvPr id="10" name="TextBox 9">
+            <a:extLst>
+              <a:ext uri="{FF2B5EF4-FFF2-40B4-BE49-F238E27FC236}">
+                <a16:creationId xmlns:a16="http://schemas.microsoft.com/office/drawing/2014/main" id="{08FA366D-058D-CA23-2D79-BCE2193E8916}"/>
+              </a:ext>
+            </a:extLst>
+          </p:cNvPr>
+          <p:cNvSpPr txBox="1"/>
+          <p:nvPr/>
+        </p:nvSpPr>
+        <p:spPr bwMode="auto">
+          <a:xfrm>
+            <a:off x="838200" y="1458144"/>
+            <a:ext cx="5257800" cy="2308324"/>
+          </a:xfrm>
+          <a:prstGeom prst="rect">
+            <a:avLst/>
+          </a:prstGeom>
+          <a:noFill/>
+        </p:spPr>
+        <p:txBody>
+          <a:bodyPr wrap="square" rtlCol="0">
+            <a:spAutoFit/>
+          </a:bodyPr>
+          <a:lstStyle/>
+          <a:p>
+            <a:pPr marL="285750" indent="-285750">
+              <a:buFont typeface="Arial" panose="020B0604020202020204" pitchFamily="34" charset="0"/>
+              <a:buChar char="•"/>
+            </a:pPr>
+            <a:r>
+              <a:rPr lang="en-GB" sz="2400" dirty="0"/>
+              <a:t>So far using communication kit, we have demonstrated how to use RFID module, wireless communication using NRF24L01. </a:t>
+            </a:r>
+          </a:p>
+          <a:p>
+            <a:pPr marL="285750" indent="-285750">
+              <a:buFont typeface="Arial" panose="020B0604020202020204" pitchFamily="34" charset="0"/>
+              <a:buChar char="•"/>
+            </a:pPr>
+            <a:r>
+              <a:rPr lang="en-GB" sz="2400" dirty="0"/>
+              <a:t>With the components in the communication kit, we can do:</a:t>
+            </a:r>
+          </a:p>
+        </p:txBody>
+      </p:sp>
+      <p:pic>
+        <p:nvPicPr>
+          <p:cNvPr id="14" name="Picture 13">
+            <a:extLst>
+              <a:ext uri="{FF2B5EF4-FFF2-40B4-BE49-F238E27FC236}">
+                <a16:creationId xmlns:a16="http://schemas.microsoft.com/office/drawing/2014/main" id="{A1DB602C-2069-779D-24F5-62308D0C84CB}"/>
+              </a:ext>
+            </a:extLst>
+          </p:cNvPr>
+          <p:cNvPicPr>
+            <a:picLocks noChangeAspect="1"/>
+          </p:cNvPicPr>
+          <p:nvPr/>
+        </p:nvPicPr>
+        <p:blipFill>
+          <a:blip r:embed="rId4"/>
+          <a:stretch>
+            <a:fillRect/>
+          </a:stretch>
+        </p:blipFill>
+        <p:spPr>
+          <a:xfrm>
+            <a:off x="723283" y="3766468"/>
+            <a:ext cx="5294059" cy="1420607"/>
+          </a:xfrm>
+          <a:prstGeom prst="rect">
+            <a:avLst/>
+          </a:prstGeom>
+        </p:spPr>
+      </p:pic>
+      <p:sp>
+        <p:nvSpPr>
+          <p:cNvPr id="15" name="TextBox 14">
+            <a:extLst>
+              <a:ext uri="{FF2B5EF4-FFF2-40B4-BE49-F238E27FC236}">
+                <a16:creationId xmlns:a16="http://schemas.microsoft.com/office/drawing/2014/main" id="{250B462A-7EFB-E8C6-79C8-E82309CB2661}"/>
+              </a:ext>
+            </a:extLst>
+          </p:cNvPr>
+          <p:cNvSpPr txBox="1"/>
+          <p:nvPr/>
+        </p:nvSpPr>
+        <p:spPr bwMode="auto">
+          <a:xfrm>
+            <a:off x="813374" y="5187075"/>
+            <a:ext cx="5203968" cy="1569660"/>
+          </a:xfrm>
+          <a:prstGeom prst="rect">
+            <a:avLst/>
+          </a:prstGeom>
+          <a:noFill/>
+        </p:spPr>
+        <p:txBody>
+          <a:bodyPr wrap="square">
+            <a:spAutoFit/>
+          </a:bodyPr>
+          <a:lstStyle/>
+          <a:p>
+            <a:pPr marL="285750" indent="-285750">
+              <a:buFont typeface="Arial" panose="020B0604020202020204" pitchFamily="34" charset="0"/>
+              <a:buChar char="•"/>
+            </a:pPr>
+            <a:r>
+              <a:rPr lang="en-GB" sz="2400" dirty="0"/>
+              <a:t>All the details can be found at Git hub repository: </a:t>
+            </a:r>
+          </a:p>
+          <a:p>
+            <a:r>
+              <a:rPr lang="en-GB" sz="2400" dirty="0">
+                <a:solidFill>
+                  <a:srgbClr val="0070C0"/>
+                </a:solidFill>
+              </a:rPr>
+              <a:t>https://github.com/info-zas/zas-robotics-communications</a:t>
+            </a:r>
+          </a:p>
+        </p:txBody>
+      </p:sp>
+    </p:spTree>
+    <p:extLst>
+      <p:ext uri="{BB962C8B-B14F-4D97-AF65-F5344CB8AC3E}">
+        <p14:creationId xmlns:p14="http://schemas.microsoft.com/office/powerpoint/2010/main" val="2059538829"/>
+      </p:ext>
+    </p:extLst>
+  </p:cSld>
+  <p:clrMapOvr>
+    <a:masterClrMapping/>
+  </p:clrMapOvr>
+</p:sld>
+</file>
+
+<file path=ppt/slides/slide15.xml><?xml version="1.0" encoding="utf-8"?>
+<p:sld xmlns:a="http://schemas.openxmlformats.org/drawingml/2006/main" xmlns:r="http://schemas.openxmlformats.org/officeDocument/2006/relationships" xmlns:p="http://schemas.openxmlformats.org/presentationml/2006/main">
+  <p:cSld>
+    <p:spTree>
+      <p:nvGrpSpPr>
+        <p:cNvPr id="1" name=""/>
+        <p:cNvGrpSpPr/>
+        <p:nvPr/>
+      </p:nvGrpSpPr>
+      <p:grpSpPr>
+        <a:xfrm>
+          <a:off x="0" y="0"/>
+          <a:ext cx="0" cy="0"/>
+          <a:chOff x="0" y="0"/>
+          <a:chExt cx="0" cy="0"/>
+        </a:xfrm>
+      </p:grpSpPr>
+      <p:sp>
+        <p:nvSpPr>
+          <p:cNvPr id="2" name="Title 1">
+            <a:extLst>
+              <a:ext uri="{FF2B5EF4-FFF2-40B4-BE49-F238E27FC236}">
                 <a16:creationId xmlns:a16="http://schemas.microsoft.com/office/drawing/2014/main" id="{959D7B1D-1C1A-AD47-87FA-76500DF686CB}"/>
               </a:ext>
             </a:extLst>
@@ -9257,11 +9970,17 @@
         </p:nvSpPr>
         <p:spPr/>
         <p:txBody>
-          <a:bodyPr/>
-          <a:lstStyle/>
-          <a:p>
-            <a:r>
-              <a:rPr lang="en-GB" b="1" dirty="0"/>
+          <a:bodyPr>
+            <a:normAutofit/>
+          </a:bodyPr>
+          <a:lstStyle/>
+          <a:p>
+            <a:r>
+              <a:rPr lang="en-GB" sz="4000" b="1" dirty="0">
+                <a:solidFill>
+                  <a:srgbClr val="FF3300"/>
+                </a:solidFill>
+              </a:rPr>
               <a:t>Summary</a:t>
             </a:r>
           </a:p>
@@ -9587,6 +10306,69 @@
           </a:p>
         </p:txBody>
       </p:sp>
+      <p:sp>
+        <p:nvSpPr>
+          <p:cNvPr id="3" name="Date Placeholder 2">
+            <a:extLst>
+              <a:ext uri="{FF2B5EF4-FFF2-40B4-BE49-F238E27FC236}">
+                <a16:creationId xmlns:a16="http://schemas.microsoft.com/office/drawing/2014/main" id="{40652A0F-E3AA-6E92-92F8-BE0037AB0E85}"/>
+              </a:ext>
+            </a:extLst>
+          </p:cNvPr>
+          <p:cNvSpPr>
+            <a:spLocks noGrp="1"/>
+          </p:cNvSpPr>
+          <p:nvPr>
+            <p:ph type="dt" sz="half" idx="10"/>
+          </p:nvPr>
+        </p:nvSpPr>
+        <p:spPr/>
+        <p:txBody>
+          <a:bodyPr/>
+          <a:lstStyle/>
+          <a:p>
+            <a:pPr>
+              <a:defRPr/>
+            </a:pPr>
+            <a:r>
+              <a:rPr lang="en-GB"/>
+              <a:t>06/12/2025</a:t>
+            </a:r>
+          </a:p>
+        </p:txBody>
+      </p:sp>
+      <p:sp>
+        <p:nvSpPr>
+          <p:cNvPr id="5" name="Slide Number Placeholder 4">
+            <a:extLst>
+              <a:ext uri="{FF2B5EF4-FFF2-40B4-BE49-F238E27FC236}">
+                <a16:creationId xmlns:a16="http://schemas.microsoft.com/office/drawing/2014/main" id="{EE9AC9D5-3345-E6BF-DF3A-4ED13A7434FF}"/>
+              </a:ext>
+            </a:extLst>
+          </p:cNvPr>
+          <p:cNvSpPr>
+            <a:spLocks noGrp="1"/>
+          </p:cNvSpPr>
+          <p:nvPr>
+            <p:ph type="sldNum" sz="quarter" idx="12"/>
+          </p:nvPr>
+        </p:nvSpPr>
+        <p:spPr/>
+        <p:txBody>
+          <a:bodyPr/>
+          <a:lstStyle/>
+          <a:p>
+            <a:pPr>
+              <a:defRPr/>
+            </a:pPr>
+            <a:fld id="{C33A2A5D-5A42-4533-ACF4-15D55555B360}" type="slidenum">
+              <a:rPr lang="en-GB" smtClean="0"/>
+              <a:t>15</a:t>
+            </a:fld>
+            <a:endParaRPr lang="en-GB"/>
+          </a:p>
+        </p:txBody>
+      </p:sp>
     </p:spTree>
     <p:extLst>
       <p:ext uri="{BB962C8B-B14F-4D97-AF65-F5344CB8AC3E}">
@@ -9601,29 +10383,21 @@
 </file>
 
 <file path=ppt/slides/slide2.xml><?xml version="1.0" encoding="utf-8"?>
-<p:sld xmlns:a="http://schemas.openxmlformats.org/drawingml/2006/main" xmlns:r="http://schemas.openxmlformats.org/officeDocument/2006/relationships" xmlns:p="http://schemas.openxmlformats.org/presentationml/2006/main">
+<p:sld xmlns:a="http://schemas.openxmlformats.org/drawingml/2006/main" xmlns:r="http://schemas.openxmlformats.org/officeDocument/2006/relationships" xmlns:p="http://schemas.openxmlformats.org/presentationml/2006/main" showMasterPhAnim="0">
   <p:cSld>
-    <p:bg>
-      <p:bgPr>
-        <a:solidFill>
-          <a:schemeClr val="tx2"/>
-        </a:solidFill>
-        <a:effectLst/>
-      </p:bgPr>
-    </p:bg>
     <p:spTree>
       <p:nvGrpSpPr>
         <p:cNvPr id="1" name="">
           <a:extLst>
             <a:ext uri="{FF2B5EF4-FFF2-40B4-BE49-F238E27FC236}">
-              <a16:creationId xmlns:a16="http://schemas.microsoft.com/office/drawing/2014/main" id="{39BE29D4-CF24-9712-0C15-07EA836BA260}"/>
+              <a16:creationId xmlns:a16="http://schemas.microsoft.com/office/drawing/2014/main" id="{0AE7E8A0-0A74-488D-D6EC-133D15070691}"/>
             </a:ext>
           </a:extLst>
         </p:cNvPr>
         <p:cNvGrpSpPr/>
         <p:nvPr/>
       </p:nvGrpSpPr>
-      <p:grpSpPr>
+      <p:grpSpPr bwMode="auto">
         <a:xfrm>
           <a:off x="0" y="0"/>
           <a:ext cx="0" cy="0"/>
@@ -9633,10 +10407,10 @@
       </p:grpSpPr>
       <p:sp>
         <p:nvSpPr>
-          <p:cNvPr id="2" name="Title 1">
-            <a:extLst>
-              <a:ext uri="{FF2B5EF4-FFF2-40B4-BE49-F238E27FC236}">
-                <a16:creationId xmlns:a16="http://schemas.microsoft.com/office/drawing/2014/main" id="{894F24C2-4D49-091F-4E2E-E1259B604656}"/>
+          <p:cNvPr id="1065750354" name="Title 1">
+            <a:extLst>
+              <a:ext uri="{FF2B5EF4-FFF2-40B4-BE49-F238E27FC236}">
+                <a16:creationId xmlns:a16="http://schemas.microsoft.com/office/drawing/2014/main" id="{8AADDC88-FCBD-757A-3440-2EEB8A54FECB}"/>
               </a:ext>
             </a:extLst>
           </p:cNvPr>
@@ -9647,9 +10421,9 @@
             <p:ph type="title"/>
           </p:nvPr>
         </p:nvSpPr>
-        <p:spPr>
+        <p:spPr bwMode="auto">
           <a:xfrm>
-            <a:off x="10884" y="-4988"/>
+            <a:off x="409882" y="95922"/>
             <a:ext cx="10515600" cy="1325563"/>
           </a:xfrm>
         </p:spPr>
@@ -9657,23 +10431,30 @@
           <a:bodyPr/>
           <a:lstStyle/>
           <a:p>
-            <a:r>
-              <a:rPr lang="en-GB" dirty="0">
+            <a:pPr>
+              <a:defRPr/>
+            </a:pPr>
+            <a:r>
+              <a:rPr lang="en-GB" b="1" dirty="0">
                 <a:solidFill>
-                  <a:schemeClr val="bg1"/>
+                  <a:srgbClr val="FF3300"/>
                 </a:solidFill>
+                <a:latin typeface="Calibri Light" panose="020F0302020204030204" pitchFamily="34" charset="0"/>
+                <a:ea typeface="Calibri Light" panose="020F0302020204030204" pitchFamily="34" charset="0"/>
+                <a:cs typeface="Calibri Light" panose="020F0302020204030204" pitchFamily="34" charset="0"/>
               </a:rPr>
-              <a:t>Communications</a:t>
-            </a:r>
-          </a:p>
-        </p:txBody>
-      </p:sp>
-      <p:sp>
-        <p:nvSpPr>
-          <p:cNvPr id="3" name="TextBox 2">
-            <a:extLst>
-              <a:ext uri="{FF2B5EF4-FFF2-40B4-BE49-F238E27FC236}">
-                <a16:creationId xmlns:a16="http://schemas.microsoft.com/office/drawing/2014/main" id="{1CBA5D58-D7BD-496E-AA57-62A506799CA3}"/>
+              <a:t>Communication Kit (Kit 3) Training - Objectives</a:t>
+            </a:r>
+            <a:endParaRPr dirty="0"/>
+          </a:p>
+        </p:txBody>
+      </p:sp>
+      <p:sp>
+        <p:nvSpPr>
+          <p:cNvPr id="2" name="TextBox 1">
+            <a:extLst>
+              <a:ext uri="{FF2B5EF4-FFF2-40B4-BE49-F238E27FC236}">
+                <a16:creationId xmlns:a16="http://schemas.microsoft.com/office/drawing/2014/main" id="{876E0F68-D3B4-B1FD-7A5B-DAAA24FED366}"/>
               </a:ext>
             </a:extLst>
           </p:cNvPr>
@@ -9683,7 +10464,7 @@
         <p:spPr>
           <a:xfrm>
             <a:off x="142875" y="1000535"/>
-            <a:ext cx="11906250" cy="6001643"/>
+            <a:ext cx="11906250" cy="4708981"/>
           </a:xfrm>
           <a:prstGeom prst="rect">
             <a:avLst/>
@@ -9714,13 +10495,10 @@
               <a:defRPr/>
             </a:pPr>
             <a:r>
-              <a:rPr kumimoji="0" lang="en-GB" sz="2400" b="1" i="0" u="none" strike="noStrike" kern="1200" cap="none" spc="0" normalizeH="0" baseline="0" noProof="0" dirty="0">
+              <a:rPr kumimoji="0" lang="en-GB" sz="2000" i="0" u="none" strike="noStrike" kern="1200" cap="none" spc="0" normalizeH="0" baseline="0" noProof="0" dirty="0">
                 <a:ln>
                   <a:noFill/>
                 </a:ln>
-                <a:solidFill>
-                  <a:srgbClr val="FF715B"/>
-                </a:solidFill>
                 <a:effectLst/>
                 <a:uLnTx/>
                 <a:uFillTx/>
@@ -9749,13 +10527,10 @@
               <a:tabLst/>
               <a:defRPr/>
             </a:pPr>
-            <a:endParaRPr kumimoji="0" lang="en-GB" sz="2400" b="0" i="0" u="none" strike="noStrike" kern="1200" cap="none" spc="0" normalizeH="0" baseline="0" noProof="0" dirty="0">
+            <a:endParaRPr kumimoji="0" lang="en-GB" sz="2000" b="0" i="0" u="none" strike="noStrike" kern="1200" cap="none" spc="0" normalizeH="0" baseline="0" noProof="0" dirty="0">
               <a:ln>
                 <a:noFill/>
               </a:ln>
-              <a:solidFill>
-                <a:srgbClr val="F9CB40"/>
-              </a:solidFill>
               <a:effectLst/>
               <a:uLnTx/>
               <a:uFillTx/>
@@ -9783,13 +10558,10 @@
               <a:defRPr/>
             </a:pPr>
             <a:r>
-              <a:rPr kumimoji="0" lang="en-GB" sz="2400" b="0" i="0" u="none" strike="noStrike" kern="1200" cap="none" spc="0" normalizeH="0" baseline="0" noProof="0" dirty="0">
+              <a:rPr kumimoji="0" lang="en-GB" sz="2000" b="0" i="0" u="none" strike="noStrike" kern="1200" cap="none" spc="0" normalizeH="0" baseline="0" noProof="0" dirty="0">
                 <a:ln>
                   <a:noFill/>
                 </a:ln>
-                <a:solidFill>
-                  <a:srgbClr val="F9CB40"/>
-                </a:solidFill>
                 <a:effectLst/>
                 <a:uLnTx/>
                 <a:uFillTx/>
@@ -9818,13 +10590,10 @@
               <a:tabLst/>
               <a:defRPr/>
             </a:pPr>
-            <a:endParaRPr kumimoji="0" lang="en-GB" sz="2400" b="0" i="0" u="none" strike="noStrike" kern="1200" cap="none" spc="0" normalizeH="0" baseline="0" noProof="0" dirty="0">
+            <a:endParaRPr kumimoji="0" lang="en-GB" sz="2000" b="0" i="0" u="none" strike="noStrike" kern="1200" cap="none" spc="0" normalizeH="0" baseline="0" noProof="0" dirty="0">
               <a:ln>
                 <a:noFill/>
               </a:ln>
-              <a:solidFill>
-                <a:srgbClr val="F9CB40"/>
-              </a:solidFill>
               <a:effectLst/>
               <a:uLnTx/>
               <a:uFillTx/>
@@ -9852,13 +10621,10 @@
               <a:defRPr/>
             </a:pPr>
             <a:r>
-              <a:rPr kumimoji="0" lang="en-GB" sz="2400" b="0" i="0" u="none" strike="noStrike" kern="1200" cap="none" spc="0" normalizeH="0" baseline="0" noProof="0" dirty="0">
+              <a:rPr kumimoji="0" lang="en-GB" sz="2000" b="0" i="0" u="none" strike="noStrike" kern="1200" cap="none" spc="0" normalizeH="0" baseline="0" noProof="0" dirty="0">
                 <a:ln>
                   <a:noFill/>
                 </a:ln>
-                <a:solidFill>
-                  <a:srgbClr val="F9CB40"/>
-                </a:solidFill>
                 <a:effectLst/>
                 <a:uLnTx/>
                 <a:uFillTx/>
@@ -9887,13 +10653,10 @@
               <a:tabLst/>
               <a:defRPr/>
             </a:pPr>
-            <a:endParaRPr kumimoji="0" lang="en-GB" sz="2400" b="0" i="0" u="none" strike="noStrike" kern="1200" cap="none" spc="0" normalizeH="0" baseline="0" noProof="0" dirty="0">
+            <a:endParaRPr kumimoji="0" lang="en-GB" sz="2000" b="0" i="0" u="none" strike="noStrike" kern="1200" cap="none" spc="0" normalizeH="0" baseline="0" noProof="0" dirty="0">
               <a:ln>
                 <a:noFill/>
               </a:ln>
-              <a:solidFill>
-                <a:prstClr val="white"/>
-              </a:solidFill>
               <a:effectLst/>
               <a:uLnTx/>
               <a:uFillTx/>
@@ -9921,13 +10684,10 @@
               <a:defRPr/>
             </a:pPr>
             <a:r>
-              <a:rPr kumimoji="0" lang="en-GB" sz="2400" b="0" i="0" u="none" strike="noStrike" kern="1200" cap="none" spc="0" normalizeH="0" baseline="0" noProof="0" dirty="0">
+              <a:rPr kumimoji="0" lang="en-GB" sz="2000" b="0" i="0" u="none" strike="noStrike" kern="1200" cap="none" spc="0" normalizeH="0" baseline="0" noProof="0" dirty="0">
                 <a:ln>
                   <a:noFill/>
                 </a:ln>
-                <a:solidFill>
-                  <a:prstClr val="white"/>
-                </a:solidFill>
                 <a:effectLst/>
                 <a:uLnTx/>
                 <a:uFillTx/>
@@ -9935,24 +10695,7 @@
                 <a:ea typeface="+mn-ea"/>
                 <a:cs typeface="+mn-cs"/>
               </a:rPr>
-              <a:t>Conduct the Following Labs on </a:t>
-            </a:r>
-            <a:r>
-              <a:rPr kumimoji="0" lang="en-GB" sz="2400" b="0" i="0" u="none" strike="noStrike" kern="1200" cap="none" spc="0" normalizeH="0" baseline="0" noProof="0" dirty="0">
-                <a:ln>
-                  <a:noFill/>
-                </a:ln>
-                <a:solidFill>
-                  <a:srgbClr val="F9CB40"/>
-                </a:solidFill>
-                <a:effectLst/>
-                <a:uLnTx/>
-                <a:uFillTx/>
-                <a:latin typeface="Aptos" panose="02110004020202020204"/>
-                <a:ea typeface="+mn-ea"/>
-                <a:cs typeface="+mn-cs"/>
-              </a:rPr>
-              <a:t>Creative Board</a:t>
+              <a:t>Conduct the Following Labs on Creative Board</a:t>
             </a:r>
           </a:p>
           <a:p>
@@ -9974,12 +10717,15 @@
               <a:defRPr/>
             </a:pPr>
             <a:r>
-              <a:rPr kumimoji="0" lang="en-GB" sz="2400" b="0" i="0" u="none" strike="noStrike" kern="1200" cap="none" spc="0" normalizeH="0" baseline="0" noProof="0" dirty="0">
+              <a:rPr kumimoji="0" lang="en-GB" sz="2000" b="0" i="0" u="none" strike="noStrike" kern="1200" cap="none" spc="0" normalizeH="0" baseline="0" noProof="0" dirty="0">
                 <a:ln>
                   <a:noFill/>
                 </a:ln>
                 <a:solidFill>
-                  <a:srgbClr val="F9CB40"/>
+                  <a:schemeClr val="accent3">
+                    <a:lumMod val="50000"/>
+                    <a:lumOff val="50000"/>
+                  </a:schemeClr>
                 </a:solidFill>
                 <a:effectLst/>
                 <a:uLnTx/>
@@ -10009,13 +10755,10 @@
               <a:tabLst/>
               <a:defRPr/>
             </a:pPr>
-            <a:endParaRPr kumimoji="0" lang="en-GB" sz="2400" b="0" i="0" u="none" strike="noStrike" kern="1200" cap="none" spc="0" normalizeH="0" baseline="0" noProof="0" dirty="0">
+            <a:endParaRPr kumimoji="0" lang="en-GB" sz="2000" b="0" i="0" u="none" strike="noStrike" kern="1200" cap="none" spc="0" normalizeH="0" baseline="0" noProof="0" dirty="0">
               <a:ln>
                 <a:noFill/>
               </a:ln>
-              <a:solidFill>
-                <a:prstClr val="white"/>
-              </a:solidFill>
               <a:effectLst/>
               <a:uLnTx/>
               <a:uFillTx/>
@@ -10043,13 +10786,10 @@
               <a:defRPr/>
             </a:pPr>
             <a:r>
-              <a:rPr kumimoji="0" lang="en-GB" sz="2400" b="0" i="0" u="none" strike="noStrike" kern="1200" cap="none" spc="0" normalizeH="0" baseline="0" noProof="0" dirty="0">
+              <a:rPr kumimoji="0" lang="en-GB" sz="2000" b="0" i="0" u="none" strike="noStrike" kern="1200" cap="none" spc="0" normalizeH="0" baseline="0" noProof="0" dirty="0">
                 <a:ln>
                   <a:noFill/>
                 </a:ln>
-                <a:solidFill>
-                  <a:prstClr val="white"/>
-                </a:solidFill>
                 <a:effectLst/>
                 <a:uLnTx/>
                 <a:uFillTx/>
@@ -10057,24 +10797,7 @@
                 <a:ea typeface="+mn-ea"/>
                 <a:cs typeface="+mn-cs"/>
               </a:rPr>
-              <a:t>Conduct the Following Labs on the </a:t>
-            </a:r>
-            <a:r>
-              <a:rPr kumimoji="0" lang="en-GB" sz="2400" b="0" i="0" u="none" strike="noStrike" kern="1200" cap="none" spc="0" normalizeH="0" baseline="0" noProof="0" dirty="0">
-                <a:ln>
-                  <a:noFill/>
-                </a:ln>
-                <a:solidFill>
-                  <a:srgbClr val="F9CB40"/>
-                </a:solidFill>
-                <a:effectLst/>
-                <a:uLnTx/>
-                <a:uFillTx/>
-                <a:latin typeface="Aptos" panose="02110004020202020204"/>
-                <a:ea typeface="+mn-ea"/>
-                <a:cs typeface="+mn-cs"/>
-              </a:rPr>
-              <a:t>Creative Board</a:t>
+              <a:t>Conduct the Following Labs on the Creative Board</a:t>
             </a:r>
           </a:p>
           <a:p>
@@ -10096,12 +10819,15 @@
               <a:defRPr/>
             </a:pPr>
             <a:r>
-              <a:rPr kumimoji="0" lang="en-GB" sz="2400" b="0" i="0" u="none" strike="noStrike" kern="1200" cap="none" spc="0" normalizeH="0" baseline="0" noProof="0" dirty="0">
+              <a:rPr kumimoji="0" lang="en-GB" sz="2000" b="0" i="0" u="none" strike="noStrike" kern="1200" cap="none" spc="0" normalizeH="0" baseline="0" noProof="0" dirty="0">
                 <a:ln>
                   <a:noFill/>
                 </a:ln>
                 <a:solidFill>
-                  <a:srgbClr val="F9CB40"/>
+                  <a:schemeClr val="accent3">
+                    <a:lumMod val="50000"/>
+                    <a:lumOff val="50000"/>
+                  </a:schemeClr>
                 </a:solidFill>
                 <a:effectLst/>
                 <a:uLnTx/>
@@ -10113,21 +10839,27 @@
               <a:t>Lab C2 – Wireless Communication between Tx and R</a:t>
             </a:r>
             <a:r>
-              <a:rPr lang="en-GB" sz="2400" kern="1200" dirty="0">
+              <a:rPr lang="en-GB" sz="2000" kern="1200" dirty="0">
                 <a:solidFill>
-                  <a:srgbClr val="F9CB40"/>
+                  <a:schemeClr val="accent3">
+                    <a:lumMod val="50000"/>
+                    <a:lumOff val="50000"/>
+                  </a:schemeClr>
                 </a:solidFill>
                 <a:latin typeface="Aptos" panose="02110004020202020204"/>
               </a:rPr>
               <a:t>x Using </a:t>
             </a:r>
             <a:r>
-              <a:rPr kumimoji="0" lang="en-GB" sz="2400" b="0" i="0" u="none" strike="noStrike" kern="1200" cap="none" spc="0" normalizeH="0" baseline="0" noProof="0" dirty="0">
+              <a:rPr kumimoji="0" lang="en-GB" sz="2000" b="0" i="0" u="none" strike="noStrike" kern="1200" cap="none" spc="0" normalizeH="0" baseline="0" noProof="0" dirty="0">
                 <a:ln>
                   <a:noFill/>
                 </a:ln>
                 <a:solidFill>
-                  <a:srgbClr val="F9CB40"/>
+                  <a:schemeClr val="accent3">
+                    <a:lumMod val="50000"/>
+                    <a:lumOff val="50000"/>
+                  </a:schemeClr>
                 </a:solidFill>
                 <a:effectLst/>
                 <a:uLnTx/>
@@ -10157,13 +10889,10 @@
               <a:tabLst/>
               <a:defRPr/>
             </a:pPr>
-            <a:endParaRPr kumimoji="0" lang="en-GB" sz="2400" b="0" i="0" u="none" strike="noStrike" kern="1200" cap="none" spc="0" normalizeH="0" baseline="0" noProof="0" dirty="0">
+            <a:endParaRPr kumimoji="0" lang="en-GB" sz="2000" b="0" i="0" u="none" strike="noStrike" kern="1200" cap="none" spc="0" normalizeH="0" baseline="0" noProof="0" dirty="0">
               <a:ln>
                 <a:noFill/>
               </a:ln>
-              <a:solidFill>
-                <a:srgbClr val="F9CB40"/>
-              </a:solidFill>
               <a:effectLst/>
               <a:uLnTx/>
               <a:uFillTx/>
@@ -10191,12 +10920,29 @@
               <a:defRPr/>
             </a:pPr>
             <a:r>
-              <a:rPr kumimoji="0" lang="en-GB" sz="2400" b="0" i="0" u="none" strike="noStrike" kern="1200" cap="none" spc="0" normalizeH="0" baseline="0" noProof="0" dirty="0">
+              <a:rPr kumimoji="0" lang="en-GB" sz="2000" b="0" i="0" u="none" strike="noStrike" kern="1200" cap="none" spc="0" normalizeH="0" baseline="0" noProof="0" dirty="0">
+                <a:ln>
+                  <a:noFill/>
+                </a:ln>
+                <a:effectLst/>
+                <a:uLnTx/>
+                <a:uFillTx/>
+                <a:latin typeface="Aptos" panose="02110004020202020204"/>
+                <a:ea typeface="+mn-ea"/>
+                <a:cs typeface="+mn-cs"/>
+              </a:rPr>
+              <a:t>Discuss the </a:t>
+            </a:r>
+            <a:r>
+              <a:rPr kumimoji="0" lang="en-GB" sz="2000" b="0" i="0" u="none" strike="noStrike" kern="1200" cap="none" spc="0" normalizeH="0" baseline="0" noProof="0" dirty="0">
                 <a:ln>
                   <a:noFill/>
                 </a:ln>
                 <a:solidFill>
-                  <a:prstClr val="white"/>
+                  <a:schemeClr val="accent3">
+                    <a:lumMod val="50000"/>
+                    <a:lumOff val="50000"/>
+                  </a:schemeClr>
                 </a:solidFill>
                 <a:effectLst/>
                 <a:uLnTx/>
@@ -10205,16 +10951,13 @@
                 <a:ea typeface="+mn-ea"/>
                 <a:cs typeface="+mn-cs"/>
               </a:rPr>
-              <a:t>Discuss the </a:t>
-            </a:r>
-            <a:r>
-              <a:rPr kumimoji="0" lang="en-GB" sz="2400" b="0" i="0" u="none" strike="noStrike" kern="1200" cap="none" spc="0" normalizeH="0" baseline="0" noProof="0" dirty="0">
+              <a:t>SD Card </a:t>
+            </a:r>
+            <a:r>
+              <a:rPr kumimoji="0" lang="en-GB" sz="2000" b="0" i="0" u="none" strike="noStrike" kern="1200" cap="none" spc="0" normalizeH="0" baseline="0" noProof="0" dirty="0">
                 <a:ln>
                   <a:noFill/>
                 </a:ln>
-                <a:solidFill>
-                  <a:srgbClr val="FFC000"/>
-                </a:solidFill>
                 <a:effectLst/>
                 <a:uLnTx/>
                 <a:uFillTx/>
@@ -10222,24 +10965,7 @@
                 <a:ea typeface="+mn-ea"/>
                 <a:cs typeface="+mn-cs"/>
               </a:rPr>
-              <a:t>Lab C3 - SD Card module </a:t>
-            </a:r>
-            <a:r>
-              <a:rPr kumimoji="0" lang="en-GB" sz="2400" b="0" i="0" u="none" strike="noStrike" kern="1200" cap="none" spc="0" normalizeH="0" baseline="0" noProof="0" dirty="0">
-                <a:ln>
-                  <a:noFill/>
-                </a:ln>
-                <a:solidFill>
-                  <a:prstClr val="white"/>
-                </a:solidFill>
-                <a:effectLst/>
-                <a:uLnTx/>
-                <a:uFillTx/>
-                <a:latin typeface="Aptos" panose="02110004020202020204"/>
-                <a:ea typeface="+mn-ea"/>
-                <a:cs typeface="+mn-cs"/>
-              </a:rPr>
-              <a:t>and practice memory card insertion/removal/formatting</a:t>
+              <a:t>module usage and practice memory card insertion/removal/formatting</a:t>
             </a:r>
           </a:p>
           <a:p>
@@ -10260,13 +10986,10 @@
               <a:tabLst/>
               <a:defRPr/>
             </a:pPr>
-            <a:endParaRPr kumimoji="0" lang="en-GB" sz="2400" b="0" i="0" u="none" strike="noStrike" kern="1200" cap="none" spc="0" normalizeH="0" baseline="0" noProof="0" dirty="0">
+            <a:endParaRPr kumimoji="0" lang="en-GB" sz="2000" b="0" i="0" u="none" strike="noStrike" kern="1200" cap="none" spc="0" normalizeH="0" baseline="0" noProof="0" dirty="0">
               <a:ln>
                 <a:noFill/>
               </a:ln>
-              <a:solidFill>
-                <a:prstClr val="white"/>
-              </a:solidFill>
               <a:effectLst/>
               <a:uLnTx/>
               <a:uFillTx/>
@@ -10294,13 +11017,10 @@
               <a:defRPr/>
             </a:pPr>
             <a:r>
-              <a:rPr kumimoji="0" lang="en-GB" sz="2400" b="0" i="0" u="none" strike="noStrike" kern="1200" cap="none" spc="0" normalizeH="0" baseline="0" noProof="0" dirty="0">
+              <a:rPr kumimoji="0" lang="en-GB" sz="2000" b="0" i="0" u="none" strike="noStrike" kern="1200" cap="none" spc="0" normalizeH="0" baseline="0" noProof="0" dirty="0">
                 <a:ln>
                   <a:noFill/>
                 </a:ln>
-                <a:solidFill>
-                  <a:prstClr val="white"/>
-                </a:solidFill>
                 <a:effectLst/>
                 <a:uLnTx/>
                 <a:uFillTx/>
@@ -10311,13 +11031,10 @@
               <a:t>Discuss the </a:t>
             </a:r>
             <a:r>
-              <a:rPr kumimoji="0" lang="en-GB" sz="2400" b="0" i="0" u="sng" strike="noStrike" kern="1200" cap="none" spc="0" normalizeH="0" baseline="0" noProof="0" dirty="0">
+              <a:rPr kumimoji="0" lang="en-GB" sz="2000" b="0" i="0" u="sng" strike="noStrike" kern="1200" cap="none" spc="0" normalizeH="0" baseline="0" noProof="0" dirty="0">
                 <a:ln>
                   <a:noFill/>
                 </a:ln>
-                <a:solidFill>
-                  <a:srgbClr val="219EBC"/>
-                </a:solidFill>
                 <a:effectLst/>
                 <a:uLnTx/>
                 <a:uFillTx/>
@@ -10325,49 +11042,72 @@
                 <a:ea typeface="+mn-ea"/>
                 <a:cs typeface="+mn-cs"/>
               </a:rPr>
-              <a:t>Bread Board</a:t>
-            </a:r>
-            <a:r>
-              <a:rPr kumimoji="0" lang="en-GB" sz="2400" b="0" i="0" u="sng" strike="noStrike" kern="1200" cap="none" spc="0" normalizeH="0" baseline="0" noProof="0" dirty="0">
-                <a:ln>
-                  <a:noFill/>
-                </a:ln>
-                <a:solidFill>
-                  <a:prstClr val="white"/>
-                </a:solidFill>
-                <a:effectLst/>
-                <a:uLnTx/>
-                <a:uFillTx/>
-                <a:latin typeface="Aptos" panose="02110004020202020204"/>
-                <a:ea typeface="+mn-ea"/>
-                <a:cs typeface="+mn-cs"/>
-              </a:rPr>
-              <a:t> of the </a:t>
-            </a:r>
-            <a:r>
-              <a:rPr kumimoji="0" lang="en-GB" sz="2400" b="0" i="0" u="sng" strike="noStrike" kern="1200" cap="none" spc="0" normalizeH="0" baseline="0" noProof="0" dirty="0">
-                <a:ln>
-                  <a:noFill/>
-                </a:ln>
-                <a:solidFill>
-                  <a:srgbClr val="F9CB40"/>
-                </a:solidFill>
-                <a:effectLst/>
-                <a:uLnTx/>
-                <a:uFillTx/>
-                <a:latin typeface="Aptos" panose="02110004020202020204"/>
-                <a:ea typeface="+mn-ea"/>
-                <a:cs typeface="+mn-cs"/>
-              </a:rPr>
-              <a:t>Creative Board</a:t>
-            </a:r>
+              <a:t>Bread Board of the Creative Board</a:t>
+            </a:r>
+          </a:p>
+        </p:txBody>
+      </p:sp>
+      <p:sp>
+        <p:nvSpPr>
+          <p:cNvPr id="3" name="Date Placeholder 2">
+            <a:extLst>
+              <a:ext uri="{FF2B5EF4-FFF2-40B4-BE49-F238E27FC236}">
+                <a16:creationId xmlns:a16="http://schemas.microsoft.com/office/drawing/2014/main" id="{1B9B5617-3226-4D0E-C22D-A19ABF263600}"/>
+              </a:ext>
+            </a:extLst>
+          </p:cNvPr>
+          <p:cNvSpPr>
+            <a:spLocks noGrp="1"/>
+          </p:cNvSpPr>
+          <p:nvPr>
+            <p:ph type="dt" sz="half" idx="10"/>
+          </p:nvPr>
+        </p:nvSpPr>
+        <p:spPr/>
+        <p:txBody>
+          <a:bodyPr/>
+          <a:lstStyle/>
+          <a:p>
+            <a:r>
+              <a:rPr lang="en-GB"/>
+              <a:t>06/12/2025</a:t>
+            </a:r>
+          </a:p>
+        </p:txBody>
+      </p:sp>
+      <p:sp>
+        <p:nvSpPr>
+          <p:cNvPr id="4" name="Slide Number Placeholder 3">
+            <a:extLst>
+              <a:ext uri="{FF2B5EF4-FFF2-40B4-BE49-F238E27FC236}">
+                <a16:creationId xmlns:a16="http://schemas.microsoft.com/office/drawing/2014/main" id="{DBD3184F-7710-788E-51EB-5108DA549344}"/>
+              </a:ext>
+            </a:extLst>
+          </p:cNvPr>
+          <p:cNvSpPr>
+            <a:spLocks noGrp="1"/>
+          </p:cNvSpPr>
+          <p:nvPr>
+            <p:ph type="sldNum" sz="quarter" idx="12"/>
+          </p:nvPr>
+        </p:nvSpPr>
+        <p:spPr/>
+        <p:txBody>
+          <a:bodyPr/>
+          <a:lstStyle/>
+          <a:p>
+            <a:fld id="{09FCE3CD-8E5B-4FEB-BC1E-3D61BE3CC713}" type="slidenum">
+              <a:rPr lang="en-GB" smtClean="0"/>
+              <a:t>2</a:t>
+            </a:fld>
+            <a:endParaRPr lang="en-GB"/>
           </a:p>
         </p:txBody>
       </p:sp>
     </p:spTree>
     <p:extLst>
       <p:ext uri="{BB962C8B-B14F-4D97-AF65-F5344CB8AC3E}">
-        <p14:creationId xmlns:p14="http://schemas.microsoft.com/office/powerpoint/2010/main" val="3699934705"/>
+        <p14:creationId xmlns:p14="http://schemas.microsoft.com/office/powerpoint/2010/main" val="3232540228"/>
       </p:ext>
     </p:extLst>
   </p:cSld>
@@ -10411,21 +11151,46 @@
           </a:xfrm>
         </p:spPr>
         <p:txBody>
-          <a:bodyPr/>
-          <a:lstStyle/>
-          <a:p>
-            <a:pPr>
-              <a:defRPr/>
-            </a:pPr>
-            <a:r>
-              <a:rPr lang="en-US" b="1"/>
+          <a:bodyPr vert="horz" lIns="91440" tIns="45720" rIns="91440" bIns="45720" rtlCol="0" anchor="ctr">
+            <a:normAutofit/>
+          </a:bodyPr>
+          <a:lstStyle/>
+          <a:p>
+            <a:pPr rtl="0">
+              <a:spcBef>
+                <a:spcPct val="0"/>
+              </a:spcBef>
+            </a:pPr>
+            <a:r>
+              <a:rPr lang="en-US" b="1" kern="1200" dirty="0">
+                <a:solidFill>
+                  <a:srgbClr val="FF3300"/>
+                </a:solidFill>
+                <a:latin typeface="Calibri Light" panose="020F0302020204030204" pitchFamily="34" charset="0"/>
+                <a:ea typeface="Calibri Light" panose="020F0302020204030204" pitchFamily="34" charset="0"/>
+                <a:cs typeface="Calibri Light" panose="020F0302020204030204" pitchFamily="34" charset="0"/>
+              </a:rPr>
               <a:t>Communication</a:t>
             </a:r>
             <a:r>
-              <a:rPr lang="en-GB" b="1"/>
-              <a:t> Kit (Contents)</a:t>
-            </a:r>
-            <a:endParaRPr/>
+              <a:rPr lang="en-GB" b="1" kern="1200" dirty="0">
+                <a:solidFill>
+                  <a:srgbClr val="FF3300"/>
+                </a:solidFill>
+                <a:latin typeface="Calibri Light" panose="020F0302020204030204" pitchFamily="34" charset="0"/>
+                <a:ea typeface="Calibri Light" panose="020F0302020204030204" pitchFamily="34" charset="0"/>
+                <a:cs typeface="Calibri Light" panose="020F0302020204030204" pitchFamily="34" charset="0"/>
+              </a:rPr>
+              <a:t> Kit - Contents</a:t>
+            </a:r>
+            <a:endParaRPr b="1" kern="1200" dirty="0">
+              <a:solidFill>
+                <a:srgbClr val="FF3300"/>
+              </a:solidFill>
+              <a:latin typeface="Calibri Light" panose="020F0302020204030204" pitchFamily="34" charset="0"/>
+              <a:ea typeface="Calibri Light" panose="020F0302020204030204" pitchFamily="34" charset="0"/>
+              <a:cs typeface="Calibri Light" panose="020F0302020204030204" pitchFamily="34" charset="0"/>
+            </a:endParaRPr>
           </a:p>
         </p:txBody>
       </p:sp>
@@ -10568,6 +11333,69 @@
           </a:prstGeom>
         </p:spPr>
       </p:pic>
+      <p:sp>
+        <p:nvSpPr>
+          <p:cNvPr id="2" name="Date Placeholder 1">
+            <a:extLst>
+              <a:ext uri="{FF2B5EF4-FFF2-40B4-BE49-F238E27FC236}">
+                <a16:creationId xmlns:a16="http://schemas.microsoft.com/office/drawing/2014/main" id="{6404FC37-B944-4F46-23B1-E28AA7579EC2}"/>
+              </a:ext>
+            </a:extLst>
+          </p:cNvPr>
+          <p:cNvSpPr>
+            <a:spLocks noGrp="1"/>
+          </p:cNvSpPr>
+          <p:nvPr>
+            <p:ph type="dt" sz="half" idx="10"/>
+          </p:nvPr>
+        </p:nvSpPr>
+        <p:spPr/>
+        <p:txBody>
+          <a:bodyPr/>
+          <a:lstStyle/>
+          <a:p>
+            <a:pPr>
+              <a:defRPr/>
+            </a:pPr>
+            <a:r>
+              <a:rPr lang="en-GB"/>
+              <a:t>06/12/2025</a:t>
+            </a:r>
+          </a:p>
+        </p:txBody>
+      </p:sp>
+      <p:sp>
+        <p:nvSpPr>
+          <p:cNvPr id="3" name="Slide Number Placeholder 2">
+            <a:extLst>
+              <a:ext uri="{FF2B5EF4-FFF2-40B4-BE49-F238E27FC236}">
+                <a16:creationId xmlns:a16="http://schemas.microsoft.com/office/drawing/2014/main" id="{1BA58770-C97F-A1C6-EC74-3B621C874B0A}"/>
+              </a:ext>
+            </a:extLst>
+          </p:cNvPr>
+          <p:cNvSpPr>
+            <a:spLocks noGrp="1"/>
+          </p:cNvSpPr>
+          <p:nvPr>
+            <p:ph type="sldNum" sz="quarter" idx="12"/>
+          </p:nvPr>
+        </p:nvSpPr>
+        <p:spPr/>
+        <p:txBody>
+          <a:bodyPr/>
+          <a:lstStyle/>
+          <a:p>
+            <a:pPr>
+              <a:defRPr/>
+            </a:pPr>
+            <a:fld id="{C33A2A5D-5A42-4533-ACF4-15D55555B360}" type="slidenum">
+              <a:rPr lang="en-GB" smtClean="0"/>
+              <a:t>3</a:t>
+            </a:fld>
+            <a:endParaRPr lang="en-GB"/>
+          </a:p>
+        </p:txBody>
+      </p:sp>
     </p:spTree>
   </p:cSld>
   <p:clrMapOvr>
@@ -10603,30 +11431,53 @@
             <p:ph type="title"/>
           </p:nvPr>
         </p:nvSpPr>
-        <p:spPr bwMode="auto"/>
-        <p:txBody>
-          <a:bodyPr/>
-          <a:lstStyle/>
-          <a:p>
-            <a:pPr>
-              <a:defRPr/>
-            </a:pPr>
-            <a:r>
-              <a:rPr lang="en-US" sz="4400" b="1" i="0" u="none" strike="noStrike" cap="none" spc="0">
+        <p:spPr bwMode="auto">
+          <a:xfrm>
+            <a:off x="838200" y="54353"/>
+            <a:ext cx="10515600" cy="1325563"/>
+          </a:xfrm>
+        </p:spPr>
+        <p:txBody>
+          <a:bodyPr vert="horz" lIns="91440" tIns="45720" rIns="91440" bIns="45720" rtlCol="0" anchor="ctr">
+            <a:normAutofit/>
+          </a:bodyPr>
+          <a:lstStyle/>
+          <a:p>
+            <a:pPr rtl="0">
+              <a:spcBef>
+                <a:spcPct val="0"/>
+              </a:spcBef>
+            </a:pPr>
+            <a:r>
+              <a:rPr lang="en-US" b="1" kern="1200" dirty="0">
                 <a:solidFill>
-                  <a:schemeClr val="tx1"/>
+                  <a:srgbClr val="FF3300"/>
                 </a:solidFill>
-                <a:latin typeface="+mj-lt"/>
-                <a:ea typeface="+mj-ea"/>
-                <a:cs typeface="+mj-cs"/>
+                <a:latin typeface="Calibri Light" panose="020F0302020204030204" pitchFamily="34" charset="0"/>
+                <a:ea typeface="Calibri Light" panose="020F0302020204030204" pitchFamily="34" charset="0"/>
+                <a:cs typeface="Calibri Light" panose="020F0302020204030204" pitchFamily="34" charset="0"/>
               </a:rPr>
               <a:t>Communication</a:t>
             </a:r>
             <a:r>
-              <a:rPr lang="en-GB" b="1"/>
+              <a:rPr lang="en-GB" b="1" kern="1200" dirty="0">
+                <a:solidFill>
+                  <a:srgbClr val="FF3300"/>
+                </a:solidFill>
+                <a:latin typeface="Calibri Light" panose="020F0302020204030204" pitchFamily="34" charset="0"/>
+                <a:ea typeface="Calibri Light" panose="020F0302020204030204" pitchFamily="34" charset="0"/>
+                <a:cs typeface="Calibri Light" panose="020F0302020204030204" pitchFamily="34" charset="0"/>
+              </a:rPr>
               <a:t> Creative Board</a:t>
             </a:r>
-            <a:endParaRPr/>
+            <a:endParaRPr b="1" kern="1200" dirty="0">
+              <a:solidFill>
+                <a:srgbClr val="FF3300"/>
+              </a:solidFill>
+              <a:latin typeface="Calibri Light" panose="020F0302020204030204" pitchFamily="34" charset="0"/>
+              <a:ea typeface="Calibri Light" panose="020F0302020204030204" pitchFamily="34" charset="0"/>
+              <a:cs typeface="Calibri Light" panose="020F0302020204030204" pitchFamily="34" charset="0"/>
+            </a:endParaRPr>
           </a:p>
         </p:txBody>
       </p:sp>
@@ -10784,6 +11635,69 @@
           </a:prstGeom>
         </p:spPr>
       </p:pic>
+      <p:sp>
+        <p:nvSpPr>
+          <p:cNvPr id="2" name="Date Placeholder 1">
+            <a:extLst>
+              <a:ext uri="{FF2B5EF4-FFF2-40B4-BE49-F238E27FC236}">
+                <a16:creationId xmlns:a16="http://schemas.microsoft.com/office/drawing/2014/main" id="{9A16ADC1-A0EF-F0F0-A43F-A99E82FAFDAE}"/>
+              </a:ext>
+            </a:extLst>
+          </p:cNvPr>
+          <p:cNvSpPr>
+            <a:spLocks noGrp="1"/>
+          </p:cNvSpPr>
+          <p:nvPr>
+            <p:ph type="dt" sz="half" idx="10"/>
+          </p:nvPr>
+        </p:nvSpPr>
+        <p:spPr/>
+        <p:txBody>
+          <a:bodyPr/>
+          <a:lstStyle/>
+          <a:p>
+            <a:pPr>
+              <a:defRPr/>
+            </a:pPr>
+            <a:r>
+              <a:rPr lang="en-GB"/>
+              <a:t>06/12/2025</a:t>
+            </a:r>
+          </a:p>
+        </p:txBody>
+      </p:sp>
+      <p:sp>
+        <p:nvSpPr>
+          <p:cNvPr id="3" name="Slide Number Placeholder 2">
+            <a:extLst>
+              <a:ext uri="{FF2B5EF4-FFF2-40B4-BE49-F238E27FC236}">
+                <a16:creationId xmlns:a16="http://schemas.microsoft.com/office/drawing/2014/main" id="{B6F52740-F8E7-6F66-9FF8-158F79549DA2}"/>
+              </a:ext>
+            </a:extLst>
+          </p:cNvPr>
+          <p:cNvSpPr>
+            <a:spLocks noGrp="1"/>
+          </p:cNvSpPr>
+          <p:nvPr>
+            <p:ph type="sldNum" sz="quarter" idx="12"/>
+          </p:nvPr>
+        </p:nvSpPr>
+        <p:spPr/>
+        <p:txBody>
+          <a:bodyPr/>
+          <a:lstStyle/>
+          <a:p>
+            <a:pPr>
+              <a:defRPr/>
+            </a:pPr>
+            <a:fld id="{C33A2A5D-5A42-4533-ACF4-15D55555B360}" type="slidenum">
+              <a:rPr lang="en-GB" smtClean="0"/>
+              <a:t>4</a:t>
+            </a:fld>
+            <a:endParaRPr lang="en-GB"/>
+          </a:p>
+        </p:txBody>
+      </p:sp>
     </p:spTree>
   </p:cSld>
   <p:clrMapOvr>
@@ -10821,58 +11735,79 @@
         </p:nvSpPr>
         <p:spPr bwMode="auto"/>
         <p:txBody>
-          <a:bodyPr/>
-          <a:lstStyle/>
-          <a:p>
-            <a:pPr>
-              <a:defRPr/>
-            </a:pPr>
-            <a:r>
-              <a:rPr lang="en-GB" b="1"/>
+          <a:bodyPr vert="horz" lIns="91440" tIns="45720" rIns="91440" bIns="45720" rtlCol="0" anchor="ctr">
+            <a:normAutofit/>
+          </a:bodyPr>
+          <a:lstStyle/>
+          <a:p>
+            <a:pPr rtl="0">
+              <a:spcBef>
+                <a:spcPct val="0"/>
+              </a:spcBef>
+            </a:pPr>
+            <a:r>
+              <a:rPr lang="en-GB" b="1" kern="1200" dirty="0">
+                <a:solidFill>
+                  <a:srgbClr val="FF3300"/>
+                </a:solidFill>
+                <a:latin typeface="Calibri Light" panose="020F0302020204030204" pitchFamily="34" charset="0"/>
+                <a:ea typeface="Calibri Light" panose="020F0302020204030204" pitchFamily="34" charset="0"/>
+                <a:cs typeface="Calibri Light" panose="020F0302020204030204" pitchFamily="34" charset="0"/>
+              </a:rPr>
               <a:t>Kit </a:t>
             </a:r>
             <a:r>
-              <a:rPr lang="en-US" b="1"/>
+              <a:rPr lang="en-US" b="1" kern="1200" dirty="0">
+                <a:solidFill>
+                  <a:srgbClr val="FF3300"/>
+                </a:solidFill>
+                <a:latin typeface="Calibri Light" panose="020F0302020204030204" pitchFamily="34" charset="0"/>
+                <a:ea typeface="Calibri Light" panose="020F0302020204030204" pitchFamily="34" charset="0"/>
+                <a:cs typeface="Calibri Light" panose="020F0302020204030204" pitchFamily="34" charset="0"/>
+              </a:rPr>
               <a:t>3</a:t>
             </a:r>
             <a:r>
-              <a:rPr lang="en-GB" b="1"/>
-              <a:t> </a:t>
-            </a:r>
-            <a:r>
-              <a:rPr lang="en-US" sz="4400" b="1" i="0" u="none" strike="noStrike" cap="none" spc="0">
+              <a:rPr lang="en-GB" b="1" kern="1200" dirty="0">
                 <a:solidFill>
-                  <a:schemeClr val="tx1"/>
+                  <a:srgbClr val="FF3300"/>
                 </a:solidFill>
-                <a:latin typeface="+mj-lt"/>
-                <a:ea typeface="+mj-ea"/>
-                <a:cs typeface="+mj-cs"/>
-              </a:rPr>
-              <a:t>Communication</a:t>
-            </a:r>
-            <a:r>
-              <a:rPr lang="en-US" sz="4400" b="1" i="0" u="none" strike="noStrike" cap="none" spc="0">
-                <a:solidFill>
-                  <a:schemeClr val="tx1"/>
-                </a:solidFill>
-                <a:latin typeface="Calibri Light"/>
-                <a:ea typeface="Arial"/>
-                <a:cs typeface="Arial"/>
+                <a:latin typeface="Calibri Light" panose="020F0302020204030204" pitchFamily="34" charset="0"/>
+                <a:ea typeface="Calibri Light" panose="020F0302020204030204" pitchFamily="34" charset="0"/>
+                <a:cs typeface="Calibri Light" panose="020F0302020204030204" pitchFamily="34" charset="0"/>
               </a:rPr>
               <a:t> </a:t>
             </a:r>
             <a:r>
-              <a:rPr lang="en-GB" sz="4400" b="1" i="0" u="none" strike="noStrike" cap="none" spc="0">
+              <a:rPr lang="en-US" b="1" kern="1200" dirty="0">
                 <a:solidFill>
-                  <a:schemeClr val="tx1"/>
+                  <a:srgbClr val="FF3300"/>
                 </a:solidFill>
-                <a:latin typeface="+mj-lt"/>
-                <a:ea typeface="+mj-ea"/>
-                <a:cs typeface="+mj-cs"/>
+                <a:latin typeface="Calibri Light" panose="020F0302020204030204" pitchFamily="34" charset="0"/>
+                <a:ea typeface="Calibri Light" panose="020F0302020204030204" pitchFamily="34" charset="0"/>
+                <a:cs typeface="Calibri Light" panose="020F0302020204030204" pitchFamily="34" charset="0"/>
+              </a:rPr>
+              <a:t>Communication </a:t>
+            </a:r>
+            <a:r>
+              <a:rPr lang="en-GB" b="1" kern="1200" dirty="0">
+                <a:solidFill>
+                  <a:srgbClr val="FF3300"/>
+                </a:solidFill>
+                <a:latin typeface="Calibri Light" panose="020F0302020204030204" pitchFamily="34" charset="0"/>
+                <a:ea typeface="Calibri Light" panose="020F0302020204030204" pitchFamily="34" charset="0"/>
+                <a:cs typeface="Calibri Light" panose="020F0302020204030204" pitchFamily="34" charset="0"/>
               </a:rPr>
               <a:t>Creative Board - Features</a:t>
             </a:r>
-            <a:endParaRPr/>
+            <a:endParaRPr b="1" kern="1200" dirty="0">
+              <a:solidFill>
+                <a:srgbClr val="FF3300"/>
+              </a:solidFill>
+              <a:latin typeface="Calibri Light" panose="020F0302020204030204" pitchFamily="34" charset="0"/>
+              <a:ea typeface="Calibri Light" panose="020F0302020204030204" pitchFamily="34" charset="0"/>
+              <a:cs typeface="Calibri Light" panose="020F0302020204030204" pitchFamily="34" charset="0"/>
+            </a:endParaRPr>
           </a:p>
         </p:txBody>
       </p:sp>
@@ -11988,6 +12923,69 @@
           </a:p>
         </p:txBody>
       </p:sp>
+      <p:sp>
+        <p:nvSpPr>
+          <p:cNvPr id="2" name="Date Placeholder 1">
+            <a:extLst>
+              <a:ext uri="{FF2B5EF4-FFF2-40B4-BE49-F238E27FC236}">
+                <a16:creationId xmlns:a16="http://schemas.microsoft.com/office/drawing/2014/main" id="{B3E02926-F5FB-6C51-E2D0-30FCC8993511}"/>
+              </a:ext>
+            </a:extLst>
+          </p:cNvPr>
+          <p:cNvSpPr>
+            <a:spLocks noGrp="1"/>
+          </p:cNvSpPr>
+          <p:nvPr>
+            <p:ph type="dt" sz="half" idx="10"/>
+          </p:nvPr>
+        </p:nvSpPr>
+        <p:spPr/>
+        <p:txBody>
+          <a:bodyPr/>
+          <a:lstStyle/>
+          <a:p>
+            <a:pPr>
+              <a:defRPr/>
+            </a:pPr>
+            <a:r>
+              <a:rPr lang="en-GB"/>
+              <a:t>06/12/2025</a:t>
+            </a:r>
+          </a:p>
+        </p:txBody>
+      </p:sp>
+      <p:sp>
+        <p:nvSpPr>
+          <p:cNvPr id="6" name="Slide Number Placeholder 5">
+            <a:extLst>
+              <a:ext uri="{FF2B5EF4-FFF2-40B4-BE49-F238E27FC236}">
+                <a16:creationId xmlns:a16="http://schemas.microsoft.com/office/drawing/2014/main" id="{0BDDFBB1-0230-2A13-A887-01777778E07C}"/>
+              </a:ext>
+            </a:extLst>
+          </p:cNvPr>
+          <p:cNvSpPr>
+            <a:spLocks noGrp="1"/>
+          </p:cNvSpPr>
+          <p:nvPr>
+            <p:ph type="sldNum" sz="quarter" idx="12"/>
+          </p:nvPr>
+        </p:nvSpPr>
+        <p:spPr/>
+        <p:txBody>
+          <a:bodyPr/>
+          <a:lstStyle/>
+          <a:p>
+            <a:pPr>
+              <a:defRPr/>
+            </a:pPr>
+            <a:fld id="{C33A2A5D-5A42-4533-ACF4-15D55555B360}" type="slidenum">
+              <a:rPr lang="en-GB" smtClean="0"/>
+              <a:t>5</a:t>
+            </a:fld>
+            <a:endParaRPr lang="en-GB"/>
+          </a:p>
+        </p:txBody>
+      </p:sp>
     </p:spTree>
   </p:cSld>
   <p:clrMapOvr>
@@ -12025,19 +13023,27 @@
         </p:nvSpPr>
         <p:spPr bwMode="auto"/>
         <p:txBody>
-          <a:bodyPr/>
-          <a:lstStyle/>
-          <a:p>
-            <a:pPr>
-              <a:defRPr/>
-            </a:pPr>
-            <a:r>
-              <a:rPr lang="en-GB">
-                <a:latin typeface="Aptos"/>
+          <a:bodyPr vert="horz" lIns="91440" tIns="45720" rIns="91440" bIns="45720" rtlCol="0" anchor="ctr">
+            <a:normAutofit/>
+          </a:bodyPr>
+          <a:lstStyle/>
+          <a:p>
+            <a:pPr rtl="0">
+              <a:spcBef>
+                <a:spcPct val="0"/>
+              </a:spcBef>
+            </a:pPr>
+            <a:r>
+              <a:rPr lang="en-GB" b="1" kern="1200" dirty="0">
+                <a:solidFill>
+                  <a:srgbClr val="FF3300"/>
+                </a:solidFill>
+                <a:latin typeface="Calibri Light" panose="020F0302020204030204" pitchFamily="34" charset="0"/>
+                <a:ea typeface="Calibri Light" panose="020F0302020204030204" pitchFamily="34" charset="0"/>
+                <a:cs typeface="Calibri Light" panose="020F0302020204030204" pitchFamily="34" charset="0"/>
               </a:rPr>
               <a:t>Health &amp; Safety Precautions</a:t>
             </a:r>
-            <a:endParaRPr lang="en-GB"/>
           </a:p>
         </p:txBody>
       </p:sp>
@@ -12054,7 +13060,7 @@
         <p:spPr bwMode="auto"/>
         <p:txBody>
           <a:bodyPr>
-            <a:normAutofit fontScale="85000" lnSpcReduction="20000"/>
+            <a:normAutofit fontScale="70000" lnSpcReduction="20000"/>
           </a:bodyPr>
           <a:lstStyle/>
           <a:p>
@@ -12062,162 +13068,251 @@
               <a:defRPr/>
             </a:pPr>
             <a:r>
-              <a:rPr lang="en-US" b="1"/>
+              <a:rPr lang="en-US" b="1" dirty="0"/>
               <a:t>Double-check all power connections</a:t>
             </a:r>
             <a:br>
-              <a:rPr lang="en-US"/>
+              <a:rPr lang="en-US" dirty="0"/>
             </a:br>
             <a:r>
-              <a:rPr lang="en-US"/>
+              <a:rPr lang="en-US" dirty="0"/>
               <a:t>Ensure correct </a:t>
             </a:r>
             <a:r>
-              <a:rPr lang="en-US" b="1"/>
+              <a:rPr lang="en-US" b="1" dirty="0"/>
               <a:t>GND</a:t>
             </a:r>
             <a:r>
-              <a:rPr lang="en-US"/>
+              <a:rPr lang="en-US" dirty="0"/>
               <a:t> and </a:t>
             </a:r>
             <a:r>
-              <a:rPr lang="en-US" b="1"/>
+              <a:rPr lang="en-US" b="1" dirty="0"/>
               <a:t>VCC</a:t>
             </a:r>
             <a:r>
-              <a:rPr lang="en-US"/>
+              <a:rPr lang="en-US" dirty="0"/>
               <a:t> wiring for the power supply, OLED, motor drivers, GPS, sensors, and other modules.</a:t>
             </a:r>
-            <a:endParaRPr/>
-          </a:p>
-          <a:p>
-            <a:pPr>
-              <a:defRPr/>
-            </a:pPr>
-            <a:r>
-              <a:rPr lang="en-US" b="1"/>
+            <a:endParaRPr dirty="0"/>
+          </a:p>
+          <a:p>
+            <a:pPr>
+              <a:defRPr/>
+            </a:pPr>
+            <a:r>
+              <a:rPr lang="en-US" b="1" dirty="0"/>
               <a:t>Use the correct input voltage</a:t>
             </a:r>
             <a:br>
-              <a:rPr lang="en-US"/>
+              <a:rPr lang="en-US" dirty="0"/>
             </a:br>
             <a:r>
-              <a:rPr lang="en-US"/>
+              <a:rPr lang="en-US" dirty="0"/>
               <a:t>Battery input should be </a:t>
             </a:r>
             <a:r>
-              <a:rPr lang="en-US" b="1"/>
+              <a:rPr lang="en-US" b="1" dirty="0"/>
               <a:t>between 5V and 12V</a:t>
             </a:r>
             <a:r>
-              <a:rPr lang="en-US"/>
+              <a:rPr lang="en-US" dirty="0"/>
               <a:t> only.</a:t>
             </a:r>
-            <a:endParaRPr/>
-          </a:p>
-          <a:p>
-            <a:pPr>
-              <a:defRPr/>
-            </a:pPr>
-            <a:r>
-              <a:rPr lang="en-US" b="1"/>
+            <a:endParaRPr dirty="0"/>
+          </a:p>
+          <a:p>
+            <a:pPr>
+              <a:defRPr/>
+            </a:pPr>
+            <a:r>
+              <a:rPr lang="en-US" b="1" dirty="0"/>
               <a:t>Work on a safe surface</a:t>
             </a:r>
             <a:br>
-              <a:rPr lang="en-US"/>
+              <a:rPr lang="en-US" dirty="0"/>
             </a:br>
             <a:r>
-              <a:rPr lang="en-US"/>
+              <a:rPr lang="en-US" dirty="0"/>
               <a:t>Use the kit on an </a:t>
             </a:r>
             <a:r>
-              <a:rPr lang="en-US" b="1"/>
+              <a:rPr lang="en-US" b="1" dirty="0"/>
               <a:t>insulated table</a:t>
             </a:r>
             <a:r>
-              <a:rPr lang="en-US"/>
+              <a:rPr lang="en-US" dirty="0"/>
               <a:t> (e.g., wood) and ensure the surface is </a:t>
             </a:r>
             <a:r>
-              <a:rPr lang="en-US" b="1"/>
+              <a:rPr lang="en-US" b="1" dirty="0"/>
               <a:t>dry and clean</a:t>
             </a:r>
             <a:r>
-              <a:rPr lang="en-US"/>
+              <a:rPr lang="en-US" dirty="0"/>
               <a:t>.</a:t>
             </a:r>
-            <a:endParaRPr/>
-          </a:p>
-          <a:p>
-            <a:pPr>
-              <a:defRPr/>
-            </a:pPr>
-            <a:r>
-              <a:rPr lang="en-US" b="1"/>
+            <a:endParaRPr dirty="0"/>
+          </a:p>
+          <a:p>
+            <a:pPr>
+              <a:defRPr/>
+            </a:pPr>
+            <a:r>
+              <a:rPr lang="en-US" b="1" dirty="0"/>
               <a:t>Avoid leaving the kit unattended</a:t>
             </a:r>
             <a:br>
-              <a:rPr lang="en-US"/>
+              <a:rPr lang="en-US" dirty="0"/>
             </a:br>
             <a:r>
-              <a:rPr lang="en-US"/>
+              <a:rPr lang="en-US" dirty="0"/>
               <a:t>Do </a:t>
             </a:r>
             <a:r>
-              <a:rPr lang="en-US" b="1"/>
+              <a:rPr lang="en-US" b="1" dirty="0"/>
               <a:t>not</a:t>
             </a:r>
             <a:r>
-              <a:rPr lang="en-US"/>
+              <a:rPr lang="en-US" dirty="0"/>
               <a:t> keep the system powered on without supervision.</a:t>
             </a:r>
-            <a:endParaRPr/>
-          </a:p>
-          <a:p>
-            <a:pPr>
-              <a:defRPr/>
-            </a:pPr>
-            <a:r>
-              <a:rPr lang="en-GB" b="1"/>
+            <a:endParaRPr dirty="0"/>
+          </a:p>
+          <a:p>
+            <a:pPr>
+              <a:defRPr/>
+            </a:pPr>
+            <a:r>
+              <a:rPr lang="en-GB" b="1" dirty="0"/>
               <a:t>Build and Test Incrementally</a:t>
             </a:r>
             <a:br>
-              <a:rPr lang="en-US"/>
+              <a:rPr lang="en-US" dirty="0"/>
             </a:br>
             <a:r>
-              <a:rPr lang="en-US"/>
+              <a:rPr lang="en-US" dirty="0"/>
               <a:t>Turn on the </a:t>
             </a:r>
             <a:r>
-              <a:rPr lang="en-US" b="1"/>
+              <a:rPr lang="en-US" b="1" dirty="0"/>
               <a:t>microcontroller first</a:t>
             </a:r>
             <a:r>
-              <a:rPr lang="en-US"/>
+              <a:rPr lang="en-US" dirty="0"/>
               <a:t>, then </a:t>
             </a:r>
             <a:r>
-              <a:rPr lang="en-US" b="1"/>
+              <a:rPr lang="en-US" b="1" dirty="0"/>
               <a:t>build and test the circuit step-by-step</a:t>
             </a:r>
             <a:r>
-              <a:rPr lang="en-US"/>
+              <a:rPr lang="en-US" dirty="0"/>
               <a:t>.</a:t>
             </a:r>
             <a:br>
-              <a:rPr lang="en-US"/>
+              <a:rPr lang="en-US" dirty="0"/>
             </a:br>
             <a:r>
-              <a:rPr lang="en-US"/>
+              <a:rPr lang="en-US" dirty="0"/>
               <a:t>Avoid wiring the entire system at once and powering it without intermediate testing.</a:t>
             </a:r>
-            <a:endParaRPr/>
+          </a:p>
+          <a:p>
+            <a:pPr>
+              <a:defRPr/>
+            </a:pPr>
+            <a:r>
+              <a:rPr lang="en-US" b="1" dirty="0"/>
+              <a:t>18650 Battery</a:t>
+            </a:r>
+            <a:r>
+              <a:rPr lang="en-US" dirty="0"/>
+              <a:t> </a:t>
+            </a:r>
+            <a:r>
+              <a:rPr lang="en-US" b="1" dirty="0"/>
+              <a:t>Care</a:t>
+            </a:r>
+            <a:r>
+              <a:rPr lang="en-US" dirty="0"/>
+              <a:t>– For long battery life, charge it at regular intervals. Avoid battery complete draining (going down to 0%), Do not leave the battery unattended while charging or charge it overnight. If the battery appears swollen, leakage or bulging, do not use it. Use a proper Li-ion charger, Dispose of faulty batteries safely and responsibly. </a:t>
+            </a:r>
+          </a:p>
+          <a:p>
+            <a:pPr>
+              <a:defRPr/>
+            </a:pPr>
+            <a:endParaRPr dirty="0"/>
           </a:p>
           <a:p>
             <a:pPr marL="0" indent="0">
               <a:buNone/>
               <a:defRPr/>
             </a:pPr>
+            <a:endParaRPr lang="en-GB" dirty="0"/>
+          </a:p>
+        </p:txBody>
+      </p:sp>
+      <p:sp>
+        <p:nvSpPr>
+          <p:cNvPr id="2" name="Date Placeholder 1">
+            <a:extLst>
+              <a:ext uri="{FF2B5EF4-FFF2-40B4-BE49-F238E27FC236}">
+                <a16:creationId xmlns:a16="http://schemas.microsoft.com/office/drawing/2014/main" id="{BA701DA9-FC22-F75E-0690-252AA51D83AF}"/>
+              </a:ext>
+            </a:extLst>
+          </p:cNvPr>
+          <p:cNvSpPr>
+            <a:spLocks noGrp="1"/>
+          </p:cNvSpPr>
+          <p:nvPr>
+            <p:ph type="dt" sz="half" idx="10"/>
+          </p:nvPr>
+        </p:nvSpPr>
+        <p:spPr/>
+        <p:txBody>
+          <a:bodyPr/>
+          <a:lstStyle/>
+          <a:p>
+            <a:pPr>
+              <a:defRPr/>
+            </a:pPr>
+            <a:r>
+              <a:rPr lang="en-GB"/>
+              <a:t>06/12/2025</a:t>
+            </a:r>
+          </a:p>
+        </p:txBody>
+      </p:sp>
+      <p:sp>
+        <p:nvSpPr>
+          <p:cNvPr id="3" name="Slide Number Placeholder 2">
+            <a:extLst>
+              <a:ext uri="{FF2B5EF4-FFF2-40B4-BE49-F238E27FC236}">
+                <a16:creationId xmlns:a16="http://schemas.microsoft.com/office/drawing/2014/main" id="{B977C7E3-BE86-D527-117E-11CBFA1D9E5A}"/>
+              </a:ext>
+            </a:extLst>
+          </p:cNvPr>
+          <p:cNvSpPr>
+            <a:spLocks noGrp="1"/>
+          </p:cNvSpPr>
+          <p:nvPr>
+            <p:ph type="sldNum" sz="quarter" idx="12"/>
+          </p:nvPr>
+        </p:nvSpPr>
+        <p:spPr/>
+        <p:txBody>
+          <a:bodyPr/>
+          <a:lstStyle/>
+          <a:p>
+            <a:pPr>
+              <a:defRPr/>
+            </a:pPr>
+            <a:fld id="{C33A2A5D-5A42-4533-ACF4-15D55555B360}" type="slidenum">
+              <a:rPr lang="en-GB" smtClean="0"/>
+              <a:t>6</a:t>
+            </a:fld>
             <a:endParaRPr lang="en-GB"/>
           </a:p>
         </p:txBody>
@@ -12264,35 +13359,89 @@
           </a:xfrm>
         </p:spPr>
         <p:txBody>
-          <a:bodyPr/>
-          <a:lstStyle/>
-          <a:p>
-            <a:pPr>
-              <a:defRPr/>
-            </a:pPr>
-            <a:r>
-              <a:rPr lang="en-GB" sz="3600" b="1" i="0" u="none" dirty="0">
+          <a:bodyPr vert="horz" lIns="91440" tIns="45720" rIns="91440" bIns="45720" rtlCol="0" anchor="ctr">
+            <a:normAutofit fontScale="90000"/>
+          </a:bodyPr>
+          <a:lstStyle/>
+          <a:p>
+            <a:pPr rtl="0">
+              <a:spcBef>
+                <a:spcPct val="0"/>
+              </a:spcBef>
+            </a:pPr>
+            <a:r>
+              <a:rPr lang="en-GB" b="1" kern="1200" dirty="0">
                 <a:solidFill>
-                  <a:srgbClr val="000000"/>
+                  <a:srgbClr val="FF3300"/>
                 </a:solidFill>
-                <a:latin typeface="Calibri Light"/>
-                <a:ea typeface="Calibri Light"/>
-                <a:cs typeface="Calibri Light"/>
+                <a:latin typeface="Calibri Light" panose="020F0302020204030204" pitchFamily="34" charset="0"/>
+                <a:ea typeface="Calibri Light" panose="020F0302020204030204" pitchFamily="34" charset="0"/>
+                <a:cs typeface="Calibri Light" panose="020F0302020204030204" pitchFamily="34" charset="0"/>
               </a:rPr>
               <a:t>Lab C1 - </a:t>
             </a:r>
             <a:r>
-              <a:rPr sz="3600" b="1" i="0" u="none" dirty="0">
+              <a:rPr b="1" kern="1200" dirty="0">
                 <a:solidFill>
-                  <a:srgbClr val="000000"/>
+                  <a:srgbClr val="FF3300"/>
                 </a:solidFill>
-                <a:latin typeface="Calibri Light"/>
-                <a:ea typeface="Calibri Light"/>
-                <a:cs typeface="Calibri Light"/>
+                <a:latin typeface="Calibri Light" panose="020F0302020204030204" pitchFamily="34" charset="0"/>
+                <a:ea typeface="Calibri Light" panose="020F0302020204030204" pitchFamily="34" charset="0"/>
+                <a:cs typeface="Calibri Light" panose="020F0302020204030204" pitchFamily="34" charset="0"/>
               </a:rPr>
-              <a:t>RFID Reading &amp; Access Control System (MFRC522 + OLED)</a:t>
-            </a:r>
-            <a:endParaRPr lang="en-GB" dirty="0"/>
+              <a:t>RFID </a:t>
+            </a:r>
+            <a:br>
+              <a:rPr lang="en-GB" b="1" kern="1200" dirty="0">
+                <a:solidFill>
+                  <a:srgbClr val="FF3300"/>
+                </a:solidFill>
+                <a:latin typeface="Calibri Light" panose="020F0302020204030204" pitchFamily="34" charset="0"/>
+                <a:ea typeface="Calibri Light" panose="020F0302020204030204" pitchFamily="34" charset="0"/>
+                <a:cs typeface="Calibri Light" panose="020F0302020204030204" pitchFamily="34" charset="0"/>
+              </a:rPr>
+            </a:br>
+            <a:r>
+              <a:rPr b="1" kern="1200" dirty="0">
+                <a:solidFill>
+                  <a:srgbClr val="FF3300"/>
+                </a:solidFill>
+                <a:latin typeface="Calibri Light" panose="020F0302020204030204" pitchFamily="34" charset="0"/>
+                <a:ea typeface="Calibri Light" panose="020F0302020204030204" pitchFamily="34" charset="0"/>
+                <a:cs typeface="Calibri Light" panose="020F0302020204030204" pitchFamily="34" charset="0"/>
+              </a:rPr>
+              <a:t>Reading &amp; Access Control System </a:t>
+            </a:r>
+            <a:r>
+              <a:rPr lang="en-GB" b="1" kern="1200" dirty="0">
+                <a:solidFill>
+                  <a:srgbClr val="FF3300"/>
+                </a:solidFill>
+                <a:latin typeface="Calibri Light" panose="020F0302020204030204" pitchFamily="34" charset="0"/>
+                <a:ea typeface="Calibri Light" panose="020F0302020204030204" pitchFamily="34" charset="0"/>
+                <a:cs typeface="Calibri Light" panose="020F0302020204030204" pitchFamily="34" charset="0"/>
+              </a:rPr>
+              <a:t>Using </a:t>
+            </a:r>
+            <a:r>
+              <a:rPr b="1" kern="1200" dirty="0">
+                <a:solidFill>
+                  <a:srgbClr val="FF3300"/>
+                </a:solidFill>
+                <a:latin typeface="Calibri Light" panose="020F0302020204030204" pitchFamily="34" charset="0"/>
+                <a:ea typeface="Calibri Light" panose="020F0302020204030204" pitchFamily="34" charset="0"/>
+                <a:cs typeface="Calibri Light" panose="020F0302020204030204" pitchFamily="34" charset="0"/>
+              </a:rPr>
+              <a:t>MFRC522</a:t>
+            </a:r>
+            <a:endParaRPr lang="en-GB" b="1" kern="1200" dirty="0">
+              <a:solidFill>
+                <a:srgbClr val="FF3300"/>
+              </a:solidFill>
+              <a:latin typeface="Calibri Light" panose="020F0302020204030204" pitchFamily="34" charset="0"/>
+              <a:ea typeface="Calibri Light" panose="020F0302020204030204" pitchFamily="34" charset="0"/>
+              <a:cs typeface="Calibri Light" panose="020F0302020204030204" pitchFamily="34" charset="0"/>
+            </a:endParaRPr>
           </a:p>
         </p:txBody>
       </p:sp>
@@ -12368,6 +13517,69 @@
           </a:prstGeom>
         </p:spPr>
       </p:pic>
+      <p:sp>
+        <p:nvSpPr>
+          <p:cNvPr id="2" name="Date Placeholder 1">
+            <a:extLst>
+              <a:ext uri="{FF2B5EF4-FFF2-40B4-BE49-F238E27FC236}">
+                <a16:creationId xmlns:a16="http://schemas.microsoft.com/office/drawing/2014/main" id="{14CF34DD-A036-EEFA-33DD-67D615EED069}"/>
+              </a:ext>
+            </a:extLst>
+          </p:cNvPr>
+          <p:cNvSpPr>
+            <a:spLocks noGrp="1"/>
+          </p:cNvSpPr>
+          <p:nvPr>
+            <p:ph type="dt" sz="half" idx="10"/>
+          </p:nvPr>
+        </p:nvSpPr>
+        <p:spPr/>
+        <p:txBody>
+          <a:bodyPr/>
+          <a:lstStyle/>
+          <a:p>
+            <a:pPr>
+              <a:defRPr/>
+            </a:pPr>
+            <a:r>
+              <a:rPr lang="en-GB"/>
+              <a:t>06/12/2025</a:t>
+            </a:r>
+          </a:p>
+        </p:txBody>
+      </p:sp>
+      <p:sp>
+        <p:nvSpPr>
+          <p:cNvPr id="4" name="Slide Number Placeholder 3">
+            <a:extLst>
+              <a:ext uri="{FF2B5EF4-FFF2-40B4-BE49-F238E27FC236}">
+                <a16:creationId xmlns:a16="http://schemas.microsoft.com/office/drawing/2014/main" id="{8489F14C-D05D-0307-0238-0A428512E233}"/>
+              </a:ext>
+            </a:extLst>
+          </p:cNvPr>
+          <p:cNvSpPr>
+            <a:spLocks noGrp="1"/>
+          </p:cNvSpPr>
+          <p:nvPr>
+            <p:ph type="sldNum" sz="quarter" idx="12"/>
+          </p:nvPr>
+        </p:nvSpPr>
+        <p:spPr/>
+        <p:txBody>
+          <a:bodyPr/>
+          <a:lstStyle/>
+          <a:p>
+            <a:pPr>
+              <a:defRPr/>
+            </a:pPr>
+            <a:fld id="{C33A2A5D-5A42-4533-ACF4-15D55555B360}" type="slidenum">
+              <a:rPr lang="en-GB" smtClean="0"/>
+              <a:t>7</a:t>
+            </a:fld>
+            <a:endParaRPr lang="en-GB"/>
+          </a:p>
+        </p:txBody>
+      </p:sp>
     </p:spTree>
   </p:cSld>
   <p:clrMapOvr>
@@ -12405,28 +13617,61 @@
         </p:nvSpPr>
         <p:spPr bwMode="auto">
           <a:xfrm>
-            <a:off x="695769" y="17951"/>
-            <a:ext cx="10515600" cy="1103683"/>
+            <a:off x="695768" y="17951"/>
+            <a:ext cx="11156387" cy="1103683"/>
           </a:xfrm>
         </p:spPr>
         <p:txBody>
-          <a:bodyPr/>
-          <a:lstStyle/>
-          <a:p>
-            <a:pPr>
-              <a:defRPr/>
-            </a:pPr>
-            <a:r>
-              <a:rPr lang="en-US" sz="3600" b="1" dirty="0">
+          <a:bodyPr vert="horz" lIns="91440" tIns="45720" rIns="91440" bIns="45720" rtlCol="0" anchor="ctr">
+            <a:normAutofit fontScale="90000"/>
+          </a:bodyPr>
+          <a:lstStyle/>
+          <a:p>
+            <a:pPr rtl="0">
+              <a:spcBef>
+                <a:spcPct val="0"/>
+              </a:spcBef>
+            </a:pPr>
+            <a:r>
+              <a:rPr lang="en-US" b="1" kern="1200" dirty="0">
                 <a:solidFill>
-                  <a:srgbClr val="000000"/>
+                  <a:srgbClr val="FF3300"/>
                 </a:solidFill>
-                <a:ea typeface="Calibri Light"/>
-                <a:cs typeface="Calibri Light"/>
+                <a:latin typeface="Calibri Light" panose="020F0302020204030204" pitchFamily="34" charset="0"/>
+                <a:ea typeface="Calibri Light" panose="020F0302020204030204" pitchFamily="34" charset="0"/>
+                <a:cs typeface="Calibri Light" panose="020F0302020204030204" pitchFamily="34" charset="0"/>
               </a:rPr>
-              <a:t>Lab C1 - RFID Reading &amp; Access Control System (MFRC522 + OLED)</a:t>
-            </a:r>
-            <a:endParaRPr lang="en-GB" dirty="0"/>
+              <a:t>Lab C1 - RFID </a:t>
+            </a:r>
+            <a:br>
+              <a:rPr lang="en-US" b="1" kern="1200" dirty="0">
+                <a:solidFill>
+                  <a:srgbClr val="FF3300"/>
+                </a:solidFill>
+                <a:latin typeface="Calibri Light" panose="020F0302020204030204" pitchFamily="34" charset="0"/>
+                <a:ea typeface="Calibri Light" panose="020F0302020204030204" pitchFamily="34" charset="0"/>
+                <a:cs typeface="Calibri Light" panose="020F0302020204030204" pitchFamily="34" charset="0"/>
+              </a:rPr>
+            </a:br>
+            <a:r>
+              <a:rPr lang="en-US" b="1" kern="1200" dirty="0">
+                <a:solidFill>
+                  <a:srgbClr val="FF3300"/>
+                </a:solidFill>
+                <a:latin typeface="Calibri Light" panose="020F0302020204030204" pitchFamily="34" charset="0"/>
+                <a:ea typeface="Calibri Light" panose="020F0302020204030204" pitchFamily="34" charset="0"/>
+                <a:cs typeface="Calibri Light" panose="020F0302020204030204" pitchFamily="34" charset="0"/>
+              </a:rPr>
+              <a:t>Reading &amp; Access Control System Using RFID MFRC522</a:t>
+            </a:r>
+            <a:endParaRPr lang="en-GB" b="1" kern="1200" dirty="0">
+              <a:solidFill>
+                <a:srgbClr val="FF3300"/>
+              </a:solidFill>
+              <a:latin typeface="Calibri Light" panose="020F0302020204030204" pitchFamily="34" charset="0"/>
+              <a:ea typeface="Calibri Light" panose="020F0302020204030204" pitchFamily="34" charset="0"/>
+              <a:cs typeface="Calibri Light" panose="020F0302020204030204" pitchFamily="34" charset="0"/>
+            </a:endParaRPr>
           </a:p>
         </p:txBody>
       </p:sp>
@@ -12455,7 +13700,7 @@
         </p:spPr>
         <p:txBody>
           <a:bodyPr vertOverflow="overflow" horzOverflow="overflow" vert="horz" wrap="square" lIns="91440" tIns="45720" rIns="91440" bIns="45720" numCol="1" spcCol="0" rtlCol="0" fromWordArt="0" anchor="t" anchorCtr="0" forceAA="0" compatLnSpc="0">
-            <a:normAutofit fontScale="70000" lnSpcReduction="20000"/>
+            <a:normAutofit fontScale="77500" lnSpcReduction="20000"/>
           </a:bodyPr>
           <a:lstStyle/>
           <a:p>
@@ -12466,7 +13711,6 @@
               <a:solidFill>
                 <a:srgbClr val="000000"/>
               </a:solidFill>
-              <a:latin typeface="Times New Roman"/>
               <a:ea typeface="Times New Roman"/>
               <a:cs typeface="Times New Roman"/>
             </a:endParaRPr>
@@ -12480,7 +13724,6 @@
                 <a:solidFill>
                   <a:srgbClr val="000000"/>
                 </a:solidFill>
-                <a:latin typeface="Times New Roman"/>
                 <a:ea typeface="Times New Roman"/>
                 <a:cs typeface="Times New Roman"/>
               </a:rPr>
@@ -12493,15 +13736,104 @@
               <a:defRPr/>
             </a:pPr>
             <a:r>
-              <a:rPr sz="1800" b="1" i="0" u="none" dirty="0">
+              <a:rPr sz="1400" i="0" u="none" dirty="0">
                 <a:solidFill>
                   <a:srgbClr val="000000"/>
                 </a:solidFill>
-                <a:latin typeface="Times New Roman"/>
                 <a:ea typeface="Times New Roman"/>
                 <a:cs typeface="Times New Roman"/>
               </a:rPr>
-              <a:t>✅ Recommended Heading</a:t>
+              <a:t>RFID/NFC – UID Reading &amp; Identification Display (MFRC522 + OLED)</a:t>
+            </a:r>
+            <a:endParaRPr dirty="0"/>
+          </a:p>
+          <a:p>
+            <a:pPr>
+              <a:defRPr/>
+            </a:pPr>
+            <a:r>
+              <a:rPr sz="1400" i="0" u="none" dirty="0">
+                <a:solidFill>
+                  <a:srgbClr val="000000"/>
+                </a:solidFill>
+                <a:ea typeface="Times New Roman"/>
+                <a:cs typeface="Times New Roman"/>
+              </a:rPr>
+              <a:t>Alternative headings:</a:t>
+            </a:r>
+            <a:endParaRPr dirty="0"/>
+          </a:p>
+          <a:p>
+            <a:pPr>
+              <a:defRPr/>
+            </a:pPr>
+            <a:r>
+              <a:rPr sz="1200" i="0" u="none" dirty="0">
+                <a:solidFill>
+                  <a:srgbClr val="000000"/>
+                </a:solidFill>
+                <a:ea typeface="Times New Roman"/>
+                <a:cs typeface="Times New Roman"/>
+              </a:rPr>
+              <a:t>RFID – Card UID Scanner with OLED Feedback</a:t>
+            </a:r>
+            <a:endParaRPr dirty="0"/>
+          </a:p>
+          <a:p>
+            <a:pPr>
+              <a:defRPr/>
+            </a:pPr>
+            <a:r>
+              <a:rPr sz="1200" i="0" u="none" dirty="0">
+                <a:solidFill>
+                  <a:srgbClr val="000000"/>
+                </a:solidFill>
+                <a:ea typeface="Times New Roman"/>
+                <a:cs typeface="Times New Roman"/>
+              </a:rPr>
+              <a:t>RFID Reader – UID Detection &amp; Display System</a:t>
+            </a:r>
+            <a:endParaRPr dirty="0"/>
+          </a:p>
+          <a:p>
+            <a:pPr>
+              <a:defRPr/>
+            </a:pPr>
+            <a:r>
+              <a:rPr sz="1200" i="0" u="none" dirty="0">
+                <a:solidFill>
+                  <a:srgbClr val="000000"/>
+                </a:solidFill>
+                <a:ea typeface="Times New Roman"/>
+                <a:cs typeface="Times New Roman"/>
+              </a:rPr>
+              <a:t>RFID/NFC – Simple Card Scanning &amp; UID Output</a:t>
+            </a:r>
+            <a:endParaRPr dirty="0"/>
+          </a:p>
+          <a:p>
+            <a:pPr>
+              <a:defRPr/>
+            </a:pPr>
+            <a:r>
+              <a:rPr sz="2400" i="0" u="none" dirty="0">
+                <a:solidFill>
+                  <a:srgbClr val="000000"/>
+                </a:solidFill>
+                <a:ea typeface="Times New Roman"/>
+                <a:cs typeface="Times New Roman"/>
+              </a:rPr>
+              <a:t>Code Explanation (RFID </a:t>
+            </a:r>
+            <a:r>
+              <a:rPr sz="2400" b="1" i="0" u="none" dirty="0">
+                <a:solidFill>
+                  <a:srgbClr val="000000"/>
+                </a:solidFill>
+                <a:ea typeface="Times New Roman"/>
+                <a:cs typeface="Times New Roman"/>
+              </a:rPr>
+              <a:t>UID Reader)</a:t>
             </a:r>
             <a:endParaRPr dirty="0"/>
           </a:p>
@@ -12514,11 +13846,104 @@
                 <a:solidFill>
                   <a:srgbClr val="000000"/>
                 </a:solidFill>
-                <a:latin typeface="Times New Roman"/>
                 <a:ea typeface="Times New Roman"/>
                 <a:cs typeface="Times New Roman"/>
               </a:rPr>
-              <a:t>RFID/NFC – UID Reading &amp; Identification Display (MFRC522 + OLED)</a:t>
+              <a:t>setup()</a:t>
+            </a:r>
+            <a:endParaRPr dirty="0"/>
+          </a:p>
+          <a:p>
+            <a:pPr>
+              <a:defRPr/>
+            </a:pPr>
+            <a:r>
+              <a:rPr sz="1200" b="0" i="0" u="none" dirty="0">
+                <a:solidFill>
+                  <a:srgbClr val="000000"/>
+                </a:solidFill>
+                <a:ea typeface="Times New Roman"/>
+                <a:cs typeface="Times New Roman"/>
+              </a:rPr>
+              <a:t>Start Serial monitor</a:t>
+            </a:r>
+            <a:endParaRPr dirty="0"/>
+          </a:p>
+          <a:p>
+            <a:pPr>
+              <a:defRPr/>
+            </a:pPr>
+            <a:r>
+              <a:rPr sz="1200" b="0" i="0" u="none" dirty="0">
+                <a:solidFill>
+                  <a:srgbClr val="000000"/>
+                </a:solidFill>
+                <a:ea typeface="Times New Roman"/>
+                <a:cs typeface="Times New Roman"/>
+              </a:rPr>
+              <a:t>Initialize </a:t>
+            </a:r>
+            <a:r>
+              <a:rPr sz="1200" b="1" i="0" u="none" dirty="0">
+                <a:solidFill>
+                  <a:srgbClr val="000000"/>
+                </a:solidFill>
+                <a:ea typeface="Times New Roman"/>
+                <a:cs typeface="Times New Roman"/>
+              </a:rPr>
+              <a:t>OLED</a:t>
+            </a:r>
+            <a:r>
+              <a:rPr sz="1200" b="0" i="0" u="none" dirty="0">
+                <a:solidFill>
+                  <a:srgbClr val="000000"/>
+                </a:solidFill>
+                <a:ea typeface="Times New Roman"/>
+                <a:cs typeface="Times New Roman"/>
+              </a:rPr>
+              <a:t>, show “RFID Ready”</a:t>
+            </a:r>
+            <a:endParaRPr dirty="0"/>
+          </a:p>
+          <a:p>
+            <a:pPr>
+              <a:defRPr/>
+            </a:pPr>
+            <a:r>
+              <a:rPr sz="1200" b="0" i="0" u="none" dirty="0">
+                <a:solidFill>
+                  <a:srgbClr val="000000"/>
+                </a:solidFill>
+                <a:ea typeface="Times New Roman"/>
+                <a:cs typeface="Times New Roman"/>
+              </a:rPr>
+              <a:t>Initialize </a:t>
+            </a:r>
+            <a:r>
+              <a:rPr sz="1200" b="1" i="0" u="none" dirty="0">
+                <a:solidFill>
+                  <a:srgbClr val="000000"/>
+                </a:solidFill>
+                <a:ea typeface="Times New Roman"/>
+                <a:cs typeface="Times New Roman"/>
+              </a:rPr>
+              <a:t>RFID reader (MFRC522)</a:t>
+            </a:r>
+            <a:endParaRPr dirty="0"/>
+          </a:p>
+          <a:p>
+            <a:pPr>
+              <a:defRPr/>
+            </a:pPr>
+            <a:r>
+              <a:rPr sz="1200" b="0" i="0" u="none" dirty="0">
+                <a:solidFill>
+                  <a:srgbClr val="000000"/>
+                </a:solidFill>
+                <a:ea typeface="Times New Roman"/>
+                <a:cs typeface="Times New Roman"/>
+              </a:rPr>
+              <a:t>Display “Scan card…” message in Serial</a:t>
             </a:r>
             <a:endParaRPr dirty="0"/>
           </a:p>
@@ -12531,11 +13956,10 @@
                 <a:solidFill>
                   <a:srgbClr val="000000"/>
                 </a:solidFill>
-                <a:latin typeface="Times New Roman"/>
                 <a:ea typeface="Times New Roman"/>
                 <a:cs typeface="Times New Roman"/>
               </a:rPr>
-              <a:t>Alternative headings:</a:t>
+              <a:t>loop()</a:t>
             </a:r>
             <a:endParaRPr dirty="0"/>
           </a:p>
@@ -12543,16 +13967,25 @@
             <a:pPr>
               <a:defRPr/>
             </a:pPr>
+            <a:r>
+              <a:rPr sz="1200" b="0" i="0" u="none" dirty="0">
+                <a:solidFill>
+                  <a:srgbClr val="000000"/>
+                </a:solidFill>
+                <a:ea typeface="Times New Roman"/>
+                <a:cs typeface="Times New Roman"/>
+              </a:rPr>
+              <a:t>Check if a </a:t>
+            </a:r>
             <a:r>
               <a:rPr sz="1200" b="1" i="0" u="none" dirty="0">
                 <a:solidFill>
                   <a:srgbClr val="000000"/>
                 </a:solidFill>
-                <a:latin typeface="Times New Roman"/>
                 <a:ea typeface="Times New Roman"/>
                 <a:cs typeface="Times New Roman"/>
               </a:rPr>
-              <a:t>RFID – Card UID Scanner with OLED Feedback</a:t>
+              <a:t>new card is present</a:t>
             </a:r>
             <a:endParaRPr dirty="0"/>
           </a:p>
@@ -12560,16 +13993,25 @@
             <a:pPr>
               <a:defRPr/>
             </a:pPr>
+            <a:r>
+              <a:rPr sz="1200" b="0" i="0" u="none" dirty="0">
+                <a:solidFill>
+                  <a:srgbClr val="000000"/>
+                </a:solidFill>
+                <a:ea typeface="Times New Roman"/>
+                <a:cs typeface="Times New Roman"/>
+              </a:rPr>
+              <a:t>Read card’s </a:t>
+            </a:r>
             <a:r>
               <a:rPr sz="1200" b="1" i="0" u="none" dirty="0">
                 <a:solidFill>
                   <a:srgbClr val="000000"/>
                 </a:solidFill>
-                <a:latin typeface="Times New Roman"/>
                 <a:ea typeface="Times New Roman"/>
                 <a:cs typeface="Times New Roman"/>
               </a:rPr>
-              <a:t>RFID Reader – UID Detection &amp; Display System</a:t>
+              <a:t>UID bytes</a:t>
             </a:r>
             <a:endParaRPr dirty="0"/>
           </a:p>
@@ -12577,50 +14019,25 @@
             <a:pPr>
               <a:defRPr/>
             </a:pPr>
+            <a:r>
+              <a:rPr sz="1200" b="0" i="0" u="none" dirty="0">
+                <a:solidFill>
+                  <a:srgbClr val="000000"/>
+                </a:solidFill>
+                <a:ea typeface="Times New Roman"/>
+                <a:cs typeface="Times New Roman"/>
+              </a:rPr>
+              <a:t>Convert UID to </a:t>
+            </a:r>
             <a:r>
               <a:rPr sz="1200" b="1" i="0" u="none" dirty="0">
                 <a:solidFill>
                   <a:srgbClr val="000000"/>
                 </a:solidFill>
-                <a:latin typeface="Times New Roman"/>
                 <a:ea typeface="Times New Roman"/>
                 <a:cs typeface="Times New Roman"/>
               </a:rPr>
-              <a:t>RFID/NFC – Simple Card Scanning &amp; UID Output</a:t>
-            </a:r>
-            <a:endParaRPr dirty="0"/>
-          </a:p>
-          <a:p>
-            <a:pPr>
-              <a:defRPr/>
-            </a:pPr>
-            <a:r>
-              <a:rPr sz="2400" b="1" i="0" u="none" dirty="0">
-                <a:solidFill>
-                  <a:srgbClr val="000000"/>
-                </a:solidFill>
-                <a:latin typeface="Times New Roman"/>
-                <a:ea typeface="Times New Roman"/>
-                <a:cs typeface="Times New Roman"/>
-              </a:rPr>
-              <a:t>⭐ Simple Code Explanation (RFID UID Reader)</a:t>
-            </a:r>
-            <a:endParaRPr dirty="0"/>
-          </a:p>
-          <a:p>
-            <a:pPr>
-              <a:defRPr/>
-            </a:pPr>
-            <a:r>
-              <a:rPr sz="1400" b="1" i="0" u="none" dirty="0">
-                <a:solidFill>
-                  <a:srgbClr val="000000"/>
-                </a:solidFill>
-                <a:latin typeface="Times New Roman"/>
-                <a:ea typeface="Times New Roman"/>
-                <a:cs typeface="Times New Roman"/>
-              </a:rPr>
-              <a:t>setup()</a:t>
+              <a:t>HEX string</a:t>
             </a:r>
             <a:endParaRPr dirty="0"/>
           </a:p>
@@ -12633,11 +14050,10 @@
                 <a:solidFill>
                   <a:srgbClr val="000000"/>
                 </a:solidFill>
-                <a:latin typeface="Times New Roman"/>
                 <a:ea typeface="Times New Roman"/>
                 <a:cs typeface="Times New Roman"/>
               </a:rPr>
-              <a:t>Start Serial monitor</a:t>
+              <a:t>Print UID in Serial</a:t>
             </a:r>
             <a:endParaRPr dirty="0"/>
           </a:p>
@@ -12650,33 +14066,26 @@
                 <a:solidFill>
                   <a:srgbClr val="000000"/>
                 </a:solidFill>
-                <a:latin typeface="Times New Roman"/>
                 <a:ea typeface="Times New Roman"/>
                 <a:cs typeface="Times New Roman"/>
               </a:rPr>
-              <a:t>Initialize </a:t>
-            </a:r>
-            <a:r>
-              <a:rPr sz="1200" b="1" i="0" u="none" dirty="0">
-                <a:solidFill>
-                  <a:srgbClr val="000000"/>
-                </a:solidFill>
-                <a:latin typeface="Times New Roman"/>
-                <a:ea typeface="Times New Roman"/>
-                <a:cs typeface="Times New Roman"/>
-              </a:rPr>
-              <a:t>OLED</a:t>
-            </a:r>
+              <a:t>Display UID on OLED</a:t>
+            </a:r>
+            <a:endParaRPr dirty="0"/>
+          </a:p>
+          <a:p>
+            <a:pPr>
+              <a:defRPr/>
+            </a:pPr>
             <a:r>
               <a:rPr sz="1200" b="0" i="0" u="none" dirty="0">
                 <a:solidFill>
                   <a:srgbClr val="000000"/>
                 </a:solidFill>
-                <a:latin typeface="Times New Roman"/>
                 <a:ea typeface="Times New Roman"/>
                 <a:cs typeface="Times New Roman"/>
               </a:rPr>
-              <a:t>, show “RFID Ready”</a:t>
+              <a:t>Title: “RFID UID”</a:t>
             </a:r>
             <a:endParaRPr dirty="0"/>
           </a:p>
@@ -12689,22 +14098,10 @@
                 <a:solidFill>
                   <a:srgbClr val="000000"/>
                 </a:solidFill>
-                <a:latin typeface="Times New Roman"/>
                 <a:ea typeface="Times New Roman"/>
                 <a:cs typeface="Times New Roman"/>
               </a:rPr>
-              <a:t>Initialize </a:t>
-            </a:r>
-            <a:r>
-              <a:rPr sz="1200" b="1" i="0" u="none" dirty="0">
-                <a:solidFill>
-                  <a:srgbClr val="000000"/>
-                </a:solidFill>
-                <a:latin typeface="Times New Roman"/>
-                <a:ea typeface="Times New Roman"/>
-                <a:cs typeface="Times New Roman"/>
-              </a:rPr>
-              <a:t>RFID reader (MFRC522)</a:t>
+              <a:t>UID printed below</a:t>
             </a:r>
             <a:endParaRPr dirty="0"/>
           </a:p>
@@ -12717,193 +14114,6 @@
                 <a:solidFill>
                   <a:srgbClr val="000000"/>
                 </a:solidFill>
-                <a:latin typeface="Times New Roman"/>
-                <a:ea typeface="Times New Roman"/>
-                <a:cs typeface="Times New Roman"/>
-              </a:rPr>
-              <a:t>Display “Scan card…” message in Serial</a:t>
-            </a:r>
-            <a:endParaRPr dirty="0"/>
-          </a:p>
-          <a:p>
-            <a:pPr>
-              <a:defRPr/>
-            </a:pPr>
-            <a:r>
-              <a:rPr sz="1400" b="1" i="0" u="none" dirty="0">
-                <a:solidFill>
-                  <a:srgbClr val="000000"/>
-                </a:solidFill>
-                <a:latin typeface="Times New Roman"/>
-                <a:ea typeface="Times New Roman"/>
-                <a:cs typeface="Times New Roman"/>
-              </a:rPr>
-              <a:t>loop()</a:t>
-            </a:r>
-            <a:endParaRPr dirty="0"/>
-          </a:p>
-          <a:p>
-            <a:pPr>
-              <a:defRPr/>
-            </a:pPr>
-            <a:r>
-              <a:rPr sz="1200" b="0" i="0" u="none" dirty="0">
-                <a:solidFill>
-                  <a:srgbClr val="000000"/>
-                </a:solidFill>
-                <a:latin typeface="Times New Roman"/>
-                <a:ea typeface="Times New Roman"/>
-                <a:cs typeface="Times New Roman"/>
-              </a:rPr>
-              <a:t>Check if a </a:t>
-            </a:r>
-            <a:r>
-              <a:rPr sz="1200" b="1" i="0" u="none" dirty="0">
-                <a:solidFill>
-                  <a:srgbClr val="000000"/>
-                </a:solidFill>
-                <a:latin typeface="Times New Roman"/>
-                <a:ea typeface="Times New Roman"/>
-                <a:cs typeface="Times New Roman"/>
-              </a:rPr>
-              <a:t>new card is present</a:t>
-            </a:r>
-            <a:endParaRPr dirty="0"/>
-          </a:p>
-          <a:p>
-            <a:pPr>
-              <a:defRPr/>
-            </a:pPr>
-            <a:r>
-              <a:rPr sz="1200" b="0" i="0" u="none" dirty="0">
-                <a:solidFill>
-                  <a:srgbClr val="000000"/>
-                </a:solidFill>
-                <a:latin typeface="Times New Roman"/>
-                <a:ea typeface="Times New Roman"/>
-                <a:cs typeface="Times New Roman"/>
-              </a:rPr>
-              <a:t>Read card’s </a:t>
-            </a:r>
-            <a:r>
-              <a:rPr sz="1200" b="1" i="0" u="none" dirty="0">
-                <a:solidFill>
-                  <a:srgbClr val="000000"/>
-                </a:solidFill>
-                <a:latin typeface="Times New Roman"/>
-                <a:ea typeface="Times New Roman"/>
-                <a:cs typeface="Times New Roman"/>
-              </a:rPr>
-              <a:t>UID bytes</a:t>
-            </a:r>
-            <a:endParaRPr dirty="0"/>
-          </a:p>
-          <a:p>
-            <a:pPr>
-              <a:defRPr/>
-            </a:pPr>
-            <a:r>
-              <a:rPr sz="1200" b="0" i="0" u="none" dirty="0">
-                <a:solidFill>
-                  <a:srgbClr val="000000"/>
-                </a:solidFill>
-                <a:latin typeface="Times New Roman"/>
-                <a:ea typeface="Times New Roman"/>
-                <a:cs typeface="Times New Roman"/>
-              </a:rPr>
-              <a:t>Convert UID to </a:t>
-            </a:r>
-            <a:r>
-              <a:rPr sz="1200" b="1" i="0" u="none" dirty="0">
-                <a:solidFill>
-                  <a:srgbClr val="000000"/>
-                </a:solidFill>
-                <a:latin typeface="Times New Roman"/>
-                <a:ea typeface="Times New Roman"/>
-                <a:cs typeface="Times New Roman"/>
-              </a:rPr>
-              <a:t>HEX string</a:t>
-            </a:r>
-            <a:endParaRPr dirty="0"/>
-          </a:p>
-          <a:p>
-            <a:pPr>
-              <a:defRPr/>
-            </a:pPr>
-            <a:r>
-              <a:rPr sz="1200" b="0" i="0" u="none" dirty="0">
-                <a:solidFill>
-                  <a:srgbClr val="000000"/>
-                </a:solidFill>
-                <a:latin typeface="Times New Roman"/>
-                <a:ea typeface="Times New Roman"/>
-                <a:cs typeface="Times New Roman"/>
-              </a:rPr>
-              <a:t>Print UID in Serial</a:t>
-            </a:r>
-            <a:endParaRPr dirty="0"/>
-          </a:p>
-          <a:p>
-            <a:pPr>
-              <a:defRPr/>
-            </a:pPr>
-            <a:r>
-              <a:rPr sz="1200" b="0" i="0" u="none" dirty="0">
-                <a:solidFill>
-                  <a:srgbClr val="000000"/>
-                </a:solidFill>
-                <a:latin typeface="Times New Roman"/>
-                <a:ea typeface="Times New Roman"/>
-                <a:cs typeface="Times New Roman"/>
-              </a:rPr>
-              <a:t>Display UID on OLED</a:t>
-            </a:r>
-            <a:endParaRPr dirty="0"/>
-          </a:p>
-          <a:p>
-            <a:pPr>
-              <a:defRPr/>
-            </a:pPr>
-            <a:r>
-              <a:rPr sz="1200" b="0" i="0" u="none" dirty="0">
-                <a:solidFill>
-                  <a:srgbClr val="000000"/>
-                </a:solidFill>
-                <a:latin typeface="Times New Roman"/>
-                <a:ea typeface="Times New Roman"/>
-                <a:cs typeface="Times New Roman"/>
-              </a:rPr>
-              <a:t>Title: “RFID UID”</a:t>
-            </a:r>
-            <a:endParaRPr dirty="0"/>
-          </a:p>
-          <a:p>
-            <a:pPr>
-              <a:defRPr/>
-            </a:pPr>
-            <a:r>
-              <a:rPr sz="1200" b="0" i="0" u="none" dirty="0">
-                <a:solidFill>
-                  <a:srgbClr val="000000"/>
-                </a:solidFill>
-                <a:latin typeface="Times New Roman"/>
-                <a:ea typeface="Times New Roman"/>
-                <a:cs typeface="Times New Roman"/>
-              </a:rPr>
-              <a:t>UID printed below</a:t>
-            </a:r>
-            <a:endParaRPr dirty="0"/>
-          </a:p>
-          <a:p>
-            <a:pPr>
-              <a:defRPr/>
-            </a:pPr>
-            <a:r>
-              <a:rPr sz="1200" b="0" i="0" u="none" dirty="0">
-                <a:solidFill>
-                  <a:srgbClr val="000000"/>
-                </a:solidFill>
-                <a:latin typeface="Times New Roman"/>
                 <a:ea typeface="Times New Roman"/>
                 <a:cs typeface="Times New Roman"/>
               </a:rPr>
@@ -12927,7 +14137,7 @@
         </p:blipFill>
         <p:spPr bwMode="auto">
           <a:xfrm>
-            <a:off x="6356846" y="1121634"/>
+            <a:off x="6368585" y="1080199"/>
             <a:ext cx="4112663" cy="4163948"/>
           </a:xfrm>
           <a:prstGeom prst="rect">
@@ -12956,6 +14166,13 @@
             <a:avLst/>
           </a:prstGeom>
           <a:noFill/>
+          <a:ln>
+            <a:solidFill>
+              <a:schemeClr val="accent1">
+                <a:lumMod val="75000"/>
+              </a:schemeClr>
+            </a:solidFill>
+          </a:ln>
         </p:spPr>
         <p:txBody>
           <a:bodyPr wrap="square" rtlCol="0">
@@ -12969,34 +14186,20 @@
             </a:r>
             <a:r>
               <a:rPr lang="en-GB" b="1" dirty="0"/>
-              <a:t> Link:</a:t>
+              <a:t> Code Link:</a:t>
             </a:r>
           </a:p>
           <a:p>
             <a:r>
               <a:rPr lang="en-GB" sz="1200" b="1" dirty="0"/>
-              <a:t>(1). </a:t>
-            </a:r>
-            <a:r>
-              <a:rPr lang="en-GB" sz="1200" b="1" dirty="0">
-                <a:hlinkClick r:id="rId4"/>
-              </a:rPr>
-              <a:t>https://github.com/info-zas/Training/tree/main/GPREC/03_Communications/01_Code/01_Comm_Kit_RFIDCardInfo</a:t>
-            </a:r>
-            <a:endParaRPr lang="en-GB" sz="1200" b="1" dirty="0"/>
+              <a:t>(1) https://github.com/info-zas/Training/tree/main/GPREC/03_Communications/01_Code/01_Comm_Kit_RFIDCardInfo</a:t>
+            </a:r>
           </a:p>
           <a:p>
             <a:r>
               <a:rPr lang="en-GB" sz="1200" b="1" dirty="0"/>
-              <a:t>(2). </a:t>
-            </a:r>
-            <a:r>
-              <a:rPr lang="en-GB" sz="1200" b="1" dirty="0">
-                <a:hlinkClick r:id="rId5"/>
-              </a:rPr>
-              <a:t>https://github.com/info-zas/Training/tree/main/GPREC/03_Communications/01_Code/02_Comm_Kit_RFIDCardReaderAccess</a:t>
-            </a:r>
-            <a:endParaRPr lang="en-GB" sz="1200" b="1" dirty="0"/>
+              <a:t>(2) https://github.com/info-zas/Training/tree/main/GPREC/03_Communications/01_Code/02_Comm_Kit_RFIDCardReaderAccess</a:t>
+            </a:r>
           </a:p>
         </p:txBody>
       </p:sp>
@@ -13014,7 +14217,7 @@
         </p:nvSpPr>
         <p:spPr>
           <a:xfrm>
-            <a:off x="7944465" y="3038168"/>
+            <a:off x="7956876" y="2751324"/>
             <a:ext cx="1268361" cy="904567"/>
           </a:xfrm>
           <a:prstGeom prst="rect">
@@ -13051,7 +14254,7 @@
         </p:nvSpPr>
         <p:spPr bwMode="auto">
           <a:xfrm>
-            <a:off x="9311150" y="3509063"/>
+            <a:off x="9313247" y="3230598"/>
             <a:ext cx="680542" cy="545690"/>
           </a:xfrm>
           <a:prstGeom prst="rect">
@@ -13088,7 +14291,7 @@
         </p:nvSpPr>
         <p:spPr bwMode="auto">
           <a:xfrm>
-            <a:off x="10112748" y="2604845"/>
+            <a:off x="10061056" y="2286559"/>
             <a:ext cx="420192" cy="1648309"/>
           </a:xfrm>
           <a:prstGeom prst="rect">
@@ -13108,6 +14311,69 @@
           <a:lstStyle/>
           <a:p>
             <a:endParaRPr lang="en-GB" dirty="0"/>
+          </a:p>
+        </p:txBody>
+      </p:sp>
+      <p:sp>
+        <p:nvSpPr>
+          <p:cNvPr id="4" name="Date Placeholder 3">
+            <a:extLst>
+              <a:ext uri="{FF2B5EF4-FFF2-40B4-BE49-F238E27FC236}">
+                <a16:creationId xmlns:a16="http://schemas.microsoft.com/office/drawing/2014/main" id="{C9E30650-4C93-DD9E-AC0E-C0A4F39A13F0}"/>
+              </a:ext>
+            </a:extLst>
+          </p:cNvPr>
+          <p:cNvSpPr>
+            <a:spLocks noGrp="1"/>
+          </p:cNvSpPr>
+          <p:nvPr>
+            <p:ph type="dt" sz="half" idx="10"/>
+          </p:nvPr>
+        </p:nvSpPr>
+        <p:spPr/>
+        <p:txBody>
+          <a:bodyPr/>
+          <a:lstStyle/>
+          <a:p>
+            <a:pPr>
+              <a:defRPr/>
+            </a:pPr>
+            <a:r>
+              <a:rPr lang="en-GB"/>
+              <a:t>06/12/2025</a:t>
+            </a:r>
+          </a:p>
+        </p:txBody>
+      </p:sp>
+      <p:sp>
+        <p:nvSpPr>
+          <p:cNvPr id="7" name="Slide Number Placeholder 6">
+            <a:extLst>
+              <a:ext uri="{FF2B5EF4-FFF2-40B4-BE49-F238E27FC236}">
+                <a16:creationId xmlns:a16="http://schemas.microsoft.com/office/drawing/2014/main" id="{471A73CD-6D2B-0DBA-9365-07A3A277F433}"/>
+              </a:ext>
+            </a:extLst>
+          </p:cNvPr>
+          <p:cNvSpPr>
+            <a:spLocks noGrp="1"/>
+          </p:cNvSpPr>
+          <p:nvPr>
+            <p:ph type="sldNum" sz="quarter" idx="12"/>
+          </p:nvPr>
+        </p:nvSpPr>
+        <p:spPr/>
+        <p:txBody>
+          <a:bodyPr/>
+          <a:lstStyle/>
+          <a:p>
+            <a:pPr>
+              <a:defRPr/>
+            </a:pPr>
+            <a:fld id="{C33A2A5D-5A42-4533-ACF4-15D55555B360}" type="slidenum">
+              <a:rPr lang="en-GB" smtClean="0"/>
+              <a:t>8</a:t>
+            </a:fld>
+            <a:endParaRPr lang="en-GB"/>
           </a:p>
         </p:txBody>
       </p:sp>
@@ -13146,27 +14412,25 @@
             <p:ph type="title"/>
           </p:nvPr>
         </p:nvSpPr>
-        <p:spPr bwMode="auto"/>
+        <p:spPr bwMode="auto">
+          <a:xfrm>
+            <a:off x="815853" y="163814"/>
+            <a:ext cx="10515600" cy="1325563"/>
+          </a:xfrm>
+        </p:spPr>
         <p:txBody>
           <a:bodyPr vert="horz" lIns="91440" tIns="45720" rIns="91440" bIns="45720" rtlCol="0" anchor="ctr">
-            <a:normAutofit/>
+            <a:noAutofit/>
           </a:bodyPr>
           <a:lstStyle/>
           <a:p>
-            <a:pPr lvl="1" algn="l">
-              <a:lnSpc>
-                <a:spcPct val="90000"/>
-              </a:lnSpc>
-              <a:defRPr/>
-            </a:pPr>
-            <a:r>
-              <a:rPr lang="en-GB" sz="3600" b="1" dirty="0">
+            <a:pPr lvl="1"/>
+            <a:r>
+              <a:rPr lang="en-GB" sz="4000" b="1" dirty="0">
                 <a:solidFill>
-                  <a:srgbClr val="000000"/>
+                  <a:srgbClr val="FF3300"/>
                 </a:solidFill>
                 <a:latin typeface="+mj-lt"/>
-                <a:ea typeface="Calibri Light"/>
-                <a:cs typeface="Calibri Light"/>
               </a:rPr>
               <a:t>Lab C2 – Wireless Communication between Tx and Rx Using NRF24L01</a:t>
             </a:r>
@@ -13262,6 +14526,69 @@
           </a:prstGeom>
         </p:spPr>
       </p:pic>
+      <p:sp>
+        <p:nvSpPr>
+          <p:cNvPr id="2" name="Date Placeholder 1">
+            <a:extLst>
+              <a:ext uri="{FF2B5EF4-FFF2-40B4-BE49-F238E27FC236}">
+                <a16:creationId xmlns:a16="http://schemas.microsoft.com/office/drawing/2014/main" id="{03130EBD-3C02-4C9E-7907-082A69166C8D}"/>
+              </a:ext>
+            </a:extLst>
+          </p:cNvPr>
+          <p:cNvSpPr>
+            <a:spLocks noGrp="1"/>
+          </p:cNvSpPr>
+          <p:nvPr>
+            <p:ph type="dt" sz="half" idx="10"/>
+          </p:nvPr>
+        </p:nvSpPr>
+        <p:spPr/>
+        <p:txBody>
+          <a:bodyPr/>
+          <a:lstStyle/>
+          <a:p>
+            <a:pPr>
+              <a:defRPr/>
+            </a:pPr>
+            <a:r>
+              <a:rPr lang="en-GB"/>
+              <a:t>06/12/2025</a:t>
+            </a:r>
+          </a:p>
+        </p:txBody>
+      </p:sp>
+      <p:sp>
+        <p:nvSpPr>
+          <p:cNvPr id="4" name="Slide Number Placeholder 3">
+            <a:extLst>
+              <a:ext uri="{FF2B5EF4-FFF2-40B4-BE49-F238E27FC236}">
+                <a16:creationId xmlns:a16="http://schemas.microsoft.com/office/drawing/2014/main" id="{D44411A6-768C-F439-B450-9FDD9FA42E99}"/>
+              </a:ext>
+            </a:extLst>
+          </p:cNvPr>
+          <p:cNvSpPr>
+            <a:spLocks noGrp="1"/>
+          </p:cNvSpPr>
+          <p:nvPr>
+            <p:ph type="sldNum" sz="quarter" idx="12"/>
+          </p:nvPr>
+        </p:nvSpPr>
+        <p:spPr/>
+        <p:txBody>
+          <a:bodyPr/>
+          <a:lstStyle/>
+          <a:p>
+            <a:pPr>
+              <a:defRPr/>
+            </a:pPr>
+            <a:fld id="{C33A2A5D-5A42-4533-ACF4-15D55555B360}" type="slidenum">
+              <a:rPr lang="en-GB" smtClean="0"/>
+              <a:t>9</a:t>
+            </a:fld>
+            <a:endParaRPr lang="en-GB"/>
+          </a:p>
+        </p:txBody>
+      </p:sp>
     </p:spTree>
   </p:cSld>
   <p:clrMapOvr>
